--- a/slide-decks/Software-Engineering-Fundamentals-Part-1.pptx
+++ b/slide-decks/Software-Engineering-Fundamentals-Part-1.pptx
@@ -204,6 +204,1525 @@
 
 <file path=ppt/changesInfos/changesInfo1.xml><?xml version="1.0" encoding="utf-8"?>
 <pc:chgInfo xmlns:a="http://schemas.openxmlformats.org/drawingml/2006/main" xmlns:r="http://schemas.openxmlformats.org/officeDocument/2006/relationships" xmlns:ac="http://schemas.microsoft.com/office/drawing/2013/main/command" xmlns:pc="http://schemas.microsoft.com/office/powerpoint/2013/main/command">
+  <pc:docChgLst>
+    <pc:chgData name="Jason M. Penniman" userId="ae3cb814-cbe4-44aa-afa6-3cd4f8a8ce08" providerId="ADAL" clId="{6D6B7E1D-A254-4E18-ABE2-B2F68D1855EB}"/>
+    <pc:docChg chg="undo redo custSel addSld delSld modSld sldOrd">
+      <pc:chgData name="Jason M. Penniman" userId="ae3cb814-cbe4-44aa-afa6-3cd4f8a8ce08" providerId="ADAL" clId="{6D6B7E1D-A254-4E18-ABE2-B2F68D1855EB}" dt="2020-01-17T20:48:14.433" v="4892" actId="1076"/>
+      <pc:docMkLst>
+        <pc:docMk/>
+      </pc:docMkLst>
+      <pc:sldChg chg="modSp">
+        <pc:chgData name="Jason M. Penniman" userId="ae3cb814-cbe4-44aa-afa6-3cd4f8a8ce08" providerId="ADAL" clId="{6D6B7E1D-A254-4E18-ABE2-B2F68D1855EB}" dt="2020-01-17T16:27:22.700" v="44" actId="20577"/>
+        <pc:sldMkLst>
+          <pc:docMk/>
+          <pc:sldMk cId="2781154489" sldId="257"/>
+        </pc:sldMkLst>
+        <pc:spChg chg="mod">
+          <ac:chgData name="Jason M. Penniman" userId="ae3cb814-cbe4-44aa-afa6-3cd4f8a8ce08" providerId="ADAL" clId="{6D6B7E1D-A254-4E18-ABE2-B2F68D1855EB}" dt="2020-01-17T16:27:22.700" v="44" actId="20577"/>
+          <ac:spMkLst>
+            <pc:docMk/>
+            <pc:sldMk cId="2781154489" sldId="257"/>
+            <ac:spMk id="3" creationId="{879089F3-F828-48F0-AEB3-6E88969AA0D7}"/>
+          </ac:spMkLst>
+        </pc:spChg>
+      </pc:sldChg>
+      <pc:sldChg chg="addSp delSp modSp modAnim">
+        <pc:chgData name="Jason M. Penniman" userId="ae3cb814-cbe4-44aa-afa6-3cd4f8a8ce08" providerId="ADAL" clId="{6D6B7E1D-A254-4E18-ABE2-B2F68D1855EB}" dt="2020-01-17T18:36:56.458" v="3311"/>
+        <pc:sldMkLst>
+          <pc:docMk/>
+          <pc:sldMk cId="4163164900" sldId="303"/>
+        </pc:sldMkLst>
+        <pc:spChg chg="mod">
+          <ac:chgData name="Jason M. Penniman" userId="ae3cb814-cbe4-44aa-afa6-3cd4f8a8ce08" providerId="ADAL" clId="{6D6B7E1D-A254-4E18-ABE2-B2F68D1855EB}" dt="2020-01-17T16:32:38.100" v="66" actId="20577"/>
+          <ac:spMkLst>
+            <pc:docMk/>
+            <pc:sldMk cId="4163164900" sldId="303"/>
+            <ac:spMk id="3" creationId="{DC050969-95F8-4BFA-B4AD-CCF7D2C60D46}"/>
+          </ac:spMkLst>
+        </pc:spChg>
+        <pc:spChg chg="mod topLvl">
+          <ac:chgData name="Jason M. Penniman" userId="ae3cb814-cbe4-44aa-afa6-3cd4f8a8ce08" providerId="ADAL" clId="{6D6B7E1D-A254-4E18-ABE2-B2F68D1855EB}" dt="2020-01-17T18:33:35.697" v="3272" actId="164"/>
+          <ac:spMkLst>
+            <pc:docMk/>
+            <pc:sldMk cId="4163164900" sldId="303"/>
+            <ac:spMk id="5" creationId="{C833C004-F29F-41FD-B3E4-E10ED1C48A66}"/>
+          </ac:spMkLst>
+        </pc:spChg>
+        <pc:spChg chg="mod topLvl">
+          <ac:chgData name="Jason M. Penniman" userId="ae3cb814-cbe4-44aa-afa6-3cd4f8a8ce08" providerId="ADAL" clId="{6D6B7E1D-A254-4E18-ABE2-B2F68D1855EB}" dt="2020-01-17T18:34:53.042" v="3281" actId="164"/>
+          <ac:spMkLst>
+            <pc:docMk/>
+            <pc:sldMk cId="4163164900" sldId="303"/>
+            <ac:spMk id="7" creationId="{626F4F6B-61B7-44F4-B601-8D3A70FFDE63}"/>
+          </ac:spMkLst>
+        </pc:spChg>
+        <pc:spChg chg="mod topLvl">
+          <ac:chgData name="Jason M. Penniman" userId="ae3cb814-cbe4-44aa-afa6-3cd4f8a8ce08" providerId="ADAL" clId="{6D6B7E1D-A254-4E18-ABE2-B2F68D1855EB}" dt="2020-01-17T18:34:53.042" v="3281" actId="164"/>
+          <ac:spMkLst>
+            <pc:docMk/>
+            <pc:sldMk cId="4163164900" sldId="303"/>
+            <ac:spMk id="9" creationId="{A91C30B6-1D28-4CE2-A008-20C3F75A5FAD}"/>
+          </ac:spMkLst>
+        </pc:spChg>
+        <pc:spChg chg="mod topLvl">
+          <ac:chgData name="Jason M. Penniman" userId="ae3cb814-cbe4-44aa-afa6-3cd4f8a8ce08" providerId="ADAL" clId="{6D6B7E1D-A254-4E18-ABE2-B2F68D1855EB}" dt="2020-01-17T18:34:53.042" v="3281" actId="164"/>
+          <ac:spMkLst>
+            <pc:docMk/>
+            <pc:sldMk cId="4163164900" sldId="303"/>
+            <ac:spMk id="20" creationId="{307B64CE-7EB1-4ACC-A41D-A1F27493A780}"/>
+          </ac:spMkLst>
+        </pc:spChg>
+        <pc:spChg chg="mod topLvl">
+          <ac:chgData name="Jason M. Penniman" userId="ae3cb814-cbe4-44aa-afa6-3cd4f8a8ce08" providerId="ADAL" clId="{6D6B7E1D-A254-4E18-ABE2-B2F68D1855EB}" dt="2020-01-17T18:34:53.042" v="3281" actId="164"/>
+          <ac:spMkLst>
+            <pc:docMk/>
+            <pc:sldMk cId="4163164900" sldId="303"/>
+            <ac:spMk id="28" creationId="{4F95E06C-3834-41B9-8506-5F7371F00E4F}"/>
+          </ac:spMkLst>
+        </pc:spChg>
+        <pc:grpChg chg="add mod">
+          <ac:chgData name="Jason M. Penniman" userId="ae3cb814-cbe4-44aa-afa6-3cd4f8a8ce08" providerId="ADAL" clId="{6D6B7E1D-A254-4E18-ABE2-B2F68D1855EB}" dt="2020-01-17T18:34:53.042" v="3281" actId="164"/>
+          <ac:grpSpMkLst>
+            <pc:docMk/>
+            <pc:sldMk cId="4163164900" sldId="303"/>
+            <ac:grpSpMk id="6" creationId="{C37E6FB0-D14E-48AD-93FE-B8DF63B26255}"/>
+          </ac:grpSpMkLst>
+        </pc:grpChg>
+        <pc:grpChg chg="add mod">
+          <ac:chgData name="Jason M. Penniman" userId="ae3cb814-cbe4-44aa-afa6-3cd4f8a8ce08" providerId="ADAL" clId="{6D6B7E1D-A254-4E18-ABE2-B2F68D1855EB}" dt="2020-01-17T18:34:53.042" v="3281" actId="164"/>
+          <ac:grpSpMkLst>
+            <pc:docMk/>
+            <pc:sldMk cId="4163164900" sldId="303"/>
+            <ac:grpSpMk id="10" creationId="{9567A766-26FA-46F1-8DD1-422E66309794}"/>
+          </ac:grpSpMkLst>
+        </pc:grpChg>
+        <pc:grpChg chg="mod topLvl">
+          <ac:chgData name="Jason M. Penniman" userId="ae3cb814-cbe4-44aa-afa6-3cd4f8a8ce08" providerId="ADAL" clId="{6D6B7E1D-A254-4E18-ABE2-B2F68D1855EB}" dt="2020-01-17T18:34:53.042" v="3281" actId="164"/>
+          <ac:grpSpMkLst>
+            <pc:docMk/>
+            <pc:sldMk cId="4163164900" sldId="303"/>
+            <ac:grpSpMk id="12" creationId="{246991C3-2644-474A-979A-900ADFC7783E}"/>
+          </ac:grpSpMkLst>
+        </pc:grpChg>
+        <pc:grpChg chg="del">
+          <ac:chgData name="Jason M. Penniman" userId="ae3cb814-cbe4-44aa-afa6-3cd4f8a8ce08" providerId="ADAL" clId="{6D6B7E1D-A254-4E18-ABE2-B2F68D1855EB}" dt="2020-01-17T18:33:22.185" v="3271" actId="165"/>
+          <ac:grpSpMkLst>
+            <pc:docMk/>
+            <pc:sldMk cId="4163164900" sldId="303"/>
+            <ac:grpSpMk id="1027" creationId="{C7C66CE2-8FF2-400C-B3DF-9DBA883E01D5}"/>
+          </ac:grpSpMkLst>
+        </pc:grpChg>
+        <pc:picChg chg="mod topLvl">
+          <ac:chgData name="Jason M. Penniman" userId="ae3cb814-cbe4-44aa-afa6-3cd4f8a8ce08" providerId="ADAL" clId="{6D6B7E1D-A254-4E18-ABE2-B2F68D1855EB}" dt="2020-01-17T18:33:35.697" v="3272" actId="164"/>
+          <ac:picMkLst>
+            <pc:docMk/>
+            <pc:sldMk cId="4163164900" sldId="303"/>
+            <ac:picMk id="26" creationId="{9EB5814F-D079-4AC5-82CE-0383A8580CB1}"/>
+          </ac:picMkLst>
+        </pc:picChg>
+        <pc:picChg chg="mod topLvl">
+          <ac:chgData name="Jason M. Penniman" userId="ae3cb814-cbe4-44aa-afa6-3cd4f8a8ce08" providerId="ADAL" clId="{6D6B7E1D-A254-4E18-ABE2-B2F68D1855EB}" dt="2020-01-17T18:34:53.042" v="3281" actId="164"/>
+          <ac:picMkLst>
+            <pc:docMk/>
+            <pc:sldMk cId="4163164900" sldId="303"/>
+            <ac:picMk id="27" creationId="{C9511E04-699D-418A-986D-383D2B7554C3}"/>
+          </ac:picMkLst>
+        </pc:picChg>
+        <pc:picChg chg="mod topLvl">
+          <ac:chgData name="Jason M. Penniman" userId="ae3cb814-cbe4-44aa-afa6-3cd4f8a8ce08" providerId="ADAL" clId="{6D6B7E1D-A254-4E18-ABE2-B2F68D1855EB}" dt="2020-01-17T18:34:53.042" v="3281" actId="164"/>
+          <ac:picMkLst>
+            <pc:docMk/>
+            <pc:sldMk cId="4163164900" sldId="303"/>
+            <ac:picMk id="1026" creationId="{D9085F98-32BF-4396-90DA-F93833746A45}"/>
+          </ac:picMkLst>
+        </pc:picChg>
+        <pc:cxnChg chg="mod topLvl">
+          <ac:chgData name="Jason M. Penniman" userId="ae3cb814-cbe4-44aa-afa6-3cd4f8a8ce08" providerId="ADAL" clId="{6D6B7E1D-A254-4E18-ABE2-B2F68D1855EB}" dt="2020-01-17T18:34:53.042" v="3281" actId="164"/>
+          <ac:cxnSpMkLst>
+            <pc:docMk/>
+            <pc:sldMk cId="4163164900" sldId="303"/>
+            <ac:cxnSpMk id="17" creationId="{17427834-3DDC-4C60-BC42-1C6F588D35AF}"/>
+          </ac:cxnSpMkLst>
+        </pc:cxnChg>
+        <pc:cxnChg chg="mod topLvl">
+          <ac:chgData name="Jason M. Penniman" userId="ae3cb814-cbe4-44aa-afa6-3cd4f8a8ce08" providerId="ADAL" clId="{6D6B7E1D-A254-4E18-ABE2-B2F68D1855EB}" dt="2020-01-17T18:34:53.042" v="3281" actId="164"/>
+          <ac:cxnSpMkLst>
+            <pc:docMk/>
+            <pc:sldMk cId="4163164900" sldId="303"/>
+            <ac:cxnSpMk id="19" creationId="{00B434E8-69BA-4CF3-B482-9441E1BEF072}"/>
+          </ac:cxnSpMkLst>
+        </pc:cxnChg>
+        <pc:cxnChg chg="mod topLvl">
+          <ac:chgData name="Jason M. Penniman" userId="ae3cb814-cbe4-44aa-afa6-3cd4f8a8ce08" providerId="ADAL" clId="{6D6B7E1D-A254-4E18-ABE2-B2F68D1855EB}" dt="2020-01-17T18:34:53.042" v="3281" actId="164"/>
+          <ac:cxnSpMkLst>
+            <pc:docMk/>
+            <pc:sldMk cId="4163164900" sldId="303"/>
+            <ac:cxnSpMk id="22" creationId="{B797E575-B8D3-4548-845D-EDC0434A82B8}"/>
+          </ac:cxnSpMkLst>
+        </pc:cxnChg>
+        <pc:cxnChg chg="mod topLvl">
+          <ac:chgData name="Jason M. Penniman" userId="ae3cb814-cbe4-44aa-afa6-3cd4f8a8ce08" providerId="ADAL" clId="{6D6B7E1D-A254-4E18-ABE2-B2F68D1855EB}" dt="2020-01-17T18:34:53.042" v="3281" actId="164"/>
+          <ac:cxnSpMkLst>
+            <pc:docMk/>
+            <pc:sldMk cId="4163164900" sldId="303"/>
+            <ac:cxnSpMk id="24" creationId="{4934FF26-7A5A-485C-9CC3-3D3851B64DB0}"/>
+          </ac:cxnSpMkLst>
+        </pc:cxnChg>
+      </pc:sldChg>
+      <pc:sldChg chg="addSp modSp">
+        <pc:chgData name="Jason M. Penniman" userId="ae3cb814-cbe4-44aa-afa6-3cd4f8a8ce08" providerId="ADAL" clId="{6D6B7E1D-A254-4E18-ABE2-B2F68D1855EB}" dt="2020-01-17T17:55:11.963" v="2308" actId="1076"/>
+        <pc:sldMkLst>
+          <pc:docMk/>
+          <pc:sldMk cId="2410940359" sldId="305"/>
+        </pc:sldMkLst>
+        <pc:spChg chg="add mod">
+          <ac:chgData name="Jason M. Penniman" userId="ae3cb814-cbe4-44aa-afa6-3cd4f8a8ce08" providerId="ADAL" clId="{6D6B7E1D-A254-4E18-ABE2-B2F68D1855EB}" dt="2020-01-17T17:55:11.963" v="2308" actId="1076"/>
+          <ac:spMkLst>
+            <pc:docMk/>
+            <pc:sldMk cId="2410940359" sldId="305"/>
+            <ac:spMk id="7" creationId="{BD50B1F3-5F87-42A5-8CAF-CBB7C9F946DB}"/>
+          </ac:spMkLst>
+        </pc:spChg>
+        <pc:picChg chg="mod">
+          <ac:chgData name="Jason M. Penniman" userId="ae3cb814-cbe4-44aa-afa6-3cd4f8a8ce08" providerId="ADAL" clId="{6D6B7E1D-A254-4E18-ABE2-B2F68D1855EB}" dt="2020-01-17T17:55:05.938" v="2307" actId="1076"/>
+          <ac:picMkLst>
+            <pc:docMk/>
+            <pc:sldMk cId="2410940359" sldId="305"/>
+            <ac:picMk id="5" creationId="{851FFE39-2E3B-4715-9019-98E9277F2659}"/>
+          </ac:picMkLst>
+        </pc:picChg>
+      </pc:sldChg>
+      <pc:sldChg chg="add del">
+        <pc:chgData name="Jason M. Penniman" userId="ae3cb814-cbe4-44aa-afa6-3cd4f8a8ce08" providerId="ADAL" clId="{6D6B7E1D-A254-4E18-ABE2-B2F68D1855EB}" dt="2020-01-17T17:14:28.149" v="2027" actId="2696"/>
+        <pc:sldMkLst>
+          <pc:docMk/>
+          <pc:sldMk cId="3553869946" sldId="307"/>
+        </pc:sldMkLst>
+      </pc:sldChg>
+      <pc:sldChg chg="del">
+        <pc:chgData name="Jason M. Penniman" userId="ae3cb814-cbe4-44aa-afa6-3cd4f8a8ce08" providerId="ADAL" clId="{6D6B7E1D-A254-4E18-ABE2-B2F68D1855EB}" dt="2020-01-17T17:14:37.767" v="2028" actId="2696"/>
+        <pc:sldMkLst>
+          <pc:docMk/>
+          <pc:sldMk cId="1365824474" sldId="316"/>
+        </pc:sldMkLst>
+      </pc:sldChg>
+      <pc:sldChg chg="modSp modAnim">
+        <pc:chgData name="Jason M. Penniman" userId="ae3cb814-cbe4-44aa-afa6-3cd4f8a8ce08" providerId="ADAL" clId="{6D6B7E1D-A254-4E18-ABE2-B2F68D1855EB}" dt="2020-01-17T18:21:48.488" v="3172" actId="20577"/>
+        <pc:sldMkLst>
+          <pc:docMk/>
+          <pc:sldMk cId="3238536183" sldId="317"/>
+        </pc:sldMkLst>
+        <pc:spChg chg="mod">
+          <ac:chgData name="Jason M. Penniman" userId="ae3cb814-cbe4-44aa-afa6-3cd4f8a8ce08" providerId="ADAL" clId="{6D6B7E1D-A254-4E18-ABE2-B2F68D1855EB}" dt="2020-01-17T18:21:48.488" v="3172" actId="20577"/>
+          <ac:spMkLst>
+            <pc:docMk/>
+            <pc:sldMk cId="3238536183" sldId="317"/>
+            <ac:spMk id="3" creationId="{85C6E164-F944-4D55-A399-5542CE2DAC58}"/>
+          </ac:spMkLst>
+        </pc:spChg>
+      </pc:sldChg>
+      <pc:sldChg chg="addSp delSp modSp add">
+        <pc:chgData name="Jason M. Penniman" userId="ae3cb814-cbe4-44aa-afa6-3cd4f8a8ce08" providerId="ADAL" clId="{6D6B7E1D-A254-4E18-ABE2-B2F68D1855EB}" dt="2020-01-17T16:35:25.667" v="116" actId="20577"/>
+        <pc:sldMkLst>
+          <pc:docMk/>
+          <pc:sldMk cId="2774839274" sldId="331"/>
+        </pc:sldMkLst>
+        <pc:spChg chg="del">
+          <ac:chgData name="Jason M. Penniman" userId="ae3cb814-cbe4-44aa-afa6-3cd4f8a8ce08" providerId="ADAL" clId="{6D6B7E1D-A254-4E18-ABE2-B2F68D1855EB}" dt="2020-01-17T16:35:07.112" v="68"/>
+          <ac:spMkLst>
+            <pc:docMk/>
+            <pc:sldMk cId="2774839274" sldId="331"/>
+            <ac:spMk id="2" creationId="{BC5F2EB1-B26F-4967-AA60-A7CB5D5D83CE}"/>
+          </ac:spMkLst>
+        </pc:spChg>
+        <pc:spChg chg="del">
+          <ac:chgData name="Jason M. Penniman" userId="ae3cb814-cbe4-44aa-afa6-3cd4f8a8ce08" providerId="ADAL" clId="{6D6B7E1D-A254-4E18-ABE2-B2F68D1855EB}" dt="2020-01-17T16:35:07.112" v="68"/>
+          <ac:spMkLst>
+            <pc:docMk/>
+            <pc:sldMk cId="2774839274" sldId="331"/>
+            <ac:spMk id="3" creationId="{63C4108A-B766-425E-B978-24376C54F904}"/>
+          </ac:spMkLst>
+        </pc:spChg>
+        <pc:spChg chg="add mod">
+          <ac:chgData name="Jason M. Penniman" userId="ae3cb814-cbe4-44aa-afa6-3cd4f8a8ce08" providerId="ADAL" clId="{6D6B7E1D-A254-4E18-ABE2-B2F68D1855EB}" dt="2020-01-17T16:35:25.667" v="116" actId="20577"/>
+          <ac:spMkLst>
+            <pc:docMk/>
+            <pc:sldMk cId="2774839274" sldId="331"/>
+            <ac:spMk id="5" creationId="{B7F2FE2A-B312-4630-923A-2CAE2163C9C9}"/>
+          </ac:spMkLst>
+        </pc:spChg>
+        <pc:spChg chg="add mod">
+          <ac:chgData name="Jason M. Penniman" userId="ae3cb814-cbe4-44aa-afa6-3cd4f8a8ce08" providerId="ADAL" clId="{6D6B7E1D-A254-4E18-ABE2-B2F68D1855EB}" dt="2020-01-17T16:35:07.112" v="68"/>
+          <ac:spMkLst>
+            <pc:docMk/>
+            <pc:sldMk cId="2774839274" sldId="331"/>
+            <ac:spMk id="6" creationId="{845EF090-D49C-43A7-A52B-904FC4B36D4A}"/>
+          </ac:spMkLst>
+        </pc:spChg>
+      </pc:sldChg>
+      <pc:sldChg chg="modSp add">
+        <pc:chgData name="Jason M. Penniman" userId="ae3cb814-cbe4-44aa-afa6-3cd4f8a8ce08" providerId="ADAL" clId="{6D6B7E1D-A254-4E18-ABE2-B2F68D1855EB}" dt="2020-01-17T16:48:17.662" v="389" actId="20577"/>
+        <pc:sldMkLst>
+          <pc:docMk/>
+          <pc:sldMk cId="1230730517" sldId="332"/>
+        </pc:sldMkLst>
+        <pc:spChg chg="mod">
+          <ac:chgData name="Jason M. Penniman" userId="ae3cb814-cbe4-44aa-afa6-3cd4f8a8ce08" providerId="ADAL" clId="{6D6B7E1D-A254-4E18-ABE2-B2F68D1855EB}" dt="2020-01-17T16:45:46.542" v="178" actId="20577"/>
+          <ac:spMkLst>
+            <pc:docMk/>
+            <pc:sldMk cId="1230730517" sldId="332"/>
+            <ac:spMk id="2" creationId="{A2C7B6A6-81AC-4A64-A234-EA13EAE2ECA1}"/>
+          </ac:spMkLst>
+        </pc:spChg>
+        <pc:spChg chg="mod">
+          <ac:chgData name="Jason M. Penniman" userId="ae3cb814-cbe4-44aa-afa6-3cd4f8a8ce08" providerId="ADAL" clId="{6D6B7E1D-A254-4E18-ABE2-B2F68D1855EB}" dt="2020-01-17T16:48:17.662" v="389" actId="20577"/>
+          <ac:spMkLst>
+            <pc:docMk/>
+            <pc:sldMk cId="1230730517" sldId="332"/>
+            <ac:spMk id="3" creationId="{3CB3519D-8B5E-417B-B844-27449F149264}"/>
+          </ac:spMkLst>
+        </pc:spChg>
+      </pc:sldChg>
+      <pc:sldChg chg="addSp delSp modSp add">
+        <pc:chgData name="Jason M. Penniman" userId="ae3cb814-cbe4-44aa-afa6-3cd4f8a8ce08" providerId="ADAL" clId="{6D6B7E1D-A254-4E18-ABE2-B2F68D1855EB}" dt="2020-01-17T16:45:35.229" v="147" actId="20577"/>
+        <pc:sldMkLst>
+          <pc:docMk/>
+          <pc:sldMk cId="1698349172" sldId="333"/>
+        </pc:sldMkLst>
+        <pc:spChg chg="del">
+          <ac:chgData name="Jason M. Penniman" userId="ae3cb814-cbe4-44aa-afa6-3cd4f8a8ce08" providerId="ADAL" clId="{6D6B7E1D-A254-4E18-ABE2-B2F68D1855EB}" dt="2020-01-17T16:45:25.466" v="119"/>
+          <ac:spMkLst>
+            <pc:docMk/>
+            <pc:sldMk cId="1698349172" sldId="333"/>
+            <ac:spMk id="2" creationId="{A850BF59-F28A-4923-8094-E6F415F06268}"/>
+          </ac:spMkLst>
+        </pc:spChg>
+        <pc:spChg chg="del">
+          <ac:chgData name="Jason M. Penniman" userId="ae3cb814-cbe4-44aa-afa6-3cd4f8a8ce08" providerId="ADAL" clId="{6D6B7E1D-A254-4E18-ABE2-B2F68D1855EB}" dt="2020-01-17T16:45:25.466" v="119"/>
+          <ac:spMkLst>
+            <pc:docMk/>
+            <pc:sldMk cId="1698349172" sldId="333"/>
+            <ac:spMk id="3" creationId="{6ECB5689-C37F-45EF-BD0A-C7C95F833A4F}"/>
+          </ac:spMkLst>
+        </pc:spChg>
+        <pc:spChg chg="add mod">
+          <ac:chgData name="Jason M. Penniman" userId="ae3cb814-cbe4-44aa-afa6-3cd4f8a8ce08" providerId="ADAL" clId="{6D6B7E1D-A254-4E18-ABE2-B2F68D1855EB}" dt="2020-01-17T16:45:35.229" v="147" actId="20577"/>
+          <ac:spMkLst>
+            <pc:docMk/>
+            <pc:sldMk cId="1698349172" sldId="333"/>
+            <ac:spMk id="5" creationId="{070719A4-ADA4-48C7-B4F5-E69FE21453A6}"/>
+          </ac:spMkLst>
+        </pc:spChg>
+        <pc:spChg chg="add mod">
+          <ac:chgData name="Jason M. Penniman" userId="ae3cb814-cbe4-44aa-afa6-3cd4f8a8ce08" providerId="ADAL" clId="{6D6B7E1D-A254-4E18-ABE2-B2F68D1855EB}" dt="2020-01-17T16:45:25.466" v="119"/>
+          <ac:spMkLst>
+            <pc:docMk/>
+            <pc:sldMk cId="1698349172" sldId="333"/>
+            <ac:spMk id="6" creationId="{1E3BA999-01D6-46FF-B3FA-ECD4FC0F8398}"/>
+          </ac:spMkLst>
+        </pc:spChg>
+      </pc:sldChg>
+      <pc:sldChg chg="modSp add">
+        <pc:chgData name="Jason M. Penniman" userId="ae3cb814-cbe4-44aa-afa6-3cd4f8a8ce08" providerId="ADAL" clId="{6D6B7E1D-A254-4E18-ABE2-B2F68D1855EB}" dt="2020-01-17T16:53:53.250" v="1074" actId="14100"/>
+        <pc:sldMkLst>
+          <pc:docMk/>
+          <pc:sldMk cId="1170766378" sldId="334"/>
+        </pc:sldMkLst>
+        <pc:spChg chg="mod">
+          <ac:chgData name="Jason M. Penniman" userId="ae3cb814-cbe4-44aa-afa6-3cd4f8a8ce08" providerId="ADAL" clId="{6D6B7E1D-A254-4E18-ABE2-B2F68D1855EB}" dt="2020-01-17T16:49:02.752" v="413" actId="20577"/>
+          <ac:spMkLst>
+            <pc:docMk/>
+            <pc:sldMk cId="1170766378" sldId="334"/>
+            <ac:spMk id="2" creationId="{763EF624-62CE-4151-9E66-E692DFA1F9CF}"/>
+          </ac:spMkLst>
+        </pc:spChg>
+        <pc:spChg chg="mod">
+          <ac:chgData name="Jason M. Penniman" userId="ae3cb814-cbe4-44aa-afa6-3cd4f8a8ce08" providerId="ADAL" clId="{6D6B7E1D-A254-4E18-ABE2-B2F68D1855EB}" dt="2020-01-17T16:53:53.250" v="1074" actId="14100"/>
+          <ac:spMkLst>
+            <pc:docMk/>
+            <pc:sldMk cId="1170766378" sldId="334"/>
+            <ac:spMk id="3" creationId="{5F55BB34-0530-4695-A2C2-4D1024C886E6}"/>
+          </ac:spMkLst>
+        </pc:spChg>
+      </pc:sldChg>
+      <pc:sldChg chg="modSp add">
+        <pc:chgData name="Jason M. Penniman" userId="ae3cb814-cbe4-44aa-afa6-3cd4f8a8ce08" providerId="ADAL" clId="{6D6B7E1D-A254-4E18-ABE2-B2F68D1855EB}" dt="2020-01-17T17:04:24.624" v="1850" actId="20577"/>
+        <pc:sldMkLst>
+          <pc:docMk/>
+          <pc:sldMk cId="1933813524" sldId="335"/>
+        </pc:sldMkLst>
+        <pc:spChg chg="mod">
+          <ac:chgData name="Jason M. Penniman" userId="ae3cb814-cbe4-44aa-afa6-3cd4f8a8ce08" providerId="ADAL" clId="{6D6B7E1D-A254-4E18-ABE2-B2F68D1855EB}" dt="2020-01-17T16:54:38.669" v="1089" actId="20577"/>
+          <ac:spMkLst>
+            <pc:docMk/>
+            <pc:sldMk cId="1933813524" sldId="335"/>
+            <ac:spMk id="2" creationId="{07402972-D7C6-4366-8228-11EF5439E21D}"/>
+          </ac:spMkLst>
+        </pc:spChg>
+        <pc:spChg chg="mod">
+          <ac:chgData name="Jason M. Penniman" userId="ae3cb814-cbe4-44aa-afa6-3cd4f8a8ce08" providerId="ADAL" clId="{6D6B7E1D-A254-4E18-ABE2-B2F68D1855EB}" dt="2020-01-17T17:04:24.624" v="1850" actId="20577"/>
+          <ac:spMkLst>
+            <pc:docMk/>
+            <pc:sldMk cId="1933813524" sldId="335"/>
+            <ac:spMk id="3" creationId="{5F859A9E-F820-4330-9E53-CDB0534A0D4E}"/>
+          </ac:spMkLst>
+        </pc:spChg>
+      </pc:sldChg>
+      <pc:sldChg chg="modSp add">
+        <pc:chgData name="Jason M. Penniman" userId="ae3cb814-cbe4-44aa-afa6-3cd4f8a8ce08" providerId="ADAL" clId="{6D6B7E1D-A254-4E18-ABE2-B2F68D1855EB}" dt="2020-01-17T17:06:04.798" v="1873" actId="20577"/>
+        <pc:sldMkLst>
+          <pc:docMk/>
+          <pc:sldMk cId="3669033986" sldId="336"/>
+        </pc:sldMkLst>
+        <pc:spChg chg="mod">
+          <ac:chgData name="Jason M. Penniman" userId="ae3cb814-cbe4-44aa-afa6-3cd4f8a8ce08" providerId="ADAL" clId="{6D6B7E1D-A254-4E18-ABE2-B2F68D1855EB}" dt="2020-01-17T17:05:16.306" v="1860" actId="27636"/>
+          <ac:spMkLst>
+            <pc:docMk/>
+            <pc:sldMk cId="3669033986" sldId="336"/>
+            <ac:spMk id="2" creationId="{FC59DA06-AB08-4C96-8C4E-7F61A35C0320}"/>
+          </ac:spMkLst>
+        </pc:spChg>
+        <pc:spChg chg="mod">
+          <ac:chgData name="Jason M. Penniman" userId="ae3cb814-cbe4-44aa-afa6-3cd4f8a8ce08" providerId="ADAL" clId="{6D6B7E1D-A254-4E18-ABE2-B2F68D1855EB}" dt="2020-01-17T17:06:04.798" v="1873" actId="20577"/>
+          <ac:spMkLst>
+            <pc:docMk/>
+            <pc:sldMk cId="3669033986" sldId="336"/>
+            <ac:spMk id="3" creationId="{5AF12AF2-8E70-49CB-A601-900F0015B3F3}"/>
+          </ac:spMkLst>
+        </pc:spChg>
+      </pc:sldChg>
+      <pc:sldChg chg="modSp add">
+        <pc:chgData name="Jason M. Penniman" userId="ae3cb814-cbe4-44aa-afa6-3cd4f8a8ce08" providerId="ADAL" clId="{6D6B7E1D-A254-4E18-ABE2-B2F68D1855EB}" dt="2020-01-17T17:09:23.939" v="1999" actId="20577"/>
+        <pc:sldMkLst>
+          <pc:docMk/>
+          <pc:sldMk cId="1791667814" sldId="337"/>
+        </pc:sldMkLst>
+        <pc:spChg chg="mod">
+          <ac:chgData name="Jason M. Penniman" userId="ae3cb814-cbe4-44aa-afa6-3cd4f8a8ce08" providerId="ADAL" clId="{6D6B7E1D-A254-4E18-ABE2-B2F68D1855EB}" dt="2020-01-17T17:07:57.952" v="1894" actId="20577"/>
+          <ac:spMkLst>
+            <pc:docMk/>
+            <pc:sldMk cId="1791667814" sldId="337"/>
+            <ac:spMk id="2" creationId="{A62290B2-7EDA-429E-AAC8-8DEB76139C1C}"/>
+          </ac:spMkLst>
+        </pc:spChg>
+        <pc:spChg chg="mod">
+          <ac:chgData name="Jason M. Penniman" userId="ae3cb814-cbe4-44aa-afa6-3cd4f8a8ce08" providerId="ADAL" clId="{6D6B7E1D-A254-4E18-ABE2-B2F68D1855EB}" dt="2020-01-17T17:09:23.939" v="1999" actId="20577"/>
+          <ac:spMkLst>
+            <pc:docMk/>
+            <pc:sldMk cId="1791667814" sldId="337"/>
+            <ac:spMk id="3" creationId="{7A03286F-D026-4538-9281-185E6BB43552}"/>
+          </ac:spMkLst>
+        </pc:spChg>
+      </pc:sldChg>
+      <pc:sldChg chg="modSp">
+        <pc:chgData name="Jason M. Penniman" userId="ae3cb814-cbe4-44aa-afa6-3cd4f8a8ce08" providerId="ADAL" clId="{6D6B7E1D-A254-4E18-ABE2-B2F68D1855EB}" dt="2020-01-17T17:12:30.309" v="2022" actId="20577"/>
+        <pc:sldMkLst>
+          <pc:docMk/>
+          <pc:sldMk cId="4045948962" sldId="338"/>
+        </pc:sldMkLst>
+        <pc:spChg chg="mod">
+          <ac:chgData name="Jason M. Penniman" userId="ae3cb814-cbe4-44aa-afa6-3cd4f8a8ce08" providerId="ADAL" clId="{6D6B7E1D-A254-4E18-ABE2-B2F68D1855EB}" dt="2020-01-17T17:12:30.309" v="2022" actId="20577"/>
+          <ac:spMkLst>
+            <pc:docMk/>
+            <pc:sldMk cId="4045948962" sldId="338"/>
+            <ac:spMk id="2" creationId="{E17F6803-B57A-4BB4-998F-048B66C1A450}"/>
+          </ac:spMkLst>
+        </pc:spChg>
+      </pc:sldChg>
+      <pc:sldChg chg="add del">
+        <pc:chgData name="Jason M. Penniman" userId="ae3cb814-cbe4-44aa-afa6-3cd4f8a8ce08" providerId="ADAL" clId="{6D6B7E1D-A254-4E18-ABE2-B2F68D1855EB}" dt="2020-01-17T17:14:21.308" v="2026"/>
+        <pc:sldMkLst>
+          <pc:docMk/>
+          <pc:sldMk cId="1063770722" sldId="339"/>
+        </pc:sldMkLst>
+      </pc:sldChg>
+      <pc:sldChg chg="addSp delSp modSp add ord">
+        <pc:chgData name="Jason M. Penniman" userId="ae3cb814-cbe4-44aa-afa6-3cd4f8a8ce08" providerId="ADAL" clId="{6D6B7E1D-A254-4E18-ABE2-B2F68D1855EB}" dt="2020-01-17T17:58:38.899" v="2341"/>
+        <pc:sldMkLst>
+          <pc:docMk/>
+          <pc:sldMk cId="3407447910" sldId="339"/>
+        </pc:sldMkLst>
+        <pc:spChg chg="del">
+          <ac:chgData name="Jason M. Penniman" userId="ae3cb814-cbe4-44aa-afa6-3cd4f8a8ce08" providerId="ADAL" clId="{6D6B7E1D-A254-4E18-ABE2-B2F68D1855EB}" dt="2020-01-17T17:32:54.562" v="2030"/>
+          <ac:spMkLst>
+            <pc:docMk/>
+            <pc:sldMk cId="3407447910" sldId="339"/>
+            <ac:spMk id="2" creationId="{25FC2922-36F6-4F01-AFA3-12D3EC03B559}"/>
+          </ac:spMkLst>
+        </pc:spChg>
+        <pc:spChg chg="del">
+          <ac:chgData name="Jason M. Penniman" userId="ae3cb814-cbe4-44aa-afa6-3cd4f8a8ce08" providerId="ADAL" clId="{6D6B7E1D-A254-4E18-ABE2-B2F68D1855EB}" dt="2020-01-17T17:32:54.562" v="2030"/>
+          <ac:spMkLst>
+            <pc:docMk/>
+            <pc:sldMk cId="3407447910" sldId="339"/>
+            <ac:spMk id="3" creationId="{C130A8B0-B3FC-4712-9AFE-0556E0868326}"/>
+          </ac:spMkLst>
+        </pc:spChg>
+        <pc:spChg chg="add mod">
+          <ac:chgData name="Jason M. Penniman" userId="ae3cb814-cbe4-44aa-afa6-3cd4f8a8ce08" providerId="ADAL" clId="{6D6B7E1D-A254-4E18-ABE2-B2F68D1855EB}" dt="2020-01-17T17:33:28.626" v="2140" actId="5793"/>
+          <ac:spMkLst>
+            <pc:docMk/>
+            <pc:sldMk cId="3407447910" sldId="339"/>
+            <ac:spMk id="4" creationId="{13195291-C7C0-4133-9DFE-AF5B174F20A4}"/>
+          </ac:spMkLst>
+        </pc:spChg>
+        <pc:spChg chg="add mod">
+          <ac:chgData name="Jason M. Penniman" userId="ae3cb814-cbe4-44aa-afa6-3cd4f8a8ce08" providerId="ADAL" clId="{6D6B7E1D-A254-4E18-ABE2-B2F68D1855EB}" dt="2020-01-17T17:32:54.562" v="2030"/>
+          <ac:spMkLst>
+            <pc:docMk/>
+            <pc:sldMk cId="3407447910" sldId="339"/>
+            <ac:spMk id="5" creationId="{14CD2BAE-7610-4964-823F-2846C0C2D15B}"/>
+          </ac:spMkLst>
+        </pc:spChg>
+      </pc:sldChg>
+      <pc:sldChg chg="addSp delSp modSp add">
+        <pc:chgData name="Jason M. Penniman" userId="ae3cb814-cbe4-44aa-afa6-3cd4f8a8ce08" providerId="ADAL" clId="{6D6B7E1D-A254-4E18-ABE2-B2F68D1855EB}" dt="2020-01-17T17:58:57.552" v="2381" actId="20577"/>
+        <pc:sldMkLst>
+          <pc:docMk/>
+          <pc:sldMk cId="3083291999" sldId="340"/>
+        </pc:sldMkLst>
+        <pc:spChg chg="del">
+          <ac:chgData name="Jason M. Penniman" userId="ae3cb814-cbe4-44aa-afa6-3cd4f8a8ce08" providerId="ADAL" clId="{6D6B7E1D-A254-4E18-ABE2-B2F68D1855EB}" dt="2020-01-17T17:34:13.203" v="2142"/>
+          <ac:spMkLst>
+            <pc:docMk/>
+            <pc:sldMk cId="3083291999" sldId="340"/>
+            <ac:spMk id="2" creationId="{586A5CC6-615D-4352-AFAC-9B975D226939}"/>
+          </ac:spMkLst>
+        </pc:spChg>
+        <pc:spChg chg="del">
+          <ac:chgData name="Jason M. Penniman" userId="ae3cb814-cbe4-44aa-afa6-3cd4f8a8ce08" providerId="ADAL" clId="{6D6B7E1D-A254-4E18-ABE2-B2F68D1855EB}" dt="2020-01-17T17:34:13.203" v="2142"/>
+          <ac:spMkLst>
+            <pc:docMk/>
+            <pc:sldMk cId="3083291999" sldId="340"/>
+            <ac:spMk id="3" creationId="{9250C349-8E49-46F8-80E1-3C43016C7651}"/>
+          </ac:spMkLst>
+        </pc:spChg>
+        <pc:spChg chg="add del mod">
+          <ac:chgData name="Jason M. Penniman" userId="ae3cb814-cbe4-44aa-afa6-3cd4f8a8ce08" providerId="ADAL" clId="{6D6B7E1D-A254-4E18-ABE2-B2F68D1855EB}" dt="2020-01-17T17:58:44.958" v="2342"/>
+          <ac:spMkLst>
+            <pc:docMk/>
+            <pc:sldMk cId="3083291999" sldId="340"/>
+            <ac:spMk id="5" creationId="{C6C484F6-C357-4954-BE6F-B70DEB61CEB5}"/>
+          </ac:spMkLst>
+        </pc:spChg>
+        <pc:spChg chg="add del mod">
+          <ac:chgData name="Jason M. Penniman" userId="ae3cb814-cbe4-44aa-afa6-3cd4f8a8ce08" providerId="ADAL" clId="{6D6B7E1D-A254-4E18-ABE2-B2F68D1855EB}" dt="2020-01-17T17:58:44.958" v="2342"/>
+          <ac:spMkLst>
+            <pc:docMk/>
+            <pc:sldMk cId="3083291999" sldId="340"/>
+            <ac:spMk id="6" creationId="{01A856B0-9FF0-47AE-8D50-3399A5878506}"/>
+          </ac:spMkLst>
+        </pc:spChg>
+        <pc:spChg chg="add mod">
+          <ac:chgData name="Jason M. Penniman" userId="ae3cb814-cbe4-44aa-afa6-3cd4f8a8ce08" providerId="ADAL" clId="{6D6B7E1D-A254-4E18-ABE2-B2F68D1855EB}" dt="2020-01-17T17:58:57.552" v="2381" actId="20577"/>
+          <ac:spMkLst>
+            <pc:docMk/>
+            <pc:sldMk cId="3083291999" sldId="340"/>
+            <ac:spMk id="7" creationId="{69C47BCC-2236-4A0C-AFAB-52DFA5888B2D}"/>
+          </ac:spMkLst>
+        </pc:spChg>
+        <pc:spChg chg="add mod">
+          <ac:chgData name="Jason M. Penniman" userId="ae3cb814-cbe4-44aa-afa6-3cd4f8a8ce08" providerId="ADAL" clId="{6D6B7E1D-A254-4E18-ABE2-B2F68D1855EB}" dt="2020-01-17T17:58:44.958" v="2342"/>
+          <ac:spMkLst>
+            <pc:docMk/>
+            <pc:sldMk cId="3083291999" sldId="340"/>
+            <ac:spMk id="8" creationId="{75CB052F-D8F3-489E-BD24-B6D733E7569E}"/>
+          </ac:spMkLst>
+        </pc:spChg>
+      </pc:sldChg>
+      <pc:sldChg chg="modSp add">
+        <pc:chgData name="Jason M. Penniman" userId="ae3cb814-cbe4-44aa-afa6-3cd4f8a8ce08" providerId="ADAL" clId="{6D6B7E1D-A254-4E18-ABE2-B2F68D1855EB}" dt="2020-01-17T17:56:24.527" v="2332" actId="6549"/>
+        <pc:sldMkLst>
+          <pc:docMk/>
+          <pc:sldMk cId="761072544" sldId="341"/>
+        </pc:sldMkLst>
+        <pc:spChg chg="mod">
+          <ac:chgData name="Jason M. Penniman" userId="ae3cb814-cbe4-44aa-afa6-3cd4f8a8ce08" providerId="ADAL" clId="{6D6B7E1D-A254-4E18-ABE2-B2F68D1855EB}" dt="2020-01-17T17:55:40.797" v="2325" actId="20577"/>
+          <ac:spMkLst>
+            <pc:docMk/>
+            <pc:sldMk cId="761072544" sldId="341"/>
+            <ac:spMk id="2" creationId="{01A57DC2-1FAB-46B3-969F-0591AA407CAF}"/>
+          </ac:spMkLst>
+        </pc:spChg>
+        <pc:spChg chg="mod">
+          <ac:chgData name="Jason M. Penniman" userId="ae3cb814-cbe4-44aa-afa6-3cd4f8a8ce08" providerId="ADAL" clId="{6D6B7E1D-A254-4E18-ABE2-B2F68D1855EB}" dt="2020-01-17T17:56:24.527" v="2332" actId="6549"/>
+          <ac:spMkLst>
+            <pc:docMk/>
+            <pc:sldMk cId="761072544" sldId="341"/>
+            <ac:spMk id="3" creationId="{749BF414-93D2-4C17-892B-0CE8A245BA8A}"/>
+          </ac:spMkLst>
+        </pc:spChg>
+      </pc:sldChg>
+      <pc:sldChg chg="add">
+        <pc:chgData name="Jason M. Penniman" userId="ae3cb814-cbe4-44aa-afa6-3cd4f8a8ce08" providerId="ADAL" clId="{6D6B7E1D-A254-4E18-ABE2-B2F68D1855EB}" dt="2020-01-17T17:58:03.579" v="2334"/>
+        <pc:sldMkLst>
+          <pc:docMk/>
+          <pc:sldMk cId="1445965907" sldId="342"/>
+        </pc:sldMkLst>
+      </pc:sldChg>
+      <pc:sldChg chg="add">
+        <pc:chgData name="Jason M. Penniman" userId="ae3cb814-cbe4-44aa-afa6-3cd4f8a8ce08" providerId="ADAL" clId="{6D6B7E1D-A254-4E18-ABE2-B2F68D1855EB}" dt="2020-01-17T17:58:04.881" v="2336"/>
+        <pc:sldMkLst>
+          <pc:docMk/>
+          <pc:sldMk cId="2113382601" sldId="343"/>
+        </pc:sldMkLst>
+      </pc:sldChg>
+      <pc:sldChg chg="add">
+        <pc:chgData name="Jason M. Penniman" userId="ae3cb814-cbe4-44aa-afa6-3cd4f8a8ce08" providerId="ADAL" clId="{6D6B7E1D-A254-4E18-ABE2-B2F68D1855EB}" dt="2020-01-17T17:58:06.474" v="2338"/>
+        <pc:sldMkLst>
+          <pc:docMk/>
+          <pc:sldMk cId="589641299" sldId="344"/>
+        </pc:sldMkLst>
+      </pc:sldChg>
+      <pc:sldChg chg="modSp add">
+        <pc:chgData name="Jason M. Penniman" userId="ae3cb814-cbe4-44aa-afa6-3cd4f8a8ce08" providerId="ADAL" clId="{6D6B7E1D-A254-4E18-ABE2-B2F68D1855EB}" dt="2020-01-17T18:17:13.388" v="3148" actId="12"/>
+        <pc:sldMkLst>
+          <pc:docMk/>
+          <pc:sldMk cId="1771319463" sldId="345"/>
+        </pc:sldMkLst>
+        <pc:spChg chg="mod">
+          <ac:chgData name="Jason M. Penniman" userId="ae3cb814-cbe4-44aa-afa6-3cd4f8a8ce08" providerId="ADAL" clId="{6D6B7E1D-A254-4E18-ABE2-B2F68D1855EB}" dt="2020-01-17T18:17:13.388" v="3148" actId="12"/>
+          <ac:spMkLst>
+            <pc:docMk/>
+            <pc:sldMk cId="1771319463" sldId="345"/>
+            <ac:spMk id="3" creationId="{3540E815-4B37-43F1-B77C-21E6FB0E0C0F}"/>
+          </ac:spMkLst>
+        </pc:spChg>
+        <pc:spChg chg="mod">
+          <ac:chgData name="Jason M. Penniman" userId="ae3cb814-cbe4-44aa-afa6-3cd4f8a8ce08" providerId="ADAL" clId="{6D6B7E1D-A254-4E18-ABE2-B2F68D1855EB}" dt="2020-01-17T18:16:04.098" v="2998" actId="1076"/>
+          <ac:spMkLst>
+            <pc:docMk/>
+            <pc:sldMk cId="1771319463" sldId="345"/>
+            <ac:spMk id="5" creationId="{ECE46455-B960-4C88-9514-B07BF5663101}"/>
+          </ac:spMkLst>
+        </pc:spChg>
+        <pc:spChg chg="mod">
+          <ac:chgData name="Jason M. Penniman" userId="ae3cb814-cbe4-44aa-afa6-3cd4f8a8ce08" providerId="ADAL" clId="{6D6B7E1D-A254-4E18-ABE2-B2F68D1855EB}" dt="2020-01-17T18:16:12.346" v="3000" actId="1076"/>
+          <ac:spMkLst>
+            <pc:docMk/>
+            <pc:sldMk cId="1771319463" sldId="345"/>
+            <ac:spMk id="6" creationId="{E773FE4D-A0C1-49B2-9087-B4CAD6FBF17F}"/>
+          </ac:spMkLst>
+        </pc:spChg>
+        <pc:spChg chg="mod">
+          <ac:chgData name="Jason M. Penniman" userId="ae3cb814-cbe4-44aa-afa6-3cd4f8a8ce08" providerId="ADAL" clId="{6D6B7E1D-A254-4E18-ABE2-B2F68D1855EB}" dt="2020-01-17T18:16:08.094" v="2999" actId="1076"/>
+          <ac:spMkLst>
+            <pc:docMk/>
+            <pc:sldMk cId="1771319463" sldId="345"/>
+            <ac:spMk id="7" creationId="{FF563ABA-1895-4BAB-9914-60D3F1085FFF}"/>
+          </ac:spMkLst>
+        </pc:spChg>
+      </pc:sldChg>
+      <pc:sldChg chg="addSp delSp modSp add">
+        <pc:chgData name="Jason M. Penniman" userId="ae3cb814-cbe4-44aa-afa6-3cd4f8a8ce08" providerId="ADAL" clId="{6D6B7E1D-A254-4E18-ABE2-B2F68D1855EB}" dt="2020-01-17T18:08:05.360" v="2532" actId="20577"/>
+        <pc:sldMkLst>
+          <pc:docMk/>
+          <pc:sldMk cId="2616481313" sldId="346"/>
+        </pc:sldMkLst>
+        <pc:spChg chg="mod">
+          <ac:chgData name="Jason M. Penniman" userId="ae3cb814-cbe4-44aa-afa6-3cd4f8a8ce08" providerId="ADAL" clId="{6D6B7E1D-A254-4E18-ABE2-B2F68D1855EB}" dt="2020-01-17T18:05:04.347" v="2414" actId="20577"/>
+          <ac:spMkLst>
+            <pc:docMk/>
+            <pc:sldMk cId="2616481313" sldId="346"/>
+            <ac:spMk id="2" creationId="{4C51A03B-7B51-4B65-9A79-423D780123BF}"/>
+          </ac:spMkLst>
+        </pc:spChg>
+        <pc:spChg chg="del">
+          <ac:chgData name="Jason M. Penniman" userId="ae3cb814-cbe4-44aa-afa6-3cd4f8a8ce08" providerId="ADAL" clId="{6D6B7E1D-A254-4E18-ABE2-B2F68D1855EB}" dt="2020-01-17T18:04:56.930" v="2389"/>
+          <ac:spMkLst>
+            <pc:docMk/>
+            <pc:sldMk cId="2616481313" sldId="346"/>
+            <ac:spMk id="3" creationId="{D2F2730A-6702-43ED-9DC6-DF9A3A2038FD}"/>
+          </ac:spMkLst>
+        </pc:spChg>
+        <pc:spChg chg="add mod">
+          <ac:chgData name="Jason M. Penniman" userId="ae3cb814-cbe4-44aa-afa6-3cd4f8a8ce08" providerId="ADAL" clId="{6D6B7E1D-A254-4E18-ABE2-B2F68D1855EB}" dt="2020-01-17T18:08:05.360" v="2532" actId="20577"/>
+          <ac:spMkLst>
+            <pc:docMk/>
+            <pc:sldMk cId="2616481313" sldId="346"/>
+            <ac:spMk id="4" creationId="{634F3B49-B3FC-4099-8B8E-9B2CB369A225}"/>
+          </ac:spMkLst>
+        </pc:spChg>
+      </pc:sldChg>
+      <pc:sldChg chg="addSp delSp modSp add modAnim">
+        <pc:chgData name="Jason M. Penniman" userId="ae3cb814-cbe4-44aa-afa6-3cd4f8a8ce08" providerId="ADAL" clId="{6D6B7E1D-A254-4E18-ABE2-B2F68D1855EB}" dt="2020-01-17T18:14:47.444" v="2949"/>
+        <pc:sldMkLst>
+          <pc:docMk/>
+          <pc:sldMk cId="3833591576" sldId="347"/>
+        </pc:sldMkLst>
+        <pc:spChg chg="del">
+          <ac:chgData name="Jason M. Penniman" userId="ae3cb814-cbe4-44aa-afa6-3cd4f8a8ce08" providerId="ADAL" clId="{6D6B7E1D-A254-4E18-ABE2-B2F68D1855EB}" dt="2020-01-17T18:05:13.970" v="2416"/>
+          <ac:spMkLst>
+            <pc:docMk/>
+            <pc:sldMk cId="3833591576" sldId="347"/>
+            <ac:spMk id="2" creationId="{8623449A-B9AE-4436-B2D9-9B6EF706B27A}"/>
+          </ac:spMkLst>
+        </pc:spChg>
+        <pc:spChg chg="del">
+          <ac:chgData name="Jason M. Penniman" userId="ae3cb814-cbe4-44aa-afa6-3cd4f8a8ce08" providerId="ADAL" clId="{6D6B7E1D-A254-4E18-ABE2-B2F68D1855EB}" dt="2020-01-17T18:05:13.970" v="2416"/>
+          <ac:spMkLst>
+            <pc:docMk/>
+            <pc:sldMk cId="3833591576" sldId="347"/>
+            <ac:spMk id="3" creationId="{462A08D4-8D4E-4E65-A550-4365956ABE99}"/>
+          </ac:spMkLst>
+        </pc:spChg>
+        <pc:spChg chg="add mod">
+          <ac:chgData name="Jason M. Penniman" userId="ae3cb814-cbe4-44aa-afa6-3cd4f8a8ce08" providerId="ADAL" clId="{6D6B7E1D-A254-4E18-ABE2-B2F68D1855EB}" dt="2020-01-17T18:07:20.596" v="2439" actId="20577"/>
+          <ac:spMkLst>
+            <pc:docMk/>
+            <pc:sldMk cId="3833591576" sldId="347"/>
+            <ac:spMk id="5" creationId="{55CAB127-3258-48ED-969C-E0517D8D95F7}"/>
+          </ac:spMkLst>
+        </pc:spChg>
+        <pc:spChg chg="add mod">
+          <ac:chgData name="Jason M. Penniman" userId="ae3cb814-cbe4-44aa-afa6-3cd4f8a8ce08" providerId="ADAL" clId="{6D6B7E1D-A254-4E18-ABE2-B2F68D1855EB}" dt="2020-01-17T18:13:44.166" v="2948" actId="27636"/>
+          <ac:spMkLst>
+            <pc:docMk/>
+            <pc:sldMk cId="3833591576" sldId="347"/>
+            <ac:spMk id="6" creationId="{2071ECCA-BEBB-4509-892C-DECB32AF81A0}"/>
+          </ac:spMkLst>
+        </pc:spChg>
+      </pc:sldChg>
+      <pc:sldChg chg="modSp add">
+        <pc:chgData name="Jason M. Penniman" userId="ae3cb814-cbe4-44aa-afa6-3cd4f8a8ce08" providerId="ADAL" clId="{6D6B7E1D-A254-4E18-ABE2-B2F68D1855EB}" dt="2020-01-17T18:15:24.271" v="2996" actId="20577"/>
+        <pc:sldMkLst>
+          <pc:docMk/>
+          <pc:sldMk cId="2280599916" sldId="348"/>
+        </pc:sldMkLst>
+        <pc:spChg chg="mod">
+          <ac:chgData name="Jason M. Penniman" userId="ae3cb814-cbe4-44aa-afa6-3cd4f8a8ce08" providerId="ADAL" clId="{6D6B7E1D-A254-4E18-ABE2-B2F68D1855EB}" dt="2020-01-17T18:15:15.445" v="2963" actId="5793"/>
+          <ac:spMkLst>
+            <pc:docMk/>
+            <pc:sldMk cId="2280599916" sldId="348"/>
+            <ac:spMk id="2" creationId="{DE981CC6-9A51-435F-A37F-28B649E4B40C}"/>
+          </ac:spMkLst>
+        </pc:spChg>
+        <pc:spChg chg="mod">
+          <ac:chgData name="Jason M. Penniman" userId="ae3cb814-cbe4-44aa-afa6-3cd4f8a8ce08" providerId="ADAL" clId="{6D6B7E1D-A254-4E18-ABE2-B2F68D1855EB}" dt="2020-01-17T18:15:24.271" v="2996" actId="20577"/>
+          <ac:spMkLst>
+            <pc:docMk/>
+            <pc:sldMk cId="2280599916" sldId="348"/>
+            <ac:spMk id="3" creationId="{392FE7F8-5AD9-489F-8CD1-47FF16D24BCC}"/>
+          </ac:spMkLst>
+        </pc:spChg>
+      </pc:sldChg>
+      <pc:sldChg chg="addSp delSp modSp add del">
+        <pc:chgData name="Jason M. Penniman" userId="ae3cb814-cbe4-44aa-afa6-3cd4f8a8ce08" providerId="ADAL" clId="{6D6B7E1D-A254-4E18-ABE2-B2F68D1855EB}" dt="2020-01-17T20:00:10.752" v="3939" actId="2696"/>
+        <pc:sldMkLst>
+          <pc:docMk/>
+          <pc:sldMk cId="3890759654" sldId="349"/>
+        </pc:sldMkLst>
+        <pc:spChg chg="del">
+          <ac:chgData name="Jason M. Penniman" userId="ae3cb814-cbe4-44aa-afa6-3cd4f8a8ce08" providerId="ADAL" clId="{6D6B7E1D-A254-4E18-ABE2-B2F68D1855EB}" dt="2020-01-17T18:31:03.475" v="3174"/>
+          <ac:spMkLst>
+            <pc:docMk/>
+            <pc:sldMk cId="3890759654" sldId="349"/>
+            <ac:spMk id="2" creationId="{DC6F2656-6040-4A86-96A7-A74DC3644C63}"/>
+          </ac:spMkLst>
+        </pc:spChg>
+        <pc:spChg chg="del">
+          <ac:chgData name="Jason M. Penniman" userId="ae3cb814-cbe4-44aa-afa6-3cd4f8a8ce08" providerId="ADAL" clId="{6D6B7E1D-A254-4E18-ABE2-B2F68D1855EB}" dt="2020-01-17T18:31:03.475" v="3174"/>
+          <ac:spMkLst>
+            <pc:docMk/>
+            <pc:sldMk cId="3890759654" sldId="349"/>
+            <ac:spMk id="3" creationId="{E6B3843F-DF24-4BA4-8383-4D617AC35FD4}"/>
+          </ac:spMkLst>
+        </pc:spChg>
+        <pc:spChg chg="add mod">
+          <ac:chgData name="Jason M. Penniman" userId="ae3cb814-cbe4-44aa-afa6-3cd4f8a8ce08" providerId="ADAL" clId="{6D6B7E1D-A254-4E18-ABE2-B2F68D1855EB}" dt="2020-01-17T18:31:03.475" v="3174"/>
+          <ac:spMkLst>
+            <pc:docMk/>
+            <pc:sldMk cId="3890759654" sldId="349"/>
+            <ac:spMk id="5" creationId="{0B2BE400-9E29-4A2C-9449-514847279BC2}"/>
+          </ac:spMkLst>
+        </pc:spChg>
+        <pc:spChg chg="add mod">
+          <ac:chgData name="Jason M. Penniman" userId="ae3cb814-cbe4-44aa-afa6-3cd4f8a8ce08" providerId="ADAL" clId="{6D6B7E1D-A254-4E18-ABE2-B2F68D1855EB}" dt="2020-01-17T18:31:51.130" v="3239" actId="20577"/>
+          <ac:spMkLst>
+            <pc:docMk/>
+            <pc:sldMk cId="3890759654" sldId="349"/>
+            <ac:spMk id="6" creationId="{D5CCEBA5-D4E4-40B3-BAFE-A5DB78F9E984}"/>
+          </ac:spMkLst>
+        </pc:spChg>
+      </pc:sldChg>
+      <pc:sldChg chg="addSp delSp modSp add">
+        <pc:chgData name="Jason M. Penniman" userId="ae3cb814-cbe4-44aa-afa6-3cd4f8a8ce08" providerId="ADAL" clId="{6D6B7E1D-A254-4E18-ABE2-B2F68D1855EB}" dt="2020-01-17T18:46:04.651" v="3540" actId="11529"/>
+        <pc:sldMkLst>
+          <pc:docMk/>
+          <pc:sldMk cId="1573822860" sldId="350"/>
+        </pc:sldMkLst>
+        <pc:spChg chg="del">
+          <ac:chgData name="Jason M. Penniman" userId="ae3cb814-cbe4-44aa-afa6-3cd4f8a8ce08" providerId="ADAL" clId="{6D6B7E1D-A254-4E18-ABE2-B2F68D1855EB}" dt="2020-01-17T18:32:15.188" v="3241"/>
+          <ac:spMkLst>
+            <pc:docMk/>
+            <pc:sldMk cId="1573822860" sldId="350"/>
+            <ac:spMk id="2" creationId="{3BB09BAB-0F6F-4B83-B66F-0E442DD45ED6}"/>
+          </ac:spMkLst>
+        </pc:spChg>
+        <pc:spChg chg="del">
+          <ac:chgData name="Jason M. Penniman" userId="ae3cb814-cbe4-44aa-afa6-3cd4f8a8ce08" providerId="ADAL" clId="{6D6B7E1D-A254-4E18-ABE2-B2F68D1855EB}" dt="2020-01-17T18:32:15.188" v="3241"/>
+          <ac:spMkLst>
+            <pc:docMk/>
+            <pc:sldMk cId="1573822860" sldId="350"/>
+            <ac:spMk id="3" creationId="{C24AD97C-DC8D-4A25-A4E5-7F966B44F251}"/>
+          </ac:spMkLst>
+        </pc:spChg>
+        <pc:spChg chg="add mod">
+          <ac:chgData name="Jason M. Penniman" userId="ae3cb814-cbe4-44aa-afa6-3cd4f8a8ce08" providerId="ADAL" clId="{6D6B7E1D-A254-4E18-ABE2-B2F68D1855EB}" dt="2020-01-17T18:34:35.152" v="3280" actId="14100"/>
+          <ac:spMkLst>
+            <pc:docMk/>
+            <pc:sldMk cId="1573822860" sldId="350"/>
+            <ac:spMk id="5" creationId="{F568CCDF-62C7-4731-8C94-31623F6DD009}"/>
+          </ac:spMkLst>
+        </pc:spChg>
+        <pc:spChg chg="add mod">
+          <ac:chgData name="Jason M. Penniman" userId="ae3cb814-cbe4-44aa-afa6-3cd4f8a8ce08" providerId="ADAL" clId="{6D6B7E1D-A254-4E18-ABE2-B2F68D1855EB}" dt="2020-01-17T18:42:57.518" v="3398" actId="242"/>
+          <ac:spMkLst>
+            <pc:docMk/>
+            <pc:sldMk cId="1573822860" sldId="350"/>
+            <ac:spMk id="10" creationId="{834D28D4-A68A-4A34-9EC3-467FF0F55ED7}"/>
+          </ac:spMkLst>
+        </pc:spChg>
+        <pc:spChg chg="add mod">
+          <ac:chgData name="Jason M. Penniman" userId="ae3cb814-cbe4-44aa-afa6-3cd4f8a8ce08" providerId="ADAL" clId="{6D6B7E1D-A254-4E18-ABE2-B2F68D1855EB}" dt="2020-01-17T18:45:52.084" v="3537" actId="14100"/>
+          <ac:spMkLst>
+            <pc:docMk/>
+            <pc:sldMk cId="1573822860" sldId="350"/>
+            <ac:spMk id="11" creationId="{DDD0F862-5E0D-4059-9870-31A55B0BE3DA}"/>
+          </ac:spMkLst>
+        </pc:spChg>
+        <pc:spChg chg="del mod topLvl">
+          <ac:chgData name="Jason M. Penniman" userId="ae3cb814-cbe4-44aa-afa6-3cd4f8a8ce08" providerId="ADAL" clId="{6D6B7E1D-A254-4E18-ABE2-B2F68D1855EB}" dt="2020-01-17T18:38:34.726" v="3329" actId="478"/>
+          <ac:spMkLst>
+            <pc:docMk/>
+            <pc:sldMk cId="1573822860" sldId="350"/>
+            <ac:spMk id="14" creationId="{AD16004D-A600-438E-BE1B-43A7EF6CC035}"/>
+          </ac:spMkLst>
+        </pc:spChg>
+        <pc:spChg chg="del mod topLvl">
+          <ac:chgData name="Jason M. Penniman" userId="ae3cb814-cbe4-44aa-afa6-3cd4f8a8ce08" providerId="ADAL" clId="{6D6B7E1D-A254-4E18-ABE2-B2F68D1855EB}" dt="2020-01-17T18:38:34.726" v="3329" actId="478"/>
+          <ac:spMkLst>
+            <pc:docMk/>
+            <pc:sldMk cId="1573822860" sldId="350"/>
+            <ac:spMk id="15" creationId="{8B5E830C-A16C-4D44-873F-D0EA3909858D}"/>
+          </ac:spMkLst>
+        </pc:spChg>
+        <pc:spChg chg="del mod topLvl">
+          <ac:chgData name="Jason M. Penniman" userId="ae3cb814-cbe4-44aa-afa6-3cd4f8a8ce08" providerId="ADAL" clId="{6D6B7E1D-A254-4E18-ABE2-B2F68D1855EB}" dt="2020-01-17T18:38:34.726" v="3329" actId="478"/>
+          <ac:spMkLst>
+            <pc:docMk/>
+            <pc:sldMk cId="1573822860" sldId="350"/>
+            <ac:spMk id="19" creationId="{3C866600-A56C-4868-A7F0-DF45E68964D8}"/>
+          </ac:spMkLst>
+        </pc:spChg>
+        <pc:spChg chg="del mod topLvl">
+          <ac:chgData name="Jason M. Penniman" userId="ae3cb814-cbe4-44aa-afa6-3cd4f8a8ce08" providerId="ADAL" clId="{6D6B7E1D-A254-4E18-ABE2-B2F68D1855EB}" dt="2020-01-17T18:38:34.726" v="3329" actId="478"/>
+          <ac:spMkLst>
+            <pc:docMk/>
+            <pc:sldMk cId="1573822860" sldId="350"/>
+            <ac:spMk id="24" creationId="{572C54A4-1A71-42BE-A7D8-51A9409214A2}"/>
+          </ac:spMkLst>
+        </pc:spChg>
+        <pc:spChg chg="add del mod">
+          <ac:chgData name="Jason M. Penniman" userId="ae3cb814-cbe4-44aa-afa6-3cd4f8a8ce08" providerId="ADAL" clId="{6D6B7E1D-A254-4E18-ABE2-B2F68D1855EB}" dt="2020-01-17T18:42:17.652" v="3392" actId="478"/>
+          <ac:spMkLst>
+            <pc:docMk/>
+            <pc:sldMk cId="1573822860" sldId="350"/>
+            <ac:spMk id="37" creationId="{797C3938-1779-4128-AAEB-333D26D41CAF}"/>
+          </ac:spMkLst>
+        </pc:spChg>
+        <pc:spChg chg="add mod">
+          <ac:chgData name="Jason M. Penniman" userId="ae3cb814-cbe4-44aa-afa6-3cd4f8a8ce08" providerId="ADAL" clId="{6D6B7E1D-A254-4E18-ABE2-B2F68D1855EB}" dt="2020-01-17T18:43:30.476" v="3451" actId="14100"/>
+          <ac:spMkLst>
+            <pc:docMk/>
+            <pc:sldMk cId="1573822860" sldId="350"/>
+            <ac:spMk id="45" creationId="{F780A632-7AE8-4D08-B2A0-34085037E586}"/>
+          </ac:spMkLst>
+        </pc:spChg>
+        <pc:spChg chg="add mod">
+          <ac:chgData name="Jason M. Penniman" userId="ae3cb814-cbe4-44aa-afa6-3cd4f8a8ce08" providerId="ADAL" clId="{6D6B7E1D-A254-4E18-ABE2-B2F68D1855EB}" dt="2020-01-17T18:45:58.020" v="3538" actId="1076"/>
+          <ac:spMkLst>
+            <pc:docMk/>
+            <pc:sldMk cId="1573822860" sldId="350"/>
+            <ac:spMk id="49" creationId="{464D1E80-621F-4D5B-B2C6-3EDF4278865E}"/>
+          </ac:spMkLst>
+        </pc:spChg>
+        <pc:spChg chg="add mod">
+          <ac:chgData name="Jason M. Penniman" userId="ae3cb814-cbe4-44aa-afa6-3cd4f8a8ce08" providerId="ADAL" clId="{6D6B7E1D-A254-4E18-ABE2-B2F68D1855EB}" dt="2020-01-17T18:46:00.276" v="3539" actId="1076"/>
+          <ac:spMkLst>
+            <pc:docMk/>
+            <pc:sldMk cId="1573822860" sldId="350"/>
+            <ac:spMk id="50" creationId="{536A60E6-0F2E-4F30-9EC3-476F1EC2EEAB}"/>
+          </ac:spMkLst>
+        </pc:spChg>
+        <pc:spChg chg="add mod">
+          <ac:chgData name="Jason M. Penniman" userId="ae3cb814-cbe4-44aa-afa6-3cd4f8a8ce08" providerId="ADAL" clId="{6D6B7E1D-A254-4E18-ABE2-B2F68D1855EB}" dt="2020-01-17T18:44:47.697" v="3505" actId="20577"/>
+          <ac:spMkLst>
+            <pc:docMk/>
+            <pc:sldMk cId="1573822860" sldId="350"/>
+            <ac:spMk id="51" creationId="{4AB21C79-4109-4042-93EE-2AFC36BA8D83}"/>
+          </ac:spMkLst>
+        </pc:spChg>
+        <pc:grpChg chg="add mod">
+          <ac:chgData name="Jason M. Penniman" userId="ae3cb814-cbe4-44aa-afa6-3cd4f8a8ce08" providerId="ADAL" clId="{6D6B7E1D-A254-4E18-ABE2-B2F68D1855EB}" dt="2020-01-17T18:34:32.855" v="3278" actId="14100"/>
+          <ac:grpSpMkLst>
+            <pc:docMk/>
+            <pc:sldMk cId="1573822860" sldId="350"/>
+            <ac:grpSpMk id="7" creationId="{BC4CC394-FA6E-47B6-A2E5-A54D03294E1B}"/>
+          </ac:grpSpMkLst>
+        </pc:grpChg>
+        <pc:grpChg chg="add del mod">
+          <ac:chgData name="Jason M. Penniman" userId="ae3cb814-cbe4-44aa-afa6-3cd4f8a8ce08" providerId="ADAL" clId="{6D6B7E1D-A254-4E18-ABE2-B2F68D1855EB}" dt="2020-01-17T18:37:24.921" v="3314" actId="165"/>
+          <ac:grpSpMkLst>
+            <pc:docMk/>
+            <pc:sldMk cId="1573822860" sldId="350"/>
+            <ac:grpSpMk id="12" creationId="{E1506944-907C-4884-9613-AA724107FF86}"/>
+          </ac:grpSpMkLst>
+        </pc:grpChg>
+        <pc:grpChg chg="mod topLvl">
+          <ac:chgData name="Jason M. Penniman" userId="ae3cb814-cbe4-44aa-afa6-3cd4f8a8ce08" providerId="ADAL" clId="{6D6B7E1D-A254-4E18-ABE2-B2F68D1855EB}" dt="2020-01-17T18:43:39.708" v="3461" actId="1036"/>
+          <ac:grpSpMkLst>
+            <pc:docMk/>
+            <pc:sldMk cId="1573822860" sldId="350"/>
+            <ac:grpSpMk id="16" creationId="{32EB232A-FB39-4A59-9541-121E744553CF}"/>
+          </ac:grpSpMkLst>
+        </pc:grpChg>
+        <pc:grpChg chg="del mod topLvl">
+          <ac:chgData name="Jason M. Penniman" userId="ae3cb814-cbe4-44aa-afa6-3cd4f8a8ce08" providerId="ADAL" clId="{6D6B7E1D-A254-4E18-ABE2-B2F68D1855EB}" dt="2020-01-17T18:38:34.726" v="3329" actId="478"/>
+          <ac:grpSpMkLst>
+            <pc:docMk/>
+            <pc:sldMk cId="1573822860" sldId="350"/>
+            <ac:grpSpMk id="22" creationId="{1F2E7ACA-C6D9-447E-A41D-6D28A153F4E2}"/>
+          </ac:grpSpMkLst>
+        </pc:grpChg>
+        <pc:picChg chg="add del mod">
+          <ac:chgData name="Jason M. Penniman" userId="ae3cb814-cbe4-44aa-afa6-3cd4f8a8ce08" providerId="ADAL" clId="{6D6B7E1D-A254-4E18-ABE2-B2F68D1855EB}" dt="2020-01-17T18:33:02.063" v="3270"/>
+          <ac:picMkLst>
+            <pc:docMk/>
+            <pc:sldMk cId="1573822860" sldId="350"/>
+            <ac:picMk id="6" creationId="{B2669B0F-2960-411D-9BE7-CDEB1DB1EA55}"/>
+          </ac:picMkLst>
+        </pc:picChg>
+        <pc:picChg chg="mod topLvl">
+          <ac:chgData name="Jason M. Penniman" userId="ae3cb814-cbe4-44aa-afa6-3cd4f8a8ce08" providerId="ADAL" clId="{6D6B7E1D-A254-4E18-ABE2-B2F68D1855EB}" dt="2020-01-17T18:45:30.526" v="3526" actId="1037"/>
+          <ac:picMkLst>
+            <pc:docMk/>
+            <pc:sldMk cId="1573822860" sldId="350"/>
+            <ac:picMk id="13" creationId="{2440FB56-642C-457D-B951-519A3002029B}"/>
+          </ac:picMkLst>
+        </pc:picChg>
+        <pc:picChg chg="del mod topLvl">
+          <ac:chgData name="Jason M. Penniman" userId="ae3cb814-cbe4-44aa-afa6-3cd4f8a8ce08" providerId="ADAL" clId="{6D6B7E1D-A254-4E18-ABE2-B2F68D1855EB}" dt="2020-01-17T18:38:34.726" v="3329" actId="478"/>
+          <ac:picMkLst>
+            <pc:docMk/>
+            <pc:sldMk cId="1573822860" sldId="350"/>
+            <ac:picMk id="23" creationId="{D8C4FCAD-49F5-4F4C-8E7F-164CE262E5E2}"/>
+          </ac:picMkLst>
+        </pc:picChg>
+        <pc:cxnChg chg="del mod topLvl">
+          <ac:chgData name="Jason M. Penniman" userId="ae3cb814-cbe4-44aa-afa6-3cd4f8a8ce08" providerId="ADAL" clId="{6D6B7E1D-A254-4E18-ABE2-B2F68D1855EB}" dt="2020-01-17T18:37:52.840" v="3316" actId="478"/>
+          <ac:cxnSpMkLst>
+            <pc:docMk/>
+            <pc:sldMk cId="1573822860" sldId="350"/>
+            <ac:cxnSpMk id="17" creationId="{8E9051DA-D8E3-4C19-99FD-EBFFFF230BDD}"/>
+          </ac:cxnSpMkLst>
+        </pc:cxnChg>
+        <pc:cxnChg chg="mod topLvl">
+          <ac:chgData name="Jason M. Penniman" userId="ae3cb814-cbe4-44aa-afa6-3cd4f8a8ce08" providerId="ADAL" clId="{6D6B7E1D-A254-4E18-ABE2-B2F68D1855EB}" dt="2020-01-17T18:43:39.708" v="3461" actId="1036"/>
+          <ac:cxnSpMkLst>
+            <pc:docMk/>
+            <pc:sldMk cId="1573822860" sldId="350"/>
+            <ac:cxnSpMk id="18" creationId="{5B715653-EE74-4DCD-9EE8-D5166A958DA5}"/>
+          </ac:cxnSpMkLst>
+        </pc:cxnChg>
+        <pc:cxnChg chg="del mod topLvl">
+          <ac:chgData name="Jason M. Penniman" userId="ae3cb814-cbe4-44aa-afa6-3cd4f8a8ce08" providerId="ADAL" clId="{6D6B7E1D-A254-4E18-ABE2-B2F68D1855EB}" dt="2020-01-17T18:38:34.726" v="3329" actId="478"/>
+          <ac:cxnSpMkLst>
+            <pc:docMk/>
+            <pc:sldMk cId="1573822860" sldId="350"/>
+            <ac:cxnSpMk id="20" creationId="{40334CB7-DA01-47E3-8BB7-6658050CD3D5}"/>
+          </ac:cxnSpMkLst>
+        </pc:cxnChg>
+        <pc:cxnChg chg="del mod topLvl">
+          <ac:chgData name="Jason M. Penniman" userId="ae3cb814-cbe4-44aa-afa6-3cd4f8a8ce08" providerId="ADAL" clId="{6D6B7E1D-A254-4E18-ABE2-B2F68D1855EB}" dt="2020-01-17T18:38:38.925" v="3330" actId="478"/>
+          <ac:cxnSpMkLst>
+            <pc:docMk/>
+            <pc:sldMk cId="1573822860" sldId="350"/>
+            <ac:cxnSpMk id="21" creationId="{E94B868F-6C7A-4338-A1C8-A8E2617DBB1F}"/>
+          </ac:cxnSpMkLst>
+        </pc:cxnChg>
+        <pc:cxnChg chg="add mod">
+          <ac:chgData name="Jason M. Penniman" userId="ae3cb814-cbe4-44aa-afa6-3cd4f8a8ce08" providerId="ADAL" clId="{6D6B7E1D-A254-4E18-ABE2-B2F68D1855EB}" dt="2020-01-17T18:46:00.276" v="3539" actId="1076"/>
+          <ac:cxnSpMkLst>
+            <pc:docMk/>
+            <pc:sldMk cId="1573822860" sldId="350"/>
+            <ac:cxnSpMk id="34" creationId="{84C346F7-EFB7-4D5C-BB4E-24114B79C496}"/>
+          </ac:cxnSpMkLst>
+        </pc:cxnChg>
+        <pc:cxnChg chg="add del mod">
+          <ac:chgData name="Jason M. Penniman" userId="ae3cb814-cbe4-44aa-afa6-3cd4f8a8ce08" providerId="ADAL" clId="{6D6B7E1D-A254-4E18-ABE2-B2F68D1855EB}" dt="2020-01-17T18:40:36.979" v="3389" actId="478"/>
+          <ac:cxnSpMkLst>
+            <pc:docMk/>
+            <pc:sldMk cId="1573822860" sldId="350"/>
+            <ac:cxnSpMk id="39" creationId="{2ADBB34A-713E-4229-9457-49616572FE81}"/>
+          </ac:cxnSpMkLst>
+        </pc:cxnChg>
+        <pc:cxnChg chg="add del mod">
+          <ac:chgData name="Jason M. Penniman" userId="ae3cb814-cbe4-44aa-afa6-3cd4f8a8ce08" providerId="ADAL" clId="{6D6B7E1D-A254-4E18-ABE2-B2F68D1855EB}" dt="2020-01-17T18:42:21.465" v="3393" actId="478"/>
+          <ac:cxnSpMkLst>
+            <pc:docMk/>
+            <pc:sldMk cId="1573822860" sldId="350"/>
+            <ac:cxnSpMk id="41" creationId="{D55B7B4A-F322-4DF5-9F5D-EFAA330CCEC5}"/>
+          </ac:cxnSpMkLst>
+        </pc:cxnChg>
+        <pc:cxnChg chg="add del mod">
+          <ac:chgData name="Jason M. Penniman" userId="ae3cb814-cbe4-44aa-afa6-3cd4f8a8ce08" providerId="ADAL" clId="{6D6B7E1D-A254-4E18-ABE2-B2F68D1855EB}" dt="2020-01-17T18:42:23.027" v="3394" actId="478"/>
+          <ac:cxnSpMkLst>
+            <pc:docMk/>
+            <pc:sldMk cId="1573822860" sldId="350"/>
+            <ac:cxnSpMk id="43" creationId="{EC78E33A-8A80-4F1B-8B18-855834E88ED1}"/>
+          </ac:cxnSpMkLst>
+        </pc:cxnChg>
+        <pc:cxnChg chg="add mod">
+          <ac:chgData name="Jason M. Penniman" userId="ae3cb814-cbe4-44aa-afa6-3cd4f8a8ce08" providerId="ADAL" clId="{6D6B7E1D-A254-4E18-ABE2-B2F68D1855EB}" dt="2020-01-17T18:44:52.762" v="3506" actId="11529"/>
+          <ac:cxnSpMkLst>
+            <pc:docMk/>
+            <pc:sldMk cId="1573822860" sldId="350"/>
+            <ac:cxnSpMk id="53" creationId="{8A628C9E-C01A-4EC0-86FA-28F212297EA4}"/>
+          </ac:cxnSpMkLst>
+        </pc:cxnChg>
+        <pc:cxnChg chg="add del mod">
+          <ac:chgData name="Jason M. Penniman" userId="ae3cb814-cbe4-44aa-afa6-3cd4f8a8ce08" providerId="ADAL" clId="{6D6B7E1D-A254-4E18-ABE2-B2F68D1855EB}" dt="2020-01-17T18:45:08.453" v="3508" actId="478"/>
+          <ac:cxnSpMkLst>
+            <pc:docMk/>
+            <pc:sldMk cId="1573822860" sldId="350"/>
+            <ac:cxnSpMk id="55" creationId="{ED90454E-D514-4950-A7DC-F0E30D948686}"/>
+          </ac:cxnSpMkLst>
+        </pc:cxnChg>
+        <pc:cxnChg chg="add mod">
+          <ac:chgData name="Jason M. Penniman" userId="ae3cb814-cbe4-44aa-afa6-3cd4f8a8ce08" providerId="ADAL" clId="{6D6B7E1D-A254-4E18-ABE2-B2F68D1855EB}" dt="2020-01-17T18:45:58.020" v="3538" actId="1076"/>
+          <ac:cxnSpMkLst>
+            <pc:docMk/>
+            <pc:sldMk cId="1573822860" sldId="350"/>
+            <ac:cxnSpMk id="57" creationId="{ACBF50C4-342F-45E6-A2D4-BFECED3A7216}"/>
+          </ac:cxnSpMkLst>
+        </pc:cxnChg>
+        <pc:cxnChg chg="add mod">
+          <ac:chgData name="Jason M. Penniman" userId="ae3cb814-cbe4-44aa-afa6-3cd4f8a8ce08" providerId="ADAL" clId="{6D6B7E1D-A254-4E18-ABE2-B2F68D1855EB}" dt="2020-01-17T18:46:04.651" v="3540" actId="11529"/>
+          <ac:cxnSpMkLst>
+            <pc:docMk/>
+            <pc:sldMk cId="1573822860" sldId="350"/>
+            <ac:cxnSpMk id="63" creationId="{BA702A8F-D65B-4829-9652-AA508713250E}"/>
+          </ac:cxnSpMkLst>
+        </pc:cxnChg>
+      </pc:sldChg>
+      <pc:sldChg chg="addSp modSp add">
+        <pc:chgData name="Jason M. Penniman" userId="ae3cb814-cbe4-44aa-afa6-3cd4f8a8ce08" providerId="ADAL" clId="{6D6B7E1D-A254-4E18-ABE2-B2F68D1855EB}" dt="2020-01-17T19:59:58.932" v="3938" actId="20577"/>
+        <pc:sldMkLst>
+          <pc:docMk/>
+          <pc:sldMk cId="1875763391" sldId="351"/>
+        </pc:sldMkLst>
+        <pc:spChg chg="mod">
+          <ac:chgData name="Jason M. Penniman" userId="ae3cb814-cbe4-44aa-afa6-3cd4f8a8ce08" providerId="ADAL" clId="{6D6B7E1D-A254-4E18-ABE2-B2F68D1855EB}" dt="2020-01-17T19:57:41.032" v="3567" actId="20577"/>
+          <ac:spMkLst>
+            <pc:docMk/>
+            <pc:sldMk cId="1875763391" sldId="351"/>
+            <ac:spMk id="2" creationId="{38B20CA6-5751-4940-8050-2FFE6B912ABF}"/>
+          </ac:spMkLst>
+        </pc:spChg>
+        <pc:spChg chg="add mod">
+          <ac:chgData name="Jason M. Penniman" userId="ae3cb814-cbe4-44aa-afa6-3cd4f8a8ce08" providerId="ADAL" clId="{6D6B7E1D-A254-4E18-ABE2-B2F68D1855EB}" dt="2020-01-17T19:59:58.932" v="3938" actId="20577"/>
+          <ac:spMkLst>
+            <pc:docMk/>
+            <pc:sldMk cId="1875763391" sldId="351"/>
+            <ac:spMk id="4" creationId="{E47055DD-FD92-4101-82A4-D31125C8DF21}"/>
+          </ac:spMkLst>
+        </pc:spChg>
+      </pc:sldChg>
+      <pc:sldChg chg="addSp delSp modSp add">
+        <pc:chgData name="Jason M. Penniman" userId="ae3cb814-cbe4-44aa-afa6-3cd4f8a8ce08" providerId="ADAL" clId="{6D6B7E1D-A254-4E18-ABE2-B2F68D1855EB}" dt="2020-01-17T20:04:14.682" v="4148" actId="5793"/>
+        <pc:sldMkLst>
+          <pc:docMk/>
+          <pc:sldMk cId="2258129618" sldId="352"/>
+        </pc:sldMkLst>
+        <pc:spChg chg="del">
+          <ac:chgData name="Jason M. Penniman" userId="ae3cb814-cbe4-44aa-afa6-3cd4f8a8ce08" providerId="ADAL" clId="{6D6B7E1D-A254-4E18-ABE2-B2F68D1855EB}" dt="2020-01-17T20:02:00.457" v="3941"/>
+          <ac:spMkLst>
+            <pc:docMk/>
+            <pc:sldMk cId="2258129618" sldId="352"/>
+            <ac:spMk id="2" creationId="{2940C819-ACD5-4E78-8F69-AD76D072F959}"/>
+          </ac:spMkLst>
+        </pc:spChg>
+        <pc:spChg chg="add mod">
+          <ac:chgData name="Jason M. Penniman" userId="ae3cb814-cbe4-44aa-afa6-3cd4f8a8ce08" providerId="ADAL" clId="{6D6B7E1D-A254-4E18-ABE2-B2F68D1855EB}" dt="2020-01-17T20:03:49.992" v="4071" actId="20577"/>
+          <ac:spMkLst>
+            <pc:docMk/>
+            <pc:sldMk cId="2258129618" sldId="352"/>
+            <ac:spMk id="4" creationId="{2ECF0735-0CF3-451F-AF68-B794BF6C8F4E}"/>
+          </ac:spMkLst>
+        </pc:spChg>
+        <pc:spChg chg="add mod">
+          <ac:chgData name="Jason M. Penniman" userId="ae3cb814-cbe4-44aa-afa6-3cd4f8a8ce08" providerId="ADAL" clId="{6D6B7E1D-A254-4E18-ABE2-B2F68D1855EB}" dt="2020-01-17T20:04:14.682" v="4148" actId="5793"/>
+          <ac:spMkLst>
+            <pc:docMk/>
+            <pc:sldMk cId="2258129618" sldId="352"/>
+            <ac:spMk id="5" creationId="{818B41A9-6DE1-411A-8A27-194FE5E8F964}"/>
+          </ac:spMkLst>
+        </pc:spChg>
+      </pc:sldChg>
+      <pc:sldChg chg="addSp delSp modSp add">
+        <pc:chgData name="Jason M. Penniman" userId="ae3cb814-cbe4-44aa-afa6-3cd4f8a8ce08" providerId="ADAL" clId="{6D6B7E1D-A254-4E18-ABE2-B2F68D1855EB}" dt="2020-01-17T20:04:21.061" v="4150"/>
+        <pc:sldMkLst>
+          <pc:docMk/>
+          <pc:sldMk cId="284772742" sldId="353"/>
+        </pc:sldMkLst>
+        <pc:spChg chg="del">
+          <ac:chgData name="Jason M. Penniman" userId="ae3cb814-cbe4-44aa-afa6-3cd4f8a8ce08" providerId="ADAL" clId="{6D6B7E1D-A254-4E18-ABE2-B2F68D1855EB}" dt="2020-01-17T20:02:25.873" v="3985"/>
+          <ac:spMkLst>
+            <pc:docMk/>
+            <pc:sldMk cId="284772742" sldId="353"/>
+            <ac:spMk id="2" creationId="{490EFAF7-9181-4A06-B7D2-E39DCB6F8A4A}"/>
+          </ac:spMkLst>
+        </pc:spChg>
+        <pc:spChg chg="del">
+          <ac:chgData name="Jason M. Penniman" userId="ae3cb814-cbe4-44aa-afa6-3cd4f8a8ce08" providerId="ADAL" clId="{6D6B7E1D-A254-4E18-ABE2-B2F68D1855EB}" dt="2020-01-17T20:02:25.873" v="3985"/>
+          <ac:spMkLst>
+            <pc:docMk/>
+            <pc:sldMk cId="284772742" sldId="353"/>
+            <ac:spMk id="3" creationId="{CC4E0A1E-8382-4FB2-A365-DAA0E206C4AF}"/>
+          </ac:spMkLst>
+        </pc:spChg>
+        <pc:spChg chg="add mod">
+          <ac:chgData name="Jason M. Penniman" userId="ae3cb814-cbe4-44aa-afa6-3cd4f8a8ce08" providerId="ADAL" clId="{6D6B7E1D-A254-4E18-ABE2-B2F68D1855EB}" dt="2020-01-17T20:04:19.655" v="4149"/>
+          <ac:spMkLst>
+            <pc:docMk/>
+            <pc:sldMk cId="284772742" sldId="353"/>
+            <ac:spMk id="5" creationId="{E062D815-F6CB-403E-A2BE-0584C83BFAFF}"/>
+          </ac:spMkLst>
+        </pc:spChg>
+        <pc:spChg chg="add mod">
+          <ac:chgData name="Jason M. Penniman" userId="ae3cb814-cbe4-44aa-afa6-3cd4f8a8ce08" providerId="ADAL" clId="{6D6B7E1D-A254-4E18-ABE2-B2F68D1855EB}" dt="2020-01-17T20:04:21.061" v="4150"/>
+          <ac:spMkLst>
+            <pc:docMk/>
+            <pc:sldMk cId="284772742" sldId="353"/>
+            <ac:spMk id="6" creationId="{D7A7BBB6-97F5-448B-B27E-F85C4ECED8B5}"/>
+          </ac:spMkLst>
+        </pc:spChg>
+      </pc:sldChg>
+      <pc:sldChg chg="modSp add">
+        <pc:chgData name="Jason M. Penniman" userId="ae3cb814-cbe4-44aa-afa6-3cd4f8a8ce08" providerId="ADAL" clId="{6D6B7E1D-A254-4E18-ABE2-B2F68D1855EB}" dt="2020-01-17T20:05:00.418" v="4169" actId="20577"/>
+        <pc:sldMkLst>
+          <pc:docMk/>
+          <pc:sldMk cId="290880939" sldId="354"/>
+        </pc:sldMkLst>
+        <pc:spChg chg="mod">
+          <ac:chgData name="Jason M. Penniman" userId="ae3cb814-cbe4-44aa-afa6-3cd4f8a8ce08" providerId="ADAL" clId="{6D6B7E1D-A254-4E18-ABE2-B2F68D1855EB}" dt="2020-01-17T20:05:00.418" v="4169" actId="20577"/>
+          <ac:spMkLst>
+            <pc:docMk/>
+            <pc:sldMk cId="290880939" sldId="354"/>
+            <ac:spMk id="2" creationId="{09DD1F21-E8A9-4E82-B8A9-9ACE6440E644}"/>
+          </ac:spMkLst>
+        </pc:spChg>
+      </pc:sldChg>
+      <pc:sldChg chg="addSp delSp modSp add">
+        <pc:chgData name="Jason M. Penniman" userId="ae3cb814-cbe4-44aa-afa6-3cd4f8a8ce08" providerId="ADAL" clId="{6D6B7E1D-A254-4E18-ABE2-B2F68D1855EB}" dt="2020-01-17T20:31:55.787" v="4432" actId="20577"/>
+        <pc:sldMkLst>
+          <pc:docMk/>
+          <pc:sldMk cId="1758370319" sldId="355"/>
+        </pc:sldMkLst>
+        <pc:spChg chg="del">
+          <ac:chgData name="Jason M. Penniman" userId="ae3cb814-cbe4-44aa-afa6-3cd4f8a8ce08" providerId="ADAL" clId="{6D6B7E1D-A254-4E18-ABE2-B2F68D1855EB}" dt="2020-01-17T20:05:11.051" v="4171"/>
+          <ac:spMkLst>
+            <pc:docMk/>
+            <pc:sldMk cId="1758370319" sldId="355"/>
+            <ac:spMk id="2" creationId="{8AAB2CEC-3E69-4435-BF2A-46BE8F354A1C}"/>
+          </ac:spMkLst>
+        </pc:spChg>
+        <pc:spChg chg="del">
+          <ac:chgData name="Jason M. Penniman" userId="ae3cb814-cbe4-44aa-afa6-3cd4f8a8ce08" providerId="ADAL" clId="{6D6B7E1D-A254-4E18-ABE2-B2F68D1855EB}" dt="2020-01-17T20:05:11.051" v="4171"/>
+          <ac:spMkLst>
+            <pc:docMk/>
+            <pc:sldMk cId="1758370319" sldId="355"/>
+            <ac:spMk id="3" creationId="{45DF3BC1-C7D6-4B34-A312-2E91DB955F64}"/>
+          </ac:spMkLst>
+        </pc:spChg>
+        <pc:spChg chg="add del mod">
+          <ac:chgData name="Jason M. Penniman" userId="ae3cb814-cbe4-44aa-afa6-3cd4f8a8ce08" providerId="ADAL" clId="{6D6B7E1D-A254-4E18-ABE2-B2F68D1855EB}" dt="2020-01-17T20:05:11.051" v="4171"/>
+          <ac:spMkLst>
+            <pc:docMk/>
+            <pc:sldMk cId="1758370319" sldId="355"/>
+            <ac:spMk id="5" creationId="{078A8B85-9E54-4BFB-B07E-CE348751DE4E}"/>
+          </ac:spMkLst>
+        </pc:spChg>
+        <pc:spChg chg="add del mod">
+          <ac:chgData name="Jason M. Penniman" userId="ae3cb814-cbe4-44aa-afa6-3cd4f8a8ce08" providerId="ADAL" clId="{6D6B7E1D-A254-4E18-ABE2-B2F68D1855EB}" dt="2020-01-17T20:05:13.233" v="4172"/>
+          <ac:spMkLst>
+            <pc:docMk/>
+            <pc:sldMk cId="1758370319" sldId="355"/>
+            <ac:spMk id="6" creationId="{8CDCE2F9-EB47-4A01-B462-0A739419CC78}"/>
+          </ac:spMkLst>
+        </pc:spChg>
+        <pc:spChg chg="add del mod">
+          <ac:chgData name="Jason M. Penniman" userId="ae3cb814-cbe4-44aa-afa6-3cd4f8a8ce08" providerId="ADAL" clId="{6D6B7E1D-A254-4E18-ABE2-B2F68D1855EB}" dt="2020-01-17T20:05:13.233" v="4172"/>
+          <ac:spMkLst>
+            <pc:docMk/>
+            <pc:sldMk cId="1758370319" sldId="355"/>
+            <ac:spMk id="7" creationId="{4636F0EB-15EE-473E-BF7F-B650AE0E4C21}"/>
+          </ac:spMkLst>
+        </pc:spChg>
+        <pc:spChg chg="add mod">
+          <ac:chgData name="Jason M. Penniman" userId="ae3cb814-cbe4-44aa-afa6-3cd4f8a8ce08" providerId="ADAL" clId="{6D6B7E1D-A254-4E18-ABE2-B2F68D1855EB}" dt="2020-01-17T20:05:26.446" v="4215" actId="20577"/>
+          <ac:spMkLst>
+            <pc:docMk/>
+            <pc:sldMk cId="1758370319" sldId="355"/>
+            <ac:spMk id="8" creationId="{1D681E0A-CE6C-49F9-8796-551BC3868BB1}"/>
+          </ac:spMkLst>
+        </pc:spChg>
+        <pc:spChg chg="add mod">
+          <ac:chgData name="Jason M. Penniman" userId="ae3cb814-cbe4-44aa-afa6-3cd4f8a8ce08" providerId="ADAL" clId="{6D6B7E1D-A254-4E18-ABE2-B2F68D1855EB}" dt="2020-01-17T20:31:55.787" v="4432" actId="20577"/>
+          <ac:spMkLst>
+            <pc:docMk/>
+            <pc:sldMk cId="1758370319" sldId="355"/>
+            <ac:spMk id="9" creationId="{7EB8868B-AF12-4B62-8576-86511C8CA0D0}"/>
+          </ac:spMkLst>
+        </pc:spChg>
+      </pc:sldChg>
+      <pc:sldChg chg="modSp add">
+        <pc:chgData name="Jason M. Penniman" userId="ae3cb814-cbe4-44aa-afa6-3cd4f8a8ce08" providerId="ADAL" clId="{6D6B7E1D-A254-4E18-ABE2-B2F68D1855EB}" dt="2020-01-17T20:34:13.357" v="4547" actId="20577"/>
+        <pc:sldMkLst>
+          <pc:docMk/>
+          <pc:sldMk cId="2636352327" sldId="356"/>
+        </pc:sldMkLst>
+        <pc:spChg chg="mod">
+          <ac:chgData name="Jason M. Penniman" userId="ae3cb814-cbe4-44aa-afa6-3cd4f8a8ce08" providerId="ADAL" clId="{6D6B7E1D-A254-4E18-ABE2-B2F68D1855EB}" dt="2020-01-17T20:32:12.191" v="4448" actId="20577"/>
+          <ac:spMkLst>
+            <pc:docMk/>
+            <pc:sldMk cId="2636352327" sldId="356"/>
+            <ac:spMk id="2" creationId="{C6F386D6-9905-409F-B4D9-016718EA5F84}"/>
+          </ac:spMkLst>
+        </pc:spChg>
+        <pc:spChg chg="mod">
+          <ac:chgData name="Jason M. Penniman" userId="ae3cb814-cbe4-44aa-afa6-3cd4f8a8ce08" providerId="ADAL" clId="{6D6B7E1D-A254-4E18-ABE2-B2F68D1855EB}" dt="2020-01-17T20:34:13.357" v="4547" actId="20577"/>
+          <ac:spMkLst>
+            <pc:docMk/>
+            <pc:sldMk cId="2636352327" sldId="356"/>
+            <ac:spMk id="3" creationId="{3F661CC8-B9AE-41CF-B102-E87A16EBEAC1}"/>
+          </ac:spMkLst>
+        </pc:spChg>
+      </pc:sldChg>
+      <pc:sldChg chg="addSp delSp modSp add">
+        <pc:chgData name="Jason M. Penniman" userId="ae3cb814-cbe4-44aa-afa6-3cd4f8a8ce08" providerId="ADAL" clId="{6D6B7E1D-A254-4E18-ABE2-B2F68D1855EB}" dt="2020-01-17T20:48:14.433" v="4892" actId="1076"/>
+        <pc:sldMkLst>
+          <pc:docMk/>
+          <pc:sldMk cId="1423030865" sldId="357"/>
+        </pc:sldMkLst>
+        <pc:spChg chg="mod">
+          <ac:chgData name="Jason M. Penniman" userId="ae3cb814-cbe4-44aa-afa6-3cd4f8a8ce08" providerId="ADAL" clId="{6D6B7E1D-A254-4E18-ABE2-B2F68D1855EB}" dt="2020-01-17T20:48:04.864" v="4891" actId="20577"/>
+          <ac:spMkLst>
+            <pc:docMk/>
+            <pc:sldMk cId="1423030865" sldId="357"/>
+            <ac:spMk id="2" creationId="{889E5A38-DCB1-4B73-B8CE-178583D627A0}"/>
+          </ac:spMkLst>
+        </pc:spChg>
+        <pc:spChg chg="del">
+          <ac:chgData name="Jason M. Penniman" userId="ae3cb814-cbe4-44aa-afa6-3cd4f8a8ce08" providerId="ADAL" clId="{6D6B7E1D-A254-4E18-ABE2-B2F68D1855EB}" dt="2020-01-17T20:37:33.897" v="4549" actId="478"/>
+          <ac:spMkLst>
+            <pc:docMk/>
+            <pc:sldMk cId="1423030865" sldId="357"/>
+            <ac:spMk id="3" creationId="{6B26FA0B-1A60-417E-B1E8-093D7058CCE4}"/>
+          </ac:spMkLst>
+        </pc:spChg>
+        <pc:spChg chg="add mod">
+          <ac:chgData name="Jason M. Penniman" userId="ae3cb814-cbe4-44aa-afa6-3cd4f8a8ce08" providerId="ADAL" clId="{6D6B7E1D-A254-4E18-ABE2-B2F68D1855EB}" dt="2020-01-17T20:48:14.433" v="4892" actId="1076"/>
+          <ac:spMkLst>
+            <pc:docMk/>
+            <pc:sldMk cId="1423030865" sldId="357"/>
+            <ac:spMk id="5" creationId="{4866FE83-DFEF-412C-BA4B-529837C4B6DB}"/>
+          </ac:spMkLst>
+        </pc:spChg>
+        <pc:spChg chg="add mod">
+          <ac:chgData name="Jason M. Penniman" userId="ae3cb814-cbe4-44aa-afa6-3cd4f8a8ce08" providerId="ADAL" clId="{6D6B7E1D-A254-4E18-ABE2-B2F68D1855EB}" dt="2020-01-17T20:48:14.433" v="4892" actId="1076"/>
+          <ac:spMkLst>
+            <pc:docMk/>
+            <pc:sldMk cId="1423030865" sldId="357"/>
+            <ac:spMk id="6" creationId="{2690E378-A34B-45E3-B2AD-AE49F7B1D581}"/>
+          </ac:spMkLst>
+        </pc:spChg>
+        <pc:spChg chg="add mod">
+          <ac:chgData name="Jason M. Penniman" userId="ae3cb814-cbe4-44aa-afa6-3cd4f8a8ce08" providerId="ADAL" clId="{6D6B7E1D-A254-4E18-ABE2-B2F68D1855EB}" dt="2020-01-17T20:48:14.433" v="4892" actId="1076"/>
+          <ac:spMkLst>
+            <pc:docMk/>
+            <pc:sldMk cId="1423030865" sldId="357"/>
+            <ac:spMk id="7" creationId="{B4588E1A-9ACB-4A07-B7CF-C5DBEDD8CED2}"/>
+          </ac:spMkLst>
+        </pc:spChg>
+        <pc:spChg chg="add mod">
+          <ac:chgData name="Jason M. Penniman" userId="ae3cb814-cbe4-44aa-afa6-3cd4f8a8ce08" providerId="ADAL" clId="{6D6B7E1D-A254-4E18-ABE2-B2F68D1855EB}" dt="2020-01-17T20:48:14.433" v="4892" actId="1076"/>
+          <ac:spMkLst>
+            <pc:docMk/>
+            <pc:sldMk cId="1423030865" sldId="357"/>
+            <ac:spMk id="8" creationId="{7A97EDF2-C711-4BAB-B827-AA4AB1EAEC60}"/>
+          </ac:spMkLst>
+        </pc:spChg>
+        <pc:spChg chg="add mod">
+          <ac:chgData name="Jason M. Penniman" userId="ae3cb814-cbe4-44aa-afa6-3cd4f8a8ce08" providerId="ADAL" clId="{6D6B7E1D-A254-4E18-ABE2-B2F68D1855EB}" dt="2020-01-17T20:48:14.433" v="4892" actId="1076"/>
+          <ac:spMkLst>
+            <pc:docMk/>
+            <pc:sldMk cId="1423030865" sldId="357"/>
+            <ac:spMk id="9" creationId="{76CF41A2-67FF-4BE2-AFCD-EE55BBDBF430}"/>
+          </ac:spMkLst>
+        </pc:spChg>
+        <pc:spChg chg="add mod">
+          <ac:chgData name="Jason M. Penniman" userId="ae3cb814-cbe4-44aa-afa6-3cd4f8a8ce08" providerId="ADAL" clId="{6D6B7E1D-A254-4E18-ABE2-B2F68D1855EB}" dt="2020-01-17T20:48:14.433" v="4892" actId="1076"/>
+          <ac:spMkLst>
+            <pc:docMk/>
+            <pc:sldMk cId="1423030865" sldId="357"/>
+            <ac:spMk id="10" creationId="{9401165A-A288-4D6E-92B9-C325FBED550D}"/>
+          </ac:spMkLst>
+        </pc:spChg>
+        <pc:spChg chg="add mod">
+          <ac:chgData name="Jason M. Penniman" userId="ae3cb814-cbe4-44aa-afa6-3cd4f8a8ce08" providerId="ADAL" clId="{6D6B7E1D-A254-4E18-ABE2-B2F68D1855EB}" dt="2020-01-17T20:48:14.433" v="4892" actId="1076"/>
+          <ac:spMkLst>
+            <pc:docMk/>
+            <pc:sldMk cId="1423030865" sldId="357"/>
+            <ac:spMk id="11" creationId="{8F532F01-3A40-4848-AB82-951B82D03175}"/>
+          </ac:spMkLst>
+        </pc:spChg>
+        <pc:spChg chg="add mod">
+          <ac:chgData name="Jason M. Penniman" userId="ae3cb814-cbe4-44aa-afa6-3cd4f8a8ce08" providerId="ADAL" clId="{6D6B7E1D-A254-4E18-ABE2-B2F68D1855EB}" dt="2020-01-17T20:48:14.433" v="4892" actId="1076"/>
+          <ac:spMkLst>
+            <pc:docMk/>
+            <pc:sldMk cId="1423030865" sldId="357"/>
+            <ac:spMk id="12" creationId="{C6172ACE-16B1-40F2-91AD-557EFA9C6C48}"/>
+          </ac:spMkLst>
+        </pc:spChg>
+        <pc:spChg chg="add mod">
+          <ac:chgData name="Jason M. Penniman" userId="ae3cb814-cbe4-44aa-afa6-3cd4f8a8ce08" providerId="ADAL" clId="{6D6B7E1D-A254-4E18-ABE2-B2F68D1855EB}" dt="2020-01-17T20:48:14.433" v="4892" actId="1076"/>
+          <ac:spMkLst>
+            <pc:docMk/>
+            <pc:sldMk cId="1423030865" sldId="357"/>
+            <ac:spMk id="65" creationId="{5A8E15CB-0701-449E-BAD4-196F756A1610}"/>
+          </ac:spMkLst>
+        </pc:spChg>
+        <pc:spChg chg="add mod">
+          <ac:chgData name="Jason M. Penniman" userId="ae3cb814-cbe4-44aa-afa6-3cd4f8a8ce08" providerId="ADAL" clId="{6D6B7E1D-A254-4E18-ABE2-B2F68D1855EB}" dt="2020-01-17T20:48:14.433" v="4892" actId="1076"/>
+          <ac:spMkLst>
+            <pc:docMk/>
+            <pc:sldMk cId="1423030865" sldId="357"/>
+            <ac:spMk id="66" creationId="{3839C915-3792-4430-A406-5846A66D4362}"/>
+          </ac:spMkLst>
+        </pc:spChg>
+        <pc:spChg chg="add mod">
+          <ac:chgData name="Jason M. Penniman" userId="ae3cb814-cbe4-44aa-afa6-3cd4f8a8ce08" providerId="ADAL" clId="{6D6B7E1D-A254-4E18-ABE2-B2F68D1855EB}" dt="2020-01-17T20:48:14.433" v="4892" actId="1076"/>
+          <ac:spMkLst>
+            <pc:docMk/>
+            <pc:sldMk cId="1423030865" sldId="357"/>
+            <ac:spMk id="67" creationId="{19F1EACA-80CB-4BCA-B204-6F53CE47CA58}"/>
+          </ac:spMkLst>
+        </pc:spChg>
+        <pc:spChg chg="add mod">
+          <ac:chgData name="Jason M. Penniman" userId="ae3cb814-cbe4-44aa-afa6-3cd4f8a8ce08" providerId="ADAL" clId="{6D6B7E1D-A254-4E18-ABE2-B2F68D1855EB}" dt="2020-01-17T20:48:14.433" v="4892" actId="1076"/>
+          <ac:spMkLst>
+            <pc:docMk/>
+            <pc:sldMk cId="1423030865" sldId="357"/>
+            <ac:spMk id="68" creationId="{C3A21959-E704-43B0-B620-21D66146717D}"/>
+          </ac:spMkLst>
+        </pc:spChg>
+        <pc:spChg chg="add mod">
+          <ac:chgData name="Jason M. Penniman" userId="ae3cb814-cbe4-44aa-afa6-3cd4f8a8ce08" providerId="ADAL" clId="{6D6B7E1D-A254-4E18-ABE2-B2F68D1855EB}" dt="2020-01-17T20:48:14.433" v="4892" actId="1076"/>
+          <ac:spMkLst>
+            <pc:docMk/>
+            <pc:sldMk cId="1423030865" sldId="357"/>
+            <ac:spMk id="69" creationId="{92DC9851-D834-4CED-87E9-D06448EB8B08}"/>
+          </ac:spMkLst>
+        </pc:spChg>
+        <pc:spChg chg="add mod">
+          <ac:chgData name="Jason M. Penniman" userId="ae3cb814-cbe4-44aa-afa6-3cd4f8a8ce08" providerId="ADAL" clId="{6D6B7E1D-A254-4E18-ABE2-B2F68D1855EB}" dt="2020-01-17T20:48:14.433" v="4892" actId="1076"/>
+          <ac:spMkLst>
+            <pc:docMk/>
+            <pc:sldMk cId="1423030865" sldId="357"/>
+            <ac:spMk id="70" creationId="{125091D5-FBF4-454E-BB53-B64F355E4892}"/>
+          </ac:spMkLst>
+        </pc:spChg>
+        <pc:spChg chg="add mod">
+          <ac:chgData name="Jason M. Penniman" userId="ae3cb814-cbe4-44aa-afa6-3cd4f8a8ce08" providerId="ADAL" clId="{6D6B7E1D-A254-4E18-ABE2-B2F68D1855EB}" dt="2020-01-17T20:48:14.433" v="4892" actId="1076"/>
+          <ac:spMkLst>
+            <pc:docMk/>
+            <pc:sldMk cId="1423030865" sldId="357"/>
+            <ac:spMk id="71" creationId="{C27330E8-6733-427F-BC05-4C83CDF57D20}"/>
+          </ac:spMkLst>
+        </pc:spChg>
+        <pc:spChg chg="add mod">
+          <ac:chgData name="Jason M. Penniman" userId="ae3cb814-cbe4-44aa-afa6-3cd4f8a8ce08" providerId="ADAL" clId="{6D6B7E1D-A254-4E18-ABE2-B2F68D1855EB}" dt="2020-01-17T20:48:14.433" v="4892" actId="1076"/>
+          <ac:spMkLst>
+            <pc:docMk/>
+            <pc:sldMk cId="1423030865" sldId="357"/>
+            <ac:spMk id="72" creationId="{F86B5F11-F287-4D33-84FA-17CEF0887B2C}"/>
+          </ac:spMkLst>
+        </pc:spChg>
+        <pc:spChg chg="add mod">
+          <ac:chgData name="Jason M. Penniman" userId="ae3cb814-cbe4-44aa-afa6-3cd4f8a8ce08" providerId="ADAL" clId="{6D6B7E1D-A254-4E18-ABE2-B2F68D1855EB}" dt="2020-01-17T20:48:14.433" v="4892" actId="1076"/>
+          <ac:spMkLst>
+            <pc:docMk/>
+            <pc:sldMk cId="1423030865" sldId="357"/>
+            <ac:spMk id="73" creationId="{DDEE5B07-C8A0-47F6-829B-4B8F915A9866}"/>
+          </ac:spMkLst>
+        </pc:spChg>
+        <pc:spChg chg="add mod">
+          <ac:chgData name="Jason M. Penniman" userId="ae3cb814-cbe4-44aa-afa6-3cd4f8a8ce08" providerId="ADAL" clId="{6D6B7E1D-A254-4E18-ABE2-B2F68D1855EB}" dt="2020-01-17T20:48:14.433" v="4892" actId="1076"/>
+          <ac:spMkLst>
+            <pc:docMk/>
+            <pc:sldMk cId="1423030865" sldId="357"/>
+            <ac:spMk id="74" creationId="{E88901B4-ED49-42B0-BAD6-D0E5B4DB48D0}"/>
+          </ac:spMkLst>
+        </pc:spChg>
+        <pc:spChg chg="add mod">
+          <ac:chgData name="Jason M. Penniman" userId="ae3cb814-cbe4-44aa-afa6-3cd4f8a8ce08" providerId="ADAL" clId="{6D6B7E1D-A254-4E18-ABE2-B2F68D1855EB}" dt="2020-01-17T20:48:14.433" v="4892" actId="1076"/>
+          <ac:spMkLst>
+            <pc:docMk/>
+            <pc:sldMk cId="1423030865" sldId="357"/>
+            <ac:spMk id="75" creationId="{834BD1C1-B8B2-4E47-BE90-1A9A3A8AB728}"/>
+          </ac:spMkLst>
+        </pc:spChg>
+        <pc:spChg chg="add mod">
+          <ac:chgData name="Jason M. Penniman" userId="ae3cb814-cbe4-44aa-afa6-3cd4f8a8ce08" providerId="ADAL" clId="{6D6B7E1D-A254-4E18-ABE2-B2F68D1855EB}" dt="2020-01-17T20:48:14.433" v="4892" actId="1076"/>
+          <ac:spMkLst>
+            <pc:docMk/>
+            <pc:sldMk cId="1423030865" sldId="357"/>
+            <ac:spMk id="76" creationId="{3485A27F-F5CA-4F2B-8844-4C469BA443C5}"/>
+          </ac:spMkLst>
+        </pc:spChg>
+        <pc:cxnChg chg="add del mod">
+          <ac:chgData name="Jason M. Penniman" userId="ae3cb814-cbe4-44aa-afa6-3cd4f8a8ce08" providerId="ADAL" clId="{6D6B7E1D-A254-4E18-ABE2-B2F68D1855EB}" dt="2020-01-17T20:39:24.391" v="4632" actId="478"/>
+          <ac:cxnSpMkLst>
+            <pc:docMk/>
+            <pc:sldMk cId="1423030865" sldId="357"/>
+            <ac:cxnSpMk id="14" creationId="{6959F645-E8B3-46E6-8AE5-CE8CF8474CBC}"/>
+          </ac:cxnSpMkLst>
+        </pc:cxnChg>
+        <pc:cxnChg chg="add del mod">
+          <ac:chgData name="Jason M. Penniman" userId="ae3cb814-cbe4-44aa-afa6-3cd4f8a8ce08" providerId="ADAL" clId="{6D6B7E1D-A254-4E18-ABE2-B2F68D1855EB}" dt="2020-01-17T20:39:54.402" v="4641" actId="478"/>
+          <ac:cxnSpMkLst>
+            <pc:docMk/>
+            <pc:sldMk cId="1423030865" sldId="357"/>
+            <ac:cxnSpMk id="16" creationId="{0CF1A667-37D9-4D34-95E5-3DFAC730FDAF}"/>
+          </ac:cxnSpMkLst>
+        </pc:cxnChg>
+        <pc:cxnChg chg="add del mod">
+          <ac:chgData name="Jason M. Penniman" userId="ae3cb814-cbe4-44aa-afa6-3cd4f8a8ce08" providerId="ADAL" clId="{6D6B7E1D-A254-4E18-ABE2-B2F68D1855EB}" dt="2020-01-17T20:40:06.218" v="4643" actId="478"/>
+          <ac:cxnSpMkLst>
+            <pc:docMk/>
+            <pc:sldMk cId="1423030865" sldId="357"/>
+            <ac:cxnSpMk id="25" creationId="{33AC954F-0794-4D06-9BE6-9C29FE2DF759}"/>
+          </ac:cxnSpMkLst>
+        </pc:cxnChg>
+        <pc:cxnChg chg="add mod">
+          <ac:chgData name="Jason M. Penniman" userId="ae3cb814-cbe4-44aa-afa6-3cd4f8a8ce08" providerId="ADAL" clId="{6D6B7E1D-A254-4E18-ABE2-B2F68D1855EB}" dt="2020-01-17T20:48:14.433" v="4892" actId="1076"/>
+          <ac:cxnSpMkLst>
+            <pc:docMk/>
+            <pc:sldMk cId="1423030865" sldId="357"/>
+            <ac:cxnSpMk id="27" creationId="{388F9572-1736-466E-9093-445C67567753}"/>
+          </ac:cxnSpMkLst>
+        </pc:cxnChg>
+        <pc:cxnChg chg="add mod">
+          <ac:chgData name="Jason M. Penniman" userId="ae3cb814-cbe4-44aa-afa6-3cd4f8a8ce08" providerId="ADAL" clId="{6D6B7E1D-A254-4E18-ABE2-B2F68D1855EB}" dt="2020-01-17T20:48:14.433" v="4892" actId="1076"/>
+          <ac:cxnSpMkLst>
+            <pc:docMk/>
+            <pc:sldMk cId="1423030865" sldId="357"/>
+            <ac:cxnSpMk id="29" creationId="{60F6BEF2-6569-47B3-9C47-F1940919719C}"/>
+          </ac:cxnSpMkLst>
+        </pc:cxnChg>
+        <pc:cxnChg chg="add mod">
+          <ac:chgData name="Jason M. Penniman" userId="ae3cb814-cbe4-44aa-afa6-3cd4f8a8ce08" providerId="ADAL" clId="{6D6B7E1D-A254-4E18-ABE2-B2F68D1855EB}" dt="2020-01-17T20:48:14.433" v="4892" actId="1076"/>
+          <ac:cxnSpMkLst>
+            <pc:docMk/>
+            <pc:sldMk cId="1423030865" sldId="357"/>
+            <ac:cxnSpMk id="31" creationId="{106FA926-C571-48AB-BAB3-FA89EBC32507}"/>
+          </ac:cxnSpMkLst>
+        </pc:cxnChg>
+        <pc:cxnChg chg="add del mod">
+          <ac:chgData name="Jason M. Penniman" userId="ae3cb814-cbe4-44aa-afa6-3cd4f8a8ce08" providerId="ADAL" clId="{6D6B7E1D-A254-4E18-ABE2-B2F68D1855EB}" dt="2020-01-17T20:41:20.315" v="4652" actId="478"/>
+          <ac:cxnSpMkLst>
+            <pc:docMk/>
+            <pc:sldMk cId="1423030865" sldId="357"/>
+            <ac:cxnSpMk id="33" creationId="{22790E13-A3BF-4677-8A98-621A33491BAB}"/>
+          </ac:cxnSpMkLst>
+        </pc:cxnChg>
+        <pc:cxnChg chg="add mod">
+          <ac:chgData name="Jason M. Penniman" userId="ae3cb814-cbe4-44aa-afa6-3cd4f8a8ce08" providerId="ADAL" clId="{6D6B7E1D-A254-4E18-ABE2-B2F68D1855EB}" dt="2020-01-17T20:48:14.433" v="4892" actId="1076"/>
+          <ac:cxnSpMkLst>
+            <pc:docMk/>
+            <pc:sldMk cId="1423030865" sldId="357"/>
+            <ac:cxnSpMk id="35" creationId="{91B2DCF7-FB0F-4E94-95DA-501408737E01}"/>
+          </ac:cxnSpMkLst>
+        </pc:cxnChg>
+        <pc:cxnChg chg="add mod">
+          <ac:chgData name="Jason M. Penniman" userId="ae3cb814-cbe4-44aa-afa6-3cd4f8a8ce08" providerId="ADAL" clId="{6D6B7E1D-A254-4E18-ABE2-B2F68D1855EB}" dt="2020-01-17T20:48:14.433" v="4892" actId="1076"/>
+          <ac:cxnSpMkLst>
+            <pc:docMk/>
+            <pc:sldMk cId="1423030865" sldId="357"/>
+            <ac:cxnSpMk id="37" creationId="{07D966C8-A423-4819-BA41-DF094CD239D1}"/>
+          </ac:cxnSpMkLst>
+        </pc:cxnChg>
+        <pc:cxnChg chg="add mod">
+          <ac:chgData name="Jason M. Penniman" userId="ae3cb814-cbe4-44aa-afa6-3cd4f8a8ce08" providerId="ADAL" clId="{6D6B7E1D-A254-4E18-ABE2-B2F68D1855EB}" dt="2020-01-17T20:48:14.433" v="4892" actId="1076"/>
+          <ac:cxnSpMkLst>
+            <pc:docMk/>
+            <pc:sldMk cId="1423030865" sldId="357"/>
+            <ac:cxnSpMk id="39" creationId="{5ABBA08B-5667-4DA8-B81B-605DAD7D48A0}"/>
+          </ac:cxnSpMkLst>
+        </pc:cxnChg>
+        <pc:cxnChg chg="add mod">
+          <ac:chgData name="Jason M. Penniman" userId="ae3cb814-cbe4-44aa-afa6-3cd4f8a8ce08" providerId="ADAL" clId="{6D6B7E1D-A254-4E18-ABE2-B2F68D1855EB}" dt="2020-01-17T20:48:14.433" v="4892" actId="1076"/>
+          <ac:cxnSpMkLst>
+            <pc:docMk/>
+            <pc:sldMk cId="1423030865" sldId="357"/>
+            <ac:cxnSpMk id="41" creationId="{E828F613-528F-428B-B1A5-89FE43B63B09}"/>
+          </ac:cxnSpMkLst>
+        </pc:cxnChg>
+        <pc:cxnChg chg="add mod">
+          <ac:chgData name="Jason M. Penniman" userId="ae3cb814-cbe4-44aa-afa6-3cd4f8a8ce08" providerId="ADAL" clId="{6D6B7E1D-A254-4E18-ABE2-B2F68D1855EB}" dt="2020-01-17T20:48:14.433" v="4892" actId="1076"/>
+          <ac:cxnSpMkLst>
+            <pc:docMk/>
+            <pc:sldMk cId="1423030865" sldId="357"/>
+            <ac:cxnSpMk id="43" creationId="{B4347247-BE11-403E-B498-19542CC206A3}"/>
+          </ac:cxnSpMkLst>
+        </pc:cxnChg>
+        <pc:cxnChg chg="add mod">
+          <ac:chgData name="Jason M. Penniman" userId="ae3cb814-cbe4-44aa-afa6-3cd4f8a8ce08" providerId="ADAL" clId="{6D6B7E1D-A254-4E18-ABE2-B2F68D1855EB}" dt="2020-01-17T20:48:14.433" v="4892" actId="1076"/>
+          <ac:cxnSpMkLst>
+            <pc:docMk/>
+            <pc:sldMk cId="1423030865" sldId="357"/>
+            <ac:cxnSpMk id="45" creationId="{9EB73517-8180-4268-A05F-9E697D19154E}"/>
+          </ac:cxnSpMkLst>
+        </pc:cxnChg>
+        <pc:cxnChg chg="add mod">
+          <ac:chgData name="Jason M. Penniman" userId="ae3cb814-cbe4-44aa-afa6-3cd4f8a8ce08" providerId="ADAL" clId="{6D6B7E1D-A254-4E18-ABE2-B2F68D1855EB}" dt="2020-01-17T20:48:14.433" v="4892" actId="1076"/>
+          <ac:cxnSpMkLst>
+            <pc:docMk/>
+            <pc:sldMk cId="1423030865" sldId="357"/>
+            <ac:cxnSpMk id="47" creationId="{9557AD75-B554-492F-8F1C-AD779F0ED4C2}"/>
+          </ac:cxnSpMkLst>
+        </pc:cxnChg>
+        <pc:cxnChg chg="add mod">
+          <ac:chgData name="Jason M. Penniman" userId="ae3cb814-cbe4-44aa-afa6-3cd4f8a8ce08" providerId="ADAL" clId="{6D6B7E1D-A254-4E18-ABE2-B2F68D1855EB}" dt="2020-01-17T20:48:14.433" v="4892" actId="1076"/>
+          <ac:cxnSpMkLst>
+            <pc:docMk/>
+            <pc:sldMk cId="1423030865" sldId="357"/>
+            <ac:cxnSpMk id="52" creationId="{B3263536-BE83-4E31-930A-EFAFD324F2EF}"/>
+          </ac:cxnSpMkLst>
+        </pc:cxnChg>
+        <pc:cxnChg chg="add mod">
+          <ac:chgData name="Jason M. Penniman" userId="ae3cb814-cbe4-44aa-afa6-3cd4f8a8ce08" providerId="ADAL" clId="{6D6B7E1D-A254-4E18-ABE2-B2F68D1855EB}" dt="2020-01-17T20:48:14.433" v="4892" actId="1076"/>
+          <ac:cxnSpMkLst>
+            <pc:docMk/>
+            <pc:sldMk cId="1423030865" sldId="357"/>
+            <ac:cxnSpMk id="54" creationId="{047D074A-FAA7-42EA-B2A3-8C560D4CF355}"/>
+          </ac:cxnSpMkLst>
+        </pc:cxnChg>
+      </pc:sldChg>
+    </pc:docChg>
+  </pc:docChgLst>
   <pc:docChgLst>
     <pc:chgData name="Jason Penniman" userId="a53340c60eabc8a3" providerId="LiveId" clId="{F499E4B6-7C6D-4D46-A98B-D7B7F1A3CD8B}"/>
     <pc:docChg chg="undo custSel addSld delSld modSld sldOrd delSection modSection">
@@ -2020,1525 +3539,6 @@
       </pc:sldChg>
     </pc:docChg>
   </pc:docChgLst>
-  <pc:docChgLst>
-    <pc:chgData name="Jason M. Penniman" userId="ae3cb814-cbe4-44aa-afa6-3cd4f8a8ce08" providerId="ADAL" clId="{6D6B7E1D-A254-4E18-ABE2-B2F68D1855EB}"/>
-    <pc:docChg chg="undo redo custSel addSld delSld modSld sldOrd">
-      <pc:chgData name="Jason M. Penniman" userId="ae3cb814-cbe4-44aa-afa6-3cd4f8a8ce08" providerId="ADAL" clId="{6D6B7E1D-A254-4E18-ABE2-B2F68D1855EB}" dt="2020-01-17T20:48:14.433" v="4892" actId="1076"/>
-      <pc:docMkLst>
-        <pc:docMk/>
-      </pc:docMkLst>
-      <pc:sldChg chg="modSp">
-        <pc:chgData name="Jason M. Penniman" userId="ae3cb814-cbe4-44aa-afa6-3cd4f8a8ce08" providerId="ADAL" clId="{6D6B7E1D-A254-4E18-ABE2-B2F68D1855EB}" dt="2020-01-17T16:27:22.700" v="44" actId="20577"/>
-        <pc:sldMkLst>
-          <pc:docMk/>
-          <pc:sldMk cId="2781154489" sldId="257"/>
-        </pc:sldMkLst>
-        <pc:spChg chg="mod">
-          <ac:chgData name="Jason M. Penniman" userId="ae3cb814-cbe4-44aa-afa6-3cd4f8a8ce08" providerId="ADAL" clId="{6D6B7E1D-A254-4E18-ABE2-B2F68D1855EB}" dt="2020-01-17T16:27:22.700" v="44" actId="20577"/>
-          <ac:spMkLst>
-            <pc:docMk/>
-            <pc:sldMk cId="2781154489" sldId="257"/>
-            <ac:spMk id="3" creationId="{879089F3-F828-48F0-AEB3-6E88969AA0D7}"/>
-          </ac:spMkLst>
-        </pc:spChg>
-      </pc:sldChg>
-      <pc:sldChg chg="addSp delSp modSp modAnim">
-        <pc:chgData name="Jason M. Penniman" userId="ae3cb814-cbe4-44aa-afa6-3cd4f8a8ce08" providerId="ADAL" clId="{6D6B7E1D-A254-4E18-ABE2-B2F68D1855EB}" dt="2020-01-17T18:36:56.458" v="3311"/>
-        <pc:sldMkLst>
-          <pc:docMk/>
-          <pc:sldMk cId="4163164900" sldId="303"/>
-        </pc:sldMkLst>
-        <pc:spChg chg="mod">
-          <ac:chgData name="Jason M. Penniman" userId="ae3cb814-cbe4-44aa-afa6-3cd4f8a8ce08" providerId="ADAL" clId="{6D6B7E1D-A254-4E18-ABE2-B2F68D1855EB}" dt="2020-01-17T16:32:38.100" v="66" actId="20577"/>
-          <ac:spMkLst>
-            <pc:docMk/>
-            <pc:sldMk cId="4163164900" sldId="303"/>
-            <ac:spMk id="3" creationId="{DC050969-95F8-4BFA-B4AD-CCF7D2C60D46}"/>
-          </ac:spMkLst>
-        </pc:spChg>
-        <pc:spChg chg="mod topLvl">
-          <ac:chgData name="Jason M. Penniman" userId="ae3cb814-cbe4-44aa-afa6-3cd4f8a8ce08" providerId="ADAL" clId="{6D6B7E1D-A254-4E18-ABE2-B2F68D1855EB}" dt="2020-01-17T18:33:35.697" v="3272" actId="164"/>
-          <ac:spMkLst>
-            <pc:docMk/>
-            <pc:sldMk cId="4163164900" sldId="303"/>
-            <ac:spMk id="5" creationId="{C833C004-F29F-41FD-B3E4-E10ED1C48A66}"/>
-          </ac:spMkLst>
-        </pc:spChg>
-        <pc:spChg chg="mod topLvl">
-          <ac:chgData name="Jason M. Penniman" userId="ae3cb814-cbe4-44aa-afa6-3cd4f8a8ce08" providerId="ADAL" clId="{6D6B7E1D-A254-4E18-ABE2-B2F68D1855EB}" dt="2020-01-17T18:34:53.042" v="3281" actId="164"/>
-          <ac:spMkLst>
-            <pc:docMk/>
-            <pc:sldMk cId="4163164900" sldId="303"/>
-            <ac:spMk id="7" creationId="{626F4F6B-61B7-44F4-B601-8D3A70FFDE63}"/>
-          </ac:spMkLst>
-        </pc:spChg>
-        <pc:spChg chg="mod topLvl">
-          <ac:chgData name="Jason M. Penniman" userId="ae3cb814-cbe4-44aa-afa6-3cd4f8a8ce08" providerId="ADAL" clId="{6D6B7E1D-A254-4E18-ABE2-B2F68D1855EB}" dt="2020-01-17T18:34:53.042" v="3281" actId="164"/>
-          <ac:spMkLst>
-            <pc:docMk/>
-            <pc:sldMk cId="4163164900" sldId="303"/>
-            <ac:spMk id="9" creationId="{A91C30B6-1D28-4CE2-A008-20C3F75A5FAD}"/>
-          </ac:spMkLst>
-        </pc:spChg>
-        <pc:spChg chg="mod topLvl">
-          <ac:chgData name="Jason M. Penniman" userId="ae3cb814-cbe4-44aa-afa6-3cd4f8a8ce08" providerId="ADAL" clId="{6D6B7E1D-A254-4E18-ABE2-B2F68D1855EB}" dt="2020-01-17T18:34:53.042" v="3281" actId="164"/>
-          <ac:spMkLst>
-            <pc:docMk/>
-            <pc:sldMk cId="4163164900" sldId="303"/>
-            <ac:spMk id="20" creationId="{307B64CE-7EB1-4ACC-A41D-A1F27493A780}"/>
-          </ac:spMkLst>
-        </pc:spChg>
-        <pc:spChg chg="mod topLvl">
-          <ac:chgData name="Jason M. Penniman" userId="ae3cb814-cbe4-44aa-afa6-3cd4f8a8ce08" providerId="ADAL" clId="{6D6B7E1D-A254-4E18-ABE2-B2F68D1855EB}" dt="2020-01-17T18:34:53.042" v="3281" actId="164"/>
-          <ac:spMkLst>
-            <pc:docMk/>
-            <pc:sldMk cId="4163164900" sldId="303"/>
-            <ac:spMk id="28" creationId="{4F95E06C-3834-41B9-8506-5F7371F00E4F}"/>
-          </ac:spMkLst>
-        </pc:spChg>
-        <pc:grpChg chg="add mod">
-          <ac:chgData name="Jason M. Penniman" userId="ae3cb814-cbe4-44aa-afa6-3cd4f8a8ce08" providerId="ADAL" clId="{6D6B7E1D-A254-4E18-ABE2-B2F68D1855EB}" dt="2020-01-17T18:34:53.042" v="3281" actId="164"/>
-          <ac:grpSpMkLst>
-            <pc:docMk/>
-            <pc:sldMk cId="4163164900" sldId="303"/>
-            <ac:grpSpMk id="6" creationId="{C37E6FB0-D14E-48AD-93FE-B8DF63B26255}"/>
-          </ac:grpSpMkLst>
-        </pc:grpChg>
-        <pc:grpChg chg="add mod">
-          <ac:chgData name="Jason M. Penniman" userId="ae3cb814-cbe4-44aa-afa6-3cd4f8a8ce08" providerId="ADAL" clId="{6D6B7E1D-A254-4E18-ABE2-B2F68D1855EB}" dt="2020-01-17T18:34:53.042" v="3281" actId="164"/>
-          <ac:grpSpMkLst>
-            <pc:docMk/>
-            <pc:sldMk cId="4163164900" sldId="303"/>
-            <ac:grpSpMk id="10" creationId="{9567A766-26FA-46F1-8DD1-422E66309794}"/>
-          </ac:grpSpMkLst>
-        </pc:grpChg>
-        <pc:grpChg chg="mod topLvl">
-          <ac:chgData name="Jason M. Penniman" userId="ae3cb814-cbe4-44aa-afa6-3cd4f8a8ce08" providerId="ADAL" clId="{6D6B7E1D-A254-4E18-ABE2-B2F68D1855EB}" dt="2020-01-17T18:34:53.042" v="3281" actId="164"/>
-          <ac:grpSpMkLst>
-            <pc:docMk/>
-            <pc:sldMk cId="4163164900" sldId="303"/>
-            <ac:grpSpMk id="12" creationId="{246991C3-2644-474A-979A-900ADFC7783E}"/>
-          </ac:grpSpMkLst>
-        </pc:grpChg>
-        <pc:grpChg chg="del">
-          <ac:chgData name="Jason M. Penniman" userId="ae3cb814-cbe4-44aa-afa6-3cd4f8a8ce08" providerId="ADAL" clId="{6D6B7E1D-A254-4E18-ABE2-B2F68D1855EB}" dt="2020-01-17T18:33:22.185" v="3271" actId="165"/>
-          <ac:grpSpMkLst>
-            <pc:docMk/>
-            <pc:sldMk cId="4163164900" sldId="303"/>
-            <ac:grpSpMk id="1027" creationId="{C7C66CE2-8FF2-400C-B3DF-9DBA883E01D5}"/>
-          </ac:grpSpMkLst>
-        </pc:grpChg>
-        <pc:picChg chg="mod topLvl">
-          <ac:chgData name="Jason M. Penniman" userId="ae3cb814-cbe4-44aa-afa6-3cd4f8a8ce08" providerId="ADAL" clId="{6D6B7E1D-A254-4E18-ABE2-B2F68D1855EB}" dt="2020-01-17T18:33:35.697" v="3272" actId="164"/>
-          <ac:picMkLst>
-            <pc:docMk/>
-            <pc:sldMk cId="4163164900" sldId="303"/>
-            <ac:picMk id="26" creationId="{9EB5814F-D079-4AC5-82CE-0383A8580CB1}"/>
-          </ac:picMkLst>
-        </pc:picChg>
-        <pc:picChg chg="mod topLvl">
-          <ac:chgData name="Jason M. Penniman" userId="ae3cb814-cbe4-44aa-afa6-3cd4f8a8ce08" providerId="ADAL" clId="{6D6B7E1D-A254-4E18-ABE2-B2F68D1855EB}" dt="2020-01-17T18:34:53.042" v="3281" actId="164"/>
-          <ac:picMkLst>
-            <pc:docMk/>
-            <pc:sldMk cId="4163164900" sldId="303"/>
-            <ac:picMk id="27" creationId="{C9511E04-699D-418A-986D-383D2B7554C3}"/>
-          </ac:picMkLst>
-        </pc:picChg>
-        <pc:picChg chg="mod topLvl">
-          <ac:chgData name="Jason M. Penniman" userId="ae3cb814-cbe4-44aa-afa6-3cd4f8a8ce08" providerId="ADAL" clId="{6D6B7E1D-A254-4E18-ABE2-B2F68D1855EB}" dt="2020-01-17T18:34:53.042" v="3281" actId="164"/>
-          <ac:picMkLst>
-            <pc:docMk/>
-            <pc:sldMk cId="4163164900" sldId="303"/>
-            <ac:picMk id="1026" creationId="{D9085F98-32BF-4396-90DA-F93833746A45}"/>
-          </ac:picMkLst>
-        </pc:picChg>
-        <pc:cxnChg chg="mod topLvl">
-          <ac:chgData name="Jason M. Penniman" userId="ae3cb814-cbe4-44aa-afa6-3cd4f8a8ce08" providerId="ADAL" clId="{6D6B7E1D-A254-4E18-ABE2-B2F68D1855EB}" dt="2020-01-17T18:34:53.042" v="3281" actId="164"/>
-          <ac:cxnSpMkLst>
-            <pc:docMk/>
-            <pc:sldMk cId="4163164900" sldId="303"/>
-            <ac:cxnSpMk id="17" creationId="{17427834-3DDC-4C60-BC42-1C6F588D35AF}"/>
-          </ac:cxnSpMkLst>
-        </pc:cxnChg>
-        <pc:cxnChg chg="mod topLvl">
-          <ac:chgData name="Jason M. Penniman" userId="ae3cb814-cbe4-44aa-afa6-3cd4f8a8ce08" providerId="ADAL" clId="{6D6B7E1D-A254-4E18-ABE2-B2F68D1855EB}" dt="2020-01-17T18:34:53.042" v="3281" actId="164"/>
-          <ac:cxnSpMkLst>
-            <pc:docMk/>
-            <pc:sldMk cId="4163164900" sldId="303"/>
-            <ac:cxnSpMk id="19" creationId="{00B434E8-69BA-4CF3-B482-9441E1BEF072}"/>
-          </ac:cxnSpMkLst>
-        </pc:cxnChg>
-        <pc:cxnChg chg="mod topLvl">
-          <ac:chgData name="Jason M. Penniman" userId="ae3cb814-cbe4-44aa-afa6-3cd4f8a8ce08" providerId="ADAL" clId="{6D6B7E1D-A254-4E18-ABE2-B2F68D1855EB}" dt="2020-01-17T18:34:53.042" v="3281" actId="164"/>
-          <ac:cxnSpMkLst>
-            <pc:docMk/>
-            <pc:sldMk cId="4163164900" sldId="303"/>
-            <ac:cxnSpMk id="22" creationId="{B797E575-B8D3-4548-845D-EDC0434A82B8}"/>
-          </ac:cxnSpMkLst>
-        </pc:cxnChg>
-        <pc:cxnChg chg="mod topLvl">
-          <ac:chgData name="Jason M. Penniman" userId="ae3cb814-cbe4-44aa-afa6-3cd4f8a8ce08" providerId="ADAL" clId="{6D6B7E1D-A254-4E18-ABE2-B2F68D1855EB}" dt="2020-01-17T18:34:53.042" v="3281" actId="164"/>
-          <ac:cxnSpMkLst>
-            <pc:docMk/>
-            <pc:sldMk cId="4163164900" sldId="303"/>
-            <ac:cxnSpMk id="24" creationId="{4934FF26-7A5A-485C-9CC3-3D3851B64DB0}"/>
-          </ac:cxnSpMkLst>
-        </pc:cxnChg>
-      </pc:sldChg>
-      <pc:sldChg chg="addSp modSp">
-        <pc:chgData name="Jason M. Penniman" userId="ae3cb814-cbe4-44aa-afa6-3cd4f8a8ce08" providerId="ADAL" clId="{6D6B7E1D-A254-4E18-ABE2-B2F68D1855EB}" dt="2020-01-17T17:55:11.963" v="2308" actId="1076"/>
-        <pc:sldMkLst>
-          <pc:docMk/>
-          <pc:sldMk cId="2410940359" sldId="305"/>
-        </pc:sldMkLst>
-        <pc:spChg chg="add mod">
-          <ac:chgData name="Jason M. Penniman" userId="ae3cb814-cbe4-44aa-afa6-3cd4f8a8ce08" providerId="ADAL" clId="{6D6B7E1D-A254-4E18-ABE2-B2F68D1855EB}" dt="2020-01-17T17:55:11.963" v="2308" actId="1076"/>
-          <ac:spMkLst>
-            <pc:docMk/>
-            <pc:sldMk cId="2410940359" sldId="305"/>
-            <ac:spMk id="7" creationId="{BD50B1F3-5F87-42A5-8CAF-CBB7C9F946DB}"/>
-          </ac:spMkLst>
-        </pc:spChg>
-        <pc:picChg chg="mod">
-          <ac:chgData name="Jason M. Penniman" userId="ae3cb814-cbe4-44aa-afa6-3cd4f8a8ce08" providerId="ADAL" clId="{6D6B7E1D-A254-4E18-ABE2-B2F68D1855EB}" dt="2020-01-17T17:55:05.938" v="2307" actId="1076"/>
-          <ac:picMkLst>
-            <pc:docMk/>
-            <pc:sldMk cId="2410940359" sldId="305"/>
-            <ac:picMk id="5" creationId="{851FFE39-2E3B-4715-9019-98E9277F2659}"/>
-          </ac:picMkLst>
-        </pc:picChg>
-      </pc:sldChg>
-      <pc:sldChg chg="add del">
-        <pc:chgData name="Jason M. Penniman" userId="ae3cb814-cbe4-44aa-afa6-3cd4f8a8ce08" providerId="ADAL" clId="{6D6B7E1D-A254-4E18-ABE2-B2F68D1855EB}" dt="2020-01-17T17:14:28.149" v="2027" actId="2696"/>
-        <pc:sldMkLst>
-          <pc:docMk/>
-          <pc:sldMk cId="3553869946" sldId="307"/>
-        </pc:sldMkLst>
-      </pc:sldChg>
-      <pc:sldChg chg="del">
-        <pc:chgData name="Jason M. Penniman" userId="ae3cb814-cbe4-44aa-afa6-3cd4f8a8ce08" providerId="ADAL" clId="{6D6B7E1D-A254-4E18-ABE2-B2F68D1855EB}" dt="2020-01-17T17:14:37.767" v="2028" actId="2696"/>
-        <pc:sldMkLst>
-          <pc:docMk/>
-          <pc:sldMk cId="1365824474" sldId="316"/>
-        </pc:sldMkLst>
-      </pc:sldChg>
-      <pc:sldChg chg="modSp modAnim">
-        <pc:chgData name="Jason M. Penniman" userId="ae3cb814-cbe4-44aa-afa6-3cd4f8a8ce08" providerId="ADAL" clId="{6D6B7E1D-A254-4E18-ABE2-B2F68D1855EB}" dt="2020-01-17T18:21:48.488" v="3172" actId="20577"/>
-        <pc:sldMkLst>
-          <pc:docMk/>
-          <pc:sldMk cId="3238536183" sldId="317"/>
-        </pc:sldMkLst>
-        <pc:spChg chg="mod">
-          <ac:chgData name="Jason M. Penniman" userId="ae3cb814-cbe4-44aa-afa6-3cd4f8a8ce08" providerId="ADAL" clId="{6D6B7E1D-A254-4E18-ABE2-B2F68D1855EB}" dt="2020-01-17T18:21:48.488" v="3172" actId="20577"/>
-          <ac:spMkLst>
-            <pc:docMk/>
-            <pc:sldMk cId="3238536183" sldId="317"/>
-            <ac:spMk id="3" creationId="{85C6E164-F944-4D55-A399-5542CE2DAC58}"/>
-          </ac:spMkLst>
-        </pc:spChg>
-      </pc:sldChg>
-      <pc:sldChg chg="addSp delSp modSp add">
-        <pc:chgData name="Jason M. Penniman" userId="ae3cb814-cbe4-44aa-afa6-3cd4f8a8ce08" providerId="ADAL" clId="{6D6B7E1D-A254-4E18-ABE2-B2F68D1855EB}" dt="2020-01-17T16:35:25.667" v="116" actId="20577"/>
-        <pc:sldMkLst>
-          <pc:docMk/>
-          <pc:sldMk cId="2774839274" sldId="331"/>
-        </pc:sldMkLst>
-        <pc:spChg chg="del">
-          <ac:chgData name="Jason M. Penniman" userId="ae3cb814-cbe4-44aa-afa6-3cd4f8a8ce08" providerId="ADAL" clId="{6D6B7E1D-A254-4E18-ABE2-B2F68D1855EB}" dt="2020-01-17T16:35:07.112" v="68"/>
-          <ac:spMkLst>
-            <pc:docMk/>
-            <pc:sldMk cId="2774839274" sldId="331"/>
-            <ac:spMk id="2" creationId="{BC5F2EB1-B26F-4967-AA60-A7CB5D5D83CE}"/>
-          </ac:spMkLst>
-        </pc:spChg>
-        <pc:spChg chg="del">
-          <ac:chgData name="Jason M. Penniman" userId="ae3cb814-cbe4-44aa-afa6-3cd4f8a8ce08" providerId="ADAL" clId="{6D6B7E1D-A254-4E18-ABE2-B2F68D1855EB}" dt="2020-01-17T16:35:07.112" v="68"/>
-          <ac:spMkLst>
-            <pc:docMk/>
-            <pc:sldMk cId="2774839274" sldId="331"/>
-            <ac:spMk id="3" creationId="{63C4108A-B766-425E-B978-24376C54F904}"/>
-          </ac:spMkLst>
-        </pc:spChg>
-        <pc:spChg chg="add mod">
-          <ac:chgData name="Jason M. Penniman" userId="ae3cb814-cbe4-44aa-afa6-3cd4f8a8ce08" providerId="ADAL" clId="{6D6B7E1D-A254-4E18-ABE2-B2F68D1855EB}" dt="2020-01-17T16:35:25.667" v="116" actId="20577"/>
-          <ac:spMkLst>
-            <pc:docMk/>
-            <pc:sldMk cId="2774839274" sldId="331"/>
-            <ac:spMk id="5" creationId="{B7F2FE2A-B312-4630-923A-2CAE2163C9C9}"/>
-          </ac:spMkLst>
-        </pc:spChg>
-        <pc:spChg chg="add mod">
-          <ac:chgData name="Jason M. Penniman" userId="ae3cb814-cbe4-44aa-afa6-3cd4f8a8ce08" providerId="ADAL" clId="{6D6B7E1D-A254-4E18-ABE2-B2F68D1855EB}" dt="2020-01-17T16:35:07.112" v="68"/>
-          <ac:spMkLst>
-            <pc:docMk/>
-            <pc:sldMk cId="2774839274" sldId="331"/>
-            <ac:spMk id="6" creationId="{845EF090-D49C-43A7-A52B-904FC4B36D4A}"/>
-          </ac:spMkLst>
-        </pc:spChg>
-      </pc:sldChg>
-      <pc:sldChg chg="modSp add">
-        <pc:chgData name="Jason M. Penniman" userId="ae3cb814-cbe4-44aa-afa6-3cd4f8a8ce08" providerId="ADAL" clId="{6D6B7E1D-A254-4E18-ABE2-B2F68D1855EB}" dt="2020-01-17T16:48:17.662" v="389" actId="20577"/>
-        <pc:sldMkLst>
-          <pc:docMk/>
-          <pc:sldMk cId="1230730517" sldId="332"/>
-        </pc:sldMkLst>
-        <pc:spChg chg="mod">
-          <ac:chgData name="Jason M. Penniman" userId="ae3cb814-cbe4-44aa-afa6-3cd4f8a8ce08" providerId="ADAL" clId="{6D6B7E1D-A254-4E18-ABE2-B2F68D1855EB}" dt="2020-01-17T16:45:46.542" v="178" actId="20577"/>
-          <ac:spMkLst>
-            <pc:docMk/>
-            <pc:sldMk cId="1230730517" sldId="332"/>
-            <ac:spMk id="2" creationId="{A2C7B6A6-81AC-4A64-A234-EA13EAE2ECA1}"/>
-          </ac:spMkLst>
-        </pc:spChg>
-        <pc:spChg chg="mod">
-          <ac:chgData name="Jason M. Penniman" userId="ae3cb814-cbe4-44aa-afa6-3cd4f8a8ce08" providerId="ADAL" clId="{6D6B7E1D-A254-4E18-ABE2-B2F68D1855EB}" dt="2020-01-17T16:48:17.662" v="389" actId="20577"/>
-          <ac:spMkLst>
-            <pc:docMk/>
-            <pc:sldMk cId="1230730517" sldId="332"/>
-            <ac:spMk id="3" creationId="{3CB3519D-8B5E-417B-B844-27449F149264}"/>
-          </ac:spMkLst>
-        </pc:spChg>
-      </pc:sldChg>
-      <pc:sldChg chg="addSp delSp modSp add">
-        <pc:chgData name="Jason M. Penniman" userId="ae3cb814-cbe4-44aa-afa6-3cd4f8a8ce08" providerId="ADAL" clId="{6D6B7E1D-A254-4E18-ABE2-B2F68D1855EB}" dt="2020-01-17T16:45:35.229" v="147" actId="20577"/>
-        <pc:sldMkLst>
-          <pc:docMk/>
-          <pc:sldMk cId="1698349172" sldId="333"/>
-        </pc:sldMkLst>
-        <pc:spChg chg="del">
-          <ac:chgData name="Jason M. Penniman" userId="ae3cb814-cbe4-44aa-afa6-3cd4f8a8ce08" providerId="ADAL" clId="{6D6B7E1D-A254-4E18-ABE2-B2F68D1855EB}" dt="2020-01-17T16:45:25.466" v="119"/>
-          <ac:spMkLst>
-            <pc:docMk/>
-            <pc:sldMk cId="1698349172" sldId="333"/>
-            <ac:spMk id="2" creationId="{A850BF59-F28A-4923-8094-E6F415F06268}"/>
-          </ac:spMkLst>
-        </pc:spChg>
-        <pc:spChg chg="del">
-          <ac:chgData name="Jason M. Penniman" userId="ae3cb814-cbe4-44aa-afa6-3cd4f8a8ce08" providerId="ADAL" clId="{6D6B7E1D-A254-4E18-ABE2-B2F68D1855EB}" dt="2020-01-17T16:45:25.466" v="119"/>
-          <ac:spMkLst>
-            <pc:docMk/>
-            <pc:sldMk cId="1698349172" sldId="333"/>
-            <ac:spMk id="3" creationId="{6ECB5689-C37F-45EF-BD0A-C7C95F833A4F}"/>
-          </ac:spMkLst>
-        </pc:spChg>
-        <pc:spChg chg="add mod">
-          <ac:chgData name="Jason M. Penniman" userId="ae3cb814-cbe4-44aa-afa6-3cd4f8a8ce08" providerId="ADAL" clId="{6D6B7E1D-A254-4E18-ABE2-B2F68D1855EB}" dt="2020-01-17T16:45:35.229" v="147" actId="20577"/>
-          <ac:spMkLst>
-            <pc:docMk/>
-            <pc:sldMk cId="1698349172" sldId="333"/>
-            <ac:spMk id="5" creationId="{070719A4-ADA4-48C7-B4F5-E69FE21453A6}"/>
-          </ac:spMkLst>
-        </pc:spChg>
-        <pc:spChg chg="add mod">
-          <ac:chgData name="Jason M. Penniman" userId="ae3cb814-cbe4-44aa-afa6-3cd4f8a8ce08" providerId="ADAL" clId="{6D6B7E1D-A254-4E18-ABE2-B2F68D1855EB}" dt="2020-01-17T16:45:25.466" v="119"/>
-          <ac:spMkLst>
-            <pc:docMk/>
-            <pc:sldMk cId="1698349172" sldId="333"/>
-            <ac:spMk id="6" creationId="{1E3BA999-01D6-46FF-B3FA-ECD4FC0F8398}"/>
-          </ac:spMkLst>
-        </pc:spChg>
-      </pc:sldChg>
-      <pc:sldChg chg="modSp add">
-        <pc:chgData name="Jason M. Penniman" userId="ae3cb814-cbe4-44aa-afa6-3cd4f8a8ce08" providerId="ADAL" clId="{6D6B7E1D-A254-4E18-ABE2-B2F68D1855EB}" dt="2020-01-17T16:53:53.250" v="1074" actId="14100"/>
-        <pc:sldMkLst>
-          <pc:docMk/>
-          <pc:sldMk cId="1170766378" sldId="334"/>
-        </pc:sldMkLst>
-        <pc:spChg chg="mod">
-          <ac:chgData name="Jason M. Penniman" userId="ae3cb814-cbe4-44aa-afa6-3cd4f8a8ce08" providerId="ADAL" clId="{6D6B7E1D-A254-4E18-ABE2-B2F68D1855EB}" dt="2020-01-17T16:49:02.752" v="413" actId="20577"/>
-          <ac:spMkLst>
-            <pc:docMk/>
-            <pc:sldMk cId="1170766378" sldId="334"/>
-            <ac:spMk id="2" creationId="{763EF624-62CE-4151-9E66-E692DFA1F9CF}"/>
-          </ac:spMkLst>
-        </pc:spChg>
-        <pc:spChg chg="mod">
-          <ac:chgData name="Jason M. Penniman" userId="ae3cb814-cbe4-44aa-afa6-3cd4f8a8ce08" providerId="ADAL" clId="{6D6B7E1D-A254-4E18-ABE2-B2F68D1855EB}" dt="2020-01-17T16:53:53.250" v="1074" actId="14100"/>
-          <ac:spMkLst>
-            <pc:docMk/>
-            <pc:sldMk cId="1170766378" sldId="334"/>
-            <ac:spMk id="3" creationId="{5F55BB34-0530-4695-A2C2-4D1024C886E6}"/>
-          </ac:spMkLst>
-        </pc:spChg>
-      </pc:sldChg>
-      <pc:sldChg chg="modSp add">
-        <pc:chgData name="Jason M. Penniman" userId="ae3cb814-cbe4-44aa-afa6-3cd4f8a8ce08" providerId="ADAL" clId="{6D6B7E1D-A254-4E18-ABE2-B2F68D1855EB}" dt="2020-01-17T17:04:24.624" v="1850" actId="20577"/>
-        <pc:sldMkLst>
-          <pc:docMk/>
-          <pc:sldMk cId="1933813524" sldId="335"/>
-        </pc:sldMkLst>
-        <pc:spChg chg="mod">
-          <ac:chgData name="Jason M. Penniman" userId="ae3cb814-cbe4-44aa-afa6-3cd4f8a8ce08" providerId="ADAL" clId="{6D6B7E1D-A254-4E18-ABE2-B2F68D1855EB}" dt="2020-01-17T16:54:38.669" v="1089" actId="20577"/>
-          <ac:spMkLst>
-            <pc:docMk/>
-            <pc:sldMk cId="1933813524" sldId="335"/>
-            <ac:spMk id="2" creationId="{07402972-D7C6-4366-8228-11EF5439E21D}"/>
-          </ac:spMkLst>
-        </pc:spChg>
-        <pc:spChg chg="mod">
-          <ac:chgData name="Jason M. Penniman" userId="ae3cb814-cbe4-44aa-afa6-3cd4f8a8ce08" providerId="ADAL" clId="{6D6B7E1D-A254-4E18-ABE2-B2F68D1855EB}" dt="2020-01-17T17:04:24.624" v="1850" actId="20577"/>
-          <ac:spMkLst>
-            <pc:docMk/>
-            <pc:sldMk cId="1933813524" sldId="335"/>
-            <ac:spMk id="3" creationId="{5F859A9E-F820-4330-9E53-CDB0534A0D4E}"/>
-          </ac:spMkLst>
-        </pc:spChg>
-      </pc:sldChg>
-      <pc:sldChg chg="modSp add">
-        <pc:chgData name="Jason M. Penniman" userId="ae3cb814-cbe4-44aa-afa6-3cd4f8a8ce08" providerId="ADAL" clId="{6D6B7E1D-A254-4E18-ABE2-B2F68D1855EB}" dt="2020-01-17T17:06:04.798" v="1873" actId="20577"/>
-        <pc:sldMkLst>
-          <pc:docMk/>
-          <pc:sldMk cId="3669033986" sldId="336"/>
-        </pc:sldMkLst>
-        <pc:spChg chg="mod">
-          <ac:chgData name="Jason M. Penniman" userId="ae3cb814-cbe4-44aa-afa6-3cd4f8a8ce08" providerId="ADAL" clId="{6D6B7E1D-A254-4E18-ABE2-B2F68D1855EB}" dt="2020-01-17T17:05:16.306" v="1860" actId="27636"/>
-          <ac:spMkLst>
-            <pc:docMk/>
-            <pc:sldMk cId="3669033986" sldId="336"/>
-            <ac:spMk id="2" creationId="{FC59DA06-AB08-4C96-8C4E-7F61A35C0320}"/>
-          </ac:spMkLst>
-        </pc:spChg>
-        <pc:spChg chg="mod">
-          <ac:chgData name="Jason M. Penniman" userId="ae3cb814-cbe4-44aa-afa6-3cd4f8a8ce08" providerId="ADAL" clId="{6D6B7E1D-A254-4E18-ABE2-B2F68D1855EB}" dt="2020-01-17T17:06:04.798" v="1873" actId="20577"/>
-          <ac:spMkLst>
-            <pc:docMk/>
-            <pc:sldMk cId="3669033986" sldId="336"/>
-            <ac:spMk id="3" creationId="{5AF12AF2-8E70-49CB-A601-900F0015B3F3}"/>
-          </ac:spMkLst>
-        </pc:spChg>
-      </pc:sldChg>
-      <pc:sldChg chg="modSp add">
-        <pc:chgData name="Jason M. Penniman" userId="ae3cb814-cbe4-44aa-afa6-3cd4f8a8ce08" providerId="ADAL" clId="{6D6B7E1D-A254-4E18-ABE2-B2F68D1855EB}" dt="2020-01-17T17:09:23.939" v="1999" actId="20577"/>
-        <pc:sldMkLst>
-          <pc:docMk/>
-          <pc:sldMk cId="1791667814" sldId="337"/>
-        </pc:sldMkLst>
-        <pc:spChg chg="mod">
-          <ac:chgData name="Jason M. Penniman" userId="ae3cb814-cbe4-44aa-afa6-3cd4f8a8ce08" providerId="ADAL" clId="{6D6B7E1D-A254-4E18-ABE2-B2F68D1855EB}" dt="2020-01-17T17:07:57.952" v="1894" actId="20577"/>
-          <ac:spMkLst>
-            <pc:docMk/>
-            <pc:sldMk cId="1791667814" sldId="337"/>
-            <ac:spMk id="2" creationId="{A62290B2-7EDA-429E-AAC8-8DEB76139C1C}"/>
-          </ac:spMkLst>
-        </pc:spChg>
-        <pc:spChg chg="mod">
-          <ac:chgData name="Jason M. Penniman" userId="ae3cb814-cbe4-44aa-afa6-3cd4f8a8ce08" providerId="ADAL" clId="{6D6B7E1D-A254-4E18-ABE2-B2F68D1855EB}" dt="2020-01-17T17:09:23.939" v="1999" actId="20577"/>
-          <ac:spMkLst>
-            <pc:docMk/>
-            <pc:sldMk cId="1791667814" sldId="337"/>
-            <ac:spMk id="3" creationId="{7A03286F-D026-4538-9281-185E6BB43552}"/>
-          </ac:spMkLst>
-        </pc:spChg>
-      </pc:sldChg>
-      <pc:sldChg chg="modSp">
-        <pc:chgData name="Jason M. Penniman" userId="ae3cb814-cbe4-44aa-afa6-3cd4f8a8ce08" providerId="ADAL" clId="{6D6B7E1D-A254-4E18-ABE2-B2F68D1855EB}" dt="2020-01-17T17:12:30.309" v="2022" actId="20577"/>
-        <pc:sldMkLst>
-          <pc:docMk/>
-          <pc:sldMk cId="4045948962" sldId="338"/>
-        </pc:sldMkLst>
-        <pc:spChg chg="mod">
-          <ac:chgData name="Jason M. Penniman" userId="ae3cb814-cbe4-44aa-afa6-3cd4f8a8ce08" providerId="ADAL" clId="{6D6B7E1D-A254-4E18-ABE2-B2F68D1855EB}" dt="2020-01-17T17:12:30.309" v="2022" actId="20577"/>
-          <ac:spMkLst>
-            <pc:docMk/>
-            <pc:sldMk cId="4045948962" sldId="338"/>
-            <ac:spMk id="2" creationId="{E17F6803-B57A-4BB4-998F-048B66C1A450}"/>
-          </ac:spMkLst>
-        </pc:spChg>
-      </pc:sldChg>
-      <pc:sldChg chg="add del">
-        <pc:chgData name="Jason M. Penniman" userId="ae3cb814-cbe4-44aa-afa6-3cd4f8a8ce08" providerId="ADAL" clId="{6D6B7E1D-A254-4E18-ABE2-B2F68D1855EB}" dt="2020-01-17T17:14:21.308" v="2026"/>
-        <pc:sldMkLst>
-          <pc:docMk/>
-          <pc:sldMk cId="1063770722" sldId="339"/>
-        </pc:sldMkLst>
-      </pc:sldChg>
-      <pc:sldChg chg="addSp delSp modSp add ord">
-        <pc:chgData name="Jason M. Penniman" userId="ae3cb814-cbe4-44aa-afa6-3cd4f8a8ce08" providerId="ADAL" clId="{6D6B7E1D-A254-4E18-ABE2-B2F68D1855EB}" dt="2020-01-17T17:58:38.899" v="2341"/>
-        <pc:sldMkLst>
-          <pc:docMk/>
-          <pc:sldMk cId="3407447910" sldId="339"/>
-        </pc:sldMkLst>
-        <pc:spChg chg="del">
-          <ac:chgData name="Jason M. Penniman" userId="ae3cb814-cbe4-44aa-afa6-3cd4f8a8ce08" providerId="ADAL" clId="{6D6B7E1D-A254-4E18-ABE2-B2F68D1855EB}" dt="2020-01-17T17:32:54.562" v="2030"/>
-          <ac:spMkLst>
-            <pc:docMk/>
-            <pc:sldMk cId="3407447910" sldId="339"/>
-            <ac:spMk id="2" creationId="{25FC2922-36F6-4F01-AFA3-12D3EC03B559}"/>
-          </ac:spMkLst>
-        </pc:spChg>
-        <pc:spChg chg="del">
-          <ac:chgData name="Jason M. Penniman" userId="ae3cb814-cbe4-44aa-afa6-3cd4f8a8ce08" providerId="ADAL" clId="{6D6B7E1D-A254-4E18-ABE2-B2F68D1855EB}" dt="2020-01-17T17:32:54.562" v="2030"/>
-          <ac:spMkLst>
-            <pc:docMk/>
-            <pc:sldMk cId="3407447910" sldId="339"/>
-            <ac:spMk id="3" creationId="{C130A8B0-B3FC-4712-9AFE-0556E0868326}"/>
-          </ac:spMkLst>
-        </pc:spChg>
-        <pc:spChg chg="add mod">
-          <ac:chgData name="Jason M. Penniman" userId="ae3cb814-cbe4-44aa-afa6-3cd4f8a8ce08" providerId="ADAL" clId="{6D6B7E1D-A254-4E18-ABE2-B2F68D1855EB}" dt="2020-01-17T17:33:28.626" v="2140" actId="5793"/>
-          <ac:spMkLst>
-            <pc:docMk/>
-            <pc:sldMk cId="3407447910" sldId="339"/>
-            <ac:spMk id="4" creationId="{13195291-C7C0-4133-9DFE-AF5B174F20A4}"/>
-          </ac:spMkLst>
-        </pc:spChg>
-        <pc:spChg chg="add mod">
-          <ac:chgData name="Jason M. Penniman" userId="ae3cb814-cbe4-44aa-afa6-3cd4f8a8ce08" providerId="ADAL" clId="{6D6B7E1D-A254-4E18-ABE2-B2F68D1855EB}" dt="2020-01-17T17:32:54.562" v="2030"/>
-          <ac:spMkLst>
-            <pc:docMk/>
-            <pc:sldMk cId="3407447910" sldId="339"/>
-            <ac:spMk id="5" creationId="{14CD2BAE-7610-4964-823F-2846C0C2D15B}"/>
-          </ac:spMkLst>
-        </pc:spChg>
-      </pc:sldChg>
-      <pc:sldChg chg="addSp delSp modSp add">
-        <pc:chgData name="Jason M. Penniman" userId="ae3cb814-cbe4-44aa-afa6-3cd4f8a8ce08" providerId="ADAL" clId="{6D6B7E1D-A254-4E18-ABE2-B2F68D1855EB}" dt="2020-01-17T17:58:57.552" v="2381" actId="20577"/>
-        <pc:sldMkLst>
-          <pc:docMk/>
-          <pc:sldMk cId="3083291999" sldId="340"/>
-        </pc:sldMkLst>
-        <pc:spChg chg="del">
-          <ac:chgData name="Jason M. Penniman" userId="ae3cb814-cbe4-44aa-afa6-3cd4f8a8ce08" providerId="ADAL" clId="{6D6B7E1D-A254-4E18-ABE2-B2F68D1855EB}" dt="2020-01-17T17:34:13.203" v="2142"/>
-          <ac:spMkLst>
-            <pc:docMk/>
-            <pc:sldMk cId="3083291999" sldId="340"/>
-            <ac:spMk id="2" creationId="{586A5CC6-615D-4352-AFAC-9B975D226939}"/>
-          </ac:spMkLst>
-        </pc:spChg>
-        <pc:spChg chg="del">
-          <ac:chgData name="Jason M. Penniman" userId="ae3cb814-cbe4-44aa-afa6-3cd4f8a8ce08" providerId="ADAL" clId="{6D6B7E1D-A254-4E18-ABE2-B2F68D1855EB}" dt="2020-01-17T17:34:13.203" v="2142"/>
-          <ac:spMkLst>
-            <pc:docMk/>
-            <pc:sldMk cId="3083291999" sldId="340"/>
-            <ac:spMk id="3" creationId="{9250C349-8E49-46F8-80E1-3C43016C7651}"/>
-          </ac:spMkLst>
-        </pc:spChg>
-        <pc:spChg chg="add del mod">
-          <ac:chgData name="Jason M. Penniman" userId="ae3cb814-cbe4-44aa-afa6-3cd4f8a8ce08" providerId="ADAL" clId="{6D6B7E1D-A254-4E18-ABE2-B2F68D1855EB}" dt="2020-01-17T17:58:44.958" v="2342"/>
-          <ac:spMkLst>
-            <pc:docMk/>
-            <pc:sldMk cId="3083291999" sldId="340"/>
-            <ac:spMk id="5" creationId="{C6C484F6-C357-4954-BE6F-B70DEB61CEB5}"/>
-          </ac:spMkLst>
-        </pc:spChg>
-        <pc:spChg chg="add del mod">
-          <ac:chgData name="Jason M. Penniman" userId="ae3cb814-cbe4-44aa-afa6-3cd4f8a8ce08" providerId="ADAL" clId="{6D6B7E1D-A254-4E18-ABE2-B2F68D1855EB}" dt="2020-01-17T17:58:44.958" v="2342"/>
-          <ac:spMkLst>
-            <pc:docMk/>
-            <pc:sldMk cId="3083291999" sldId="340"/>
-            <ac:spMk id="6" creationId="{01A856B0-9FF0-47AE-8D50-3399A5878506}"/>
-          </ac:spMkLst>
-        </pc:spChg>
-        <pc:spChg chg="add mod">
-          <ac:chgData name="Jason M. Penniman" userId="ae3cb814-cbe4-44aa-afa6-3cd4f8a8ce08" providerId="ADAL" clId="{6D6B7E1D-A254-4E18-ABE2-B2F68D1855EB}" dt="2020-01-17T17:58:57.552" v="2381" actId="20577"/>
-          <ac:spMkLst>
-            <pc:docMk/>
-            <pc:sldMk cId="3083291999" sldId="340"/>
-            <ac:spMk id="7" creationId="{69C47BCC-2236-4A0C-AFAB-52DFA5888B2D}"/>
-          </ac:spMkLst>
-        </pc:spChg>
-        <pc:spChg chg="add mod">
-          <ac:chgData name="Jason M. Penniman" userId="ae3cb814-cbe4-44aa-afa6-3cd4f8a8ce08" providerId="ADAL" clId="{6D6B7E1D-A254-4E18-ABE2-B2F68D1855EB}" dt="2020-01-17T17:58:44.958" v="2342"/>
-          <ac:spMkLst>
-            <pc:docMk/>
-            <pc:sldMk cId="3083291999" sldId="340"/>
-            <ac:spMk id="8" creationId="{75CB052F-D8F3-489E-BD24-B6D733E7569E}"/>
-          </ac:spMkLst>
-        </pc:spChg>
-      </pc:sldChg>
-      <pc:sldChg chg="modSp add">
-        <pc:chgData name="Jason M. Penniman" userId="ae3cb814-cbe4-44aa-afa6-3cd4f8a8ce08" providerId="ADAL" clId="{6D6B7E1D-A254-4E18-ABE2-B2F68D1855EB}" dt="2020-01-17T17:56:24.527" v="2332" actId="6549"/>
-        <pc:sldMkLst>
-          <pc:docMk/>
-          <pc:sldMk cId="761072544" sldId="341"/>
-        </pc:sldMkLst>
-        <pc:spChg chg="mod">
-          <ac:chgData name="Jason M. Penniman" userId="ae3cb814-cbe4-44aa-afa6-3cd4f8a8ce08" providerId="ADAL" clId="{6D6B7E1D-A254-4E18-ABE2-B2F68D1855EB}" dt="2020-01-17T17:55:40.797" v="2325" actId="20577"/>
-          <ac:spMkLst>
-            <pc:docMk/>
-            <pc:sldMk cId="761072544" sldId="341"/>
-            <ac:spMk id="2" creationId="{01A57DC2-1FAB-46B3-969F-0591AA407CAF}"/>
-          </ac:spMkLst>
-        </pc:spChg>
-        <pc:spChg chg="mod">
-          <ac:chgData name="Jason M. Penniman" userId="ae3cb814-cbe4-44aa-afa6-3cd4f8a8ce08" providerId="ADAL" clId="{6D6B7E1D-A254-4E18-ABE2-B2F68D1855EB}" dt="2020-01-17T17:56:24.527" v="2332" actId="6549"/>
-          <ac:spMkLst>
-            <pc:docMk/>
-            <pc:sldMk cId="761072544" sldId="341"/>
-            <ac:spMk id="3" creationId="{749BF414-93D2-4C17-892B-0CE8A245BA8A}"/>
-          </ac:spMkLst>
-        </pc:spChg>
-      </pc:sldChg>
-      <pc:sldChg chg="add">
-        <pc:chgData name="Jason M. Penniman" userId="ae3cb814-cbe4-44aa-afa6-3cd4f8a8ce08" providerId="ADAL" clId="{6D6B7E1D-A254-4E18-ABE2-B2F68D1855EB}" dt="2020-01-17T17:58:03.579" v="2334"/>
-        <pc:sldMkLst>
-          <pc:docMk/>
-          <pc:sldMk cId="1445965907" sldId="342"/>
-        </pc:sldMkLst>
-      </pc:sldChg>
-      <pc:sldChg chg="add">
-        <pc:chgData name="Jason M. Penniman" userId="ae3cb814-cbe4-44aa-afa6-3cd4f8a8ce08" providerId="ADAL" clId="{6D6B7E1D-A254-4E18-ABE2-B2F68D1855EB}" dt="2020-01-17T17:58:04.881" v="2336"/>
-        <pc:sldMkLst>
-          <pc:docMk/>
-          <pc:sldMk cId="2113382601" sldId="343"/>
-        </pc:sldMkLst>
-      </pc:sldChg>
-      <pc:sldChg chg="add">
-        <pc:chgData name="Jason M. Penniman" userId="ae3cb814-cbe4-44aa-afa6-3cd4f8a8ce08" providerId="ADAL" clId="{6D6B7E1D-A254-4E18-ABE2-B2F68D1855EB}" dt="2020-01-17T17:58:06.474" v="2338"/>
-        <pc:sldMkLst>
-          <pc:docMk/>
-          <pc:sldMk cId="589641299" sldId="344"/>
-        </pc:sldMkLst>
-      </pc:sldChg>
-      <pc:sldChg chg="modSp add">
-        <pc:chgData name="Jason M. Penniman" userId="ae3cb814-cbe4-44aa-afa6-3cd4f8a8ce08" providerId="ADAL" clId="{6D6B7E1D-A254-4E18-ABE2-B2F68D1855EB}" dt="2020-01-17T18:17:13.388" v="3148" actId="12"/>
-        <pc:sldMkLst>
-          <pc:docMk/>
-          <pc:sldMk cId="1771319463" sldId="345"/>
-        </pc:sldMkLst>
-        <pc:spChg chg="mod">
-          <ac:chgData name="Jason M. Penniman" userId="ae3cb814-cbe4-44aa-afa6-3cd4f8a8ce08" providerId="ADAL" clId="{6D6B7E1D-A254-4E18-ABE2-B2F68D1855EB}" dt="2020-01-17T18:17:13.388" v="3148" actId="12"/>
-          <ac:spMkLst>
-            <pc:docMk/>
-            <pc:sldMk cId="1771319463" sldId="345"/>
-            <ac:spMk id="3" creationId="{3540E815-4B37-43F1-B77C-21E6FB0E0C0F}"/>
-          </ac:spMkLst>
-        </pc:spChg>
-        <pc:spChg chg="mod">
-          <ac:chgData name="Jason M. Penniman" userId="ae3cb814-cbe4-44aa-afa6-3cd4f8a8ce08" providerId="ADAL" clId="{6D6B7E1D-A254-4E18-ABE2-B2F68D1855EB}" dt="2020-01-17T18:16:04.098" v="2998" actId="1076"/>
-          <ac:spMkLst>
-            <pc:docMk/>
-            <pc:sldMk cId="1771319463" sldId="345"/>
-            <ac:spMk id="5" creationId="{ECE46455-B960-4C88-9514-B07BF5663101}"/>
-          </ac:spMkLst>
-        </pc:spChg>
-        <pc:spChg chg="mod">
-          <ac:chgData name="Jason M. Penniman" userId="ae3cb814-cbe4-44aa-afa6-3cd4f8a8ce08" providerId="ADAL" clId="{6D6B7E1D-A254-4E18-ABE2-B2F68D1855EB}" dt="2020-01-17T18:16:12.346" v="3000" actId="1076"/>
-          <ac:spMkLst>
-            <pc:docMk/>
-            <pc:sldMk cId="1771319463" sldId="345"/>
-            <ac:spMk id="6" creationId="{E773FE4D-A0C1-49B2-9087-B4CAD6FBF17F}"/>
-          </ac:spMkLst>
-        </pc:spChg>
-        <pc:spChg chg="mod">
-          <ac:chgData name="Jason M. Penniman" userId="ae3cb814-cbe4-44aa-afa6-3cd4f8a8ce08" providerId="ADAL" clId="{6D6B7E1D-A254-4E18-ABE2-B2F68D1855EB}" dt="2020-01-17T18:16:08.094" v="2999" actId="1076"/>
-          <ac:spMkLst>
-            <pc:docMk/>
-            <pc:sldMk cId="1771319463" sldId="345"/>
-            <ac:spMk id="7" creationId="{FF563ABA-1895-4BAB-9914-60D3F1085FFF}"/>
-          </ac:spMkLst>
-        </pc:spChg>
-      </pc:sldChg>
-      <pc:sldChg chg="addSp delSp modSp add">
-        <pc:chgData name="Jason M. Penniman" userId="ae3cb814-cbe4-44aa-afa6-3cd4f8a8ce08" providerId="ADAL" clId="{6D6B7E1D-A254-4E18-ABE2-B2F68D1855EB}" dt="2020-01-17T18:08:05.360" v="2532" actId="20577"/>
-        <pc:sldMkLst>
-          <pc:docMk/>
-          <pc:sldMk cId="2616481313" sldId="346"/>
-        </pc:sldMkLst>
-        <pc:spChg chg="mod">
-          <ac:chgData name="Jason M. Penniman" userId="ae3cb814-cbe4-44aa-afa6-3cd4f8a8ce08" providerId="ADAL" clId="{6D6B7E1D-A254-4E18-ABE2-B2F68D1855EB}" dt="2020-01-17T18:05:04.347" v="2414" actId="20577"/>
-          <ac:spMkLst>
-            <pc:docMk/>
-            <pc:sldMk cId="2616481313" sldId="346"/>
-            <ac:spMk id="2" creationId="{4C51A03B-7B51-4B65-9A79-423D780123BF}"/>
-          </ac:spMkLst>
-        </pc:spChg>
-        <pc:spChg chg="del">
-          <ac:chgData name="Jason M. Penniman" userId="ae3cb814-cbe4-44aa-afa6-3cd4f8a8ce08" providerId="ADAL" clId="{6D6B7E1D-A254-4E18-ABE2-B2F68D1855EB}" dt="2020-01-17T18:04:56.930" v="2389"/>
-          <ac:spMkLst>
-            <pc:docMk/>
-            <pc:sldMk cId="2616481313" sldId="346"/>
-            <ac:spMk id="3" creationId="{D2F2730A-6702-43ED-9DC6-DF9A3A2038FD}"/>
-          </ac:spMkLst>
-        </pc:spChg>
-        <pc:spChg chg="add mod">
-          <ac:chgData name="Jason M. Penniman" userId="ae3cb814-cbe4-44aa-afa6-3cd4f8a8ce08" providerId="ADAL" clId="{6D6B7E1D-A254-4E18-ABE2-B2F68D1855EB}" dt="2020-01-17T18:08:05.360" v="2532" actId="20577"/>
-          <ac:spMkLst>
-            <pc:docMk/>
-            <pc:sldMk cId="2616481313" sldId="346"/>
-            <ac:spMk id="4" creationId="{634F3B49-B3FC-4099-8B8E-9B2CB369A225}"/>
-          </ac:spMkLst>
-        </pc:spChg>
-      </pc:sldChg>
-      <pc:sldChg chg="addSp delSp modSp add modAnim">
-        <pc:chgData name="Jason M. Penniman" userId="ae3cb814-cbe4-44aa-afa6-3cd4f8a8ce08" providerId="ADAL" clId="{6D6B7E1D-A254-4E18-ABE2-B2F68D1855EB}" dt="2020-01-17T18:14:47.444" v="2949"/>
-        <pc:sldMkLst>
-          <pc:docMk/>
-          <pc:sldMk cId="3833591576" sldId="347"/>
-        </pc:sldMkLst>
-        <pc:spChg chg="del">
-          <ac:chgData name="Jason M. Penniman" userId="ae3cb814-cbe4-44aa-afa6-3cd4f8a8ce08" providerId="ADAL" clId="{6D6B7E1D-A254-4E18-ABE2-B2F68D1855EB}" dt="2020-01-17T18:05:13.970" v="2416"/>
-          <ac:spMkLst>
-            <pc:docMk/>
-            <pc:sldMk cId="3833591576" sldId="347"/>
-            <ac:spMk id="2" creationId="{8623449A-B9AE-4436-B2D9-9B6EF706B27A}"/>
-          </ac:spMkLst>
-        </pc:spChg>
-        <pc:spChg chg="del">
-          <ac:chgData name="Jason M. Penniman" userId="ae3cb814-cbe4-44aa-afa6-3cd4f8a8ce08" providerId="ADAL" clId="{6D6B7E1D-A254-4E18-ABE2-B2F68D1855EB}" dt="2020-01-17T18:05:13.970" v="2416"/>
-          <ac:spMkLst>
-            <pc:docMk/>
-            <pc:sldMk cId="3833591576" sldId="347"/>
-            <ac:spMk id="3" creationId="{462A08D4-8D4E-4E65-A550-4365956ABE99}"/>
-          </ac:spMkLst>
-        </pc:spChg>
-        <pc:spChg chg="add mod">
-          <ac:chgData name="Jason M. Penniman" userId="ae3cb814-cbe4-44aa-afa6-3cd4f8a8ce08" providerId="ADAL" clId="{6D6B7E1D-A254-4E18-ABE2-B2F68D1855EB}" dt="2020-01-17T18:07:20.596" v="2439" actId="20577"/>
-          <ac:spMkLst>
-            <pc:docMk/>
-            <pc:sldMk cId="3833591576" sldId="347"/>
-            <ac:spMk id="5" creationId="{55CAB127-3258-48ED-969C-E0517D8D95F7}"/>
-          </ac:spMkLst>
-        </pc:spChg>
-        <pc:spChg chg="add mod">
-          <ac:chgData name="Jason M. Penniman" userId="ae3cb814-cbe4-44aa-afa6-3cd4f8a8ce08" providerId="ADAL" clId="{6D6B7E1D-A254-4E18-ABE2-B2F68D1855EB}" dt="2020-01-17T18:13:44.166" v="2948" actId="27636"/>
-          <ac:spMkLst>
-            <pc:docMk/>
-            <pc:sldMk cId="3833591576" sldId="347"/>
-            <ac:spMk id="6" creationId="{2071ECCA-BEBB-4509-892C-DECB32AF81A0}"/>
-          </ac:spMkLst>
-        </pc:spChg>
-      </pc:sldChg>
-      <pc:sldChg chg="modSp add">
-        <pc:chgData name="Jason M. Penniman" userId="ae3cb814-cbe4-44aa-afa6-3cd4f8a8ce08" providerId="ADAL" clId="{6D6B7E1D-A254-4E18-ABE2-B2F68D1855EB}" dt="2020-01-17T18:15:24.271" v="2996" actId="20577"/>
-        <pc:sldMkLst>
-          <pc:docMk/>
-          <pc:sldMk cId="2280599916" sldId="348"/>
-        </pc:sldMkLst>
-        <pc:spChg chg="mod">
-          <ac:chgData name="Jason M. Penniman" userId="ae3cb814-cbe4-44aa-afa6-3cd4f8a8ce08" providerId="ADAL" clId="{6D6B7E1D-A254-4E18-ABE2-B2F68D1855EB}" dt="2020-01-17T18:15:15.445" v="2963" actId="5793"/>
-          <ac:spMkLst>
-            <pc:docMk/>
-            <pc:sldMk cId="2280599916" sldId="348"/>
-            <ac:spMk id="2" creationId="{DE981CC6-9A51-435F-A37F-28B649E4B40C}"/>
-          </ac:spMkLst>
-        </pc:spChg>
-        <pc:spChg chg="mod">
-          <ac:chgData name="Jason M. Penniman" userId="ae3cb814-cbe4-44aa-afa6-3cd4f8a8ce08" providerId="ADAL" clId="{6D6B7E1D-A254-4E18-ABE2-B2F68D1855EB}" dt="2020-01-17T18:15:24.271" v="2996" actId="20577"/>
-          <ac:spMkLst>
-            <pc:docMk/>
-            <pc:sldMk cId="2280599916" sldId="348"/>
-            <ac:spMk id="3" creationId="{392FE7F8-5AD9-489F-8CD1-47FF16D24BCC}"/>
-          </ac:spMkLst>
-        </pc:spChg>
-      </pc:sldChg>
-      <pc:sldChg chg="addSp delSp modSp add del">
-        <pc:chgData name="Jason M. Penniman" userId="ae3cb814-cbe4-44aa-afa6-3cd4f8a8ce08" providerId="ADAL" clId="{6D6B7E1D-A254-4E18-ABE2-B2F68D1855EB}" dt="2020-01-17T20:00:10.752" v="3939" actId="2696"/>
-        <pc:sldMkLst>
-          <pc:docMk/>
-          <pc:sldMk cId="3890759654" sldId="349"/>
-        </pc:sldMkLst>
-        <pc:spChg chg="del">
-          <ac:chgData name="Jason M. Penniman" userId="ae3cb814-cbe4-44aa-afa6-3cd4f8a8ce08" providerId="ADAL" clId="{6D6B7E1D-A254-4E18-ABE2-B2F68D1855EB}" dt="2020-01-17T18:31:03.475" v="3174"/>
-          <ac:spMkLst>
-            <pc:docMk/>
-            <pc:sldMk cId="3890759654" sldId="349"/>
-            <ac:spMk id="2" creationId="{DC6F2656-6040-4A86-96A7-A74DC3644C63}"/>
-          </ac:spMkLst>
-        </pc:spChg>
-        <pc:spChg chg="del">
-          <ac:chgData name="Jason M. Penniman" userId="ae3cb814-cbe4-44aa-afa6-3cd4f8a8ce08" providerId="ADAL" clId="{6D6B7E1D-A254-4E18-ABE2-B2F68D1855EB}" dt="2020-01-17T18:31:03.475" v="3174"/>
-          <ac:spMkLst>
-            <pc:docMk/>
-            <pc:sldMk cId="3890759654" sldId="349"/>
-            <ac:spMk id="3" creationId="{E6B3843F-DF24-4BA4-8383-4D617AC35FD4}"/>
-          </ac:spMkLst>
-        </pc:spChg>
-        <pc:spChg chg="add mod">
-          <ac:chgData name="Jason M. Penniman" userId="ae3cb814-cbe4-44aa-afa6-3cd4f8a8ce08" providerId="ADAL" clId="{6D6B7E1D-A254-4E18-ABE2-B2F68D1855EB}" dt="2020-01-17T18:31:03.475" v="3174"/>
-          <ac:spMkLst>
-            <pc:docMk/>
-            <pc:sldMk cId="3890759654" sldId="349"/>
-            <ac:spMk id="5" creationId="{0B2BE400-9E29-4A2C-9449-514847279BC2}"/>
-          </ac:spMkLst>
-        </pc:spChg>
-        <pc:spChg chg="add mod">
-          <ac:chgData name="Jason M. Penniman" userId="ae3cb814-cbe4-44aa-afa6-3cd4f8a8ce08" providerId="ADAL" clId="{6D6B7E1D-A254-4E18-ABE2-B2F68D1855EB}" dt="2020-01-17T18:31:51.130" v="3239" actId="20577"/>
-          <ac:spMkLst>
-            <pc:docMk/>
-            <pc:sldMk cId="3890759654" sldId="349"/>
-            <ac:spMk id="6" creationId="{D5CCEBA5-D4E4-40B3-BAFE-A5DB78F9E984}"/>
-          </ac:spMkLst>
-        </pc:spChg>
-      </pc:sldChg>
-      <pc:sldChg chg="addSp delSp modSp add">
-        <pc:chgData name="Jason M. Penniman" userId="ae3cb814-cbe4-44aa-afa6-3cd4f8a8ce08" providerId="ADAL" clId="{6D6B7E1D-A254-4E18-ABE2-B2F68D1855EB}" dt="2020-01-17T18:46:04.651" v="3540" actId="11529"/>
-        <pc:sldMkLst>
-          <pc:docMk/>
-          <pc:sldMk cId="1573822860" sldId="350"/>
-        </pc:sldMkLst>
-        <pc:spChg chg="del">
-          <ac:chgData name="Jason M. Penniman" userId="ae3cb814-cbe4-44aa-afa6-3cd4f8a8ce08" providerId="ADAL" clId="{6D6B7E1D-A254-4E18-ABE2-B2F68D1855EB}" dt="2020-01-17T18:32:15.188" v="3241"/>
-          <ac:spMkLst>
-            <pc:docMk/>
-            <pc:sldMk cId="1573822860" sldId="350"/>
-            <ac:spMk id="2" creationId="{3BB09BAB-0F6F-4B83-B66F-0E442DD45ED6}"/>
-          </ac:spMkLst>
-        </pc:spChg>
-        <pc:spChg chg="del">
-          <ac:chgData name="Jason M. Penniman" userId="ae3cb814-cbe4-44aa-afa6-3cd4f8a8ce08" providerId="ADAL" clId="{6D6B7E1D-A254-4E18-ABE2-B2F68D1855EB}" dt="2020-01-17T18:32:15.188" v="3241"/>
-          <ac:spMkLst>
-            <pc:docMk/>
-            <pc:sldMk cId="1573822860" sldId="350"/>
-            <ac:spMk id="3" creationId="{C24AD97C-DC8D-4A25-A4E5-7F966B44F251}"/>
-          </ac:spMkLst>
-        </pc:spChg>
-        <pc:spChg chg="add mod">
-          <ac:chgData name="Jason M. Penniman" userId="ae3cb814-cbe4-44aa-afa6-3cd4f8a8ce08" providerId="ADAL" clId="{6D6B7E1D-A254-4E18-ABE2-B2F68D1855EB}" dt="2020-01-17T18:34:35.152" v="3280" actId="14100"/>
-          <ac:spMkLst>
-            <pc:docMk/>
-            <pc:sldMk cId="1573822860" sldId="350"/>
-            <ac:spMk id="5" creationId="{F568CCDF-62C7-4731-8C94-31623F6DD009}"/>
-          </ac:spMkLst>
-        </pc:spChg>
-        <pc:spChg chg="add mod">
-          <ac:chgData name="Jason M. Penniman" userId="ae3cb814-cbe4-44aa-afa6-3cd4f8a8ce08" providerId="ADAL" clId="{6D6B7E1D-A254-4E18-ABE2-B2F68D1855EB}" dt="2020-01-17T18:42:57.518" v="3398" actId="242"/>
-          <ac:spMkLst>
-            <pc:docMk/>
-            <pc:sldMk cId="1573822860" sldId="350"/>
-            <ac:spMk id="10" creationId="{834D28D4-A68A-4A34-9EC3-467FF0F55ED7}"/>
-          </ac:spMkLst>
-        </pc:spChg>
-        <pc:spChg chg="add mod">
-          <ac:chgData name="Jason M. Penniman" userId="ae3cb814-cbe4-44aa-afa6-3cd4f8a8ce08" providerId="ADAL" clId="{6D6B7E1D-A254-4E18-ABE2-B2F68D1855EB}" dt="2020-01-17T18:45:52.084" v="3537" actId="14100"/>
-          <ac:spMkLst>
-            <pc:docMk/>
-            <pc:sldMk cId="1573822860" sldId="350"/>
-            <ac:spMk id="11" creationId="{DDD0F862-5E0D-4059-9870-31A55B0BE3DA}"/>
-          </ac:spMkLst>
-        </pc:spChg>
-        <pc:spChg chg="del mod topLvl">
-          <ac:chgData name="Jason M. Penniman" userId="ae3cb814-cbe4-44aa-afa6-3cd4f8a8ce08" providerId="ADAL" clId="{6D6B7E1D-A254-4E18-ABE2-B2F68D1855EB}" dt="2020-01-17T18:38:34.726" v="3329" actId="478"/>
-          <ac:spMkLst>
-            <pc:docMk/>
-            <pc:sldMk cId="1573822860" sldId="350"/>
-            <ac:spMk id="14" creationId="{AD16004D-A600-438E-BE1B-43A7EF6CC035}"/>
-          </ac:spMkLst>
-        </pc:spChg>
-        <pc:spChg chg="del mod topLvl">
-          <ac:chgData name="Jason M. Penniman" userId="ae3cb814-cbe4-44aa-afa6-3cd4f8a8ce08" providerId="ADAL" clId="{6D6B7E1D-A254-4E18-ABE2-B2F68D1855EB}" dt="2020-01-17T18:38:34.726" v="3329" actId="478"/>
-          <ac:spMkLst>
-            <pc:docMk/>
-            <pc:sldMk cId="1573822860" sldId="350"/>
-            <ac:spMk id="15" creationId="{8B5E830C-A16C-4D44-873F-D0EA3909858D}"/>
-          </ac:spMkLst>
-        </pc:spChg>
-        <pc:spChg chg="del mod topLvl">
-          <ac:chgData name="Jason M. Penniman" userId="ae3cb814-cbe4-44aa-afa6-3cd4f8a8ce08" providerId="ADAL" clId="{6D6B7E1D-A254-4E18-ABE2-B2F68D1855EB}" dt="2020-01-17T18:38:34.726" v="3329" actId="478"/>
-          <ac:spMkLst>
-            <pc:docMk/>
-            <pc:sldMk cId="1573822860" sldId="350"/>
-            <ac:spMk id="19" creationId="{3C866600-A56C-4868-A7F0-DF45E68964D8}"/>
-          </ac:spMkLst>
-        </pc:spChg>
-        <pc:spChg chg="del mod topLvl">
-          <ac:chgData name="Jason M. Penniman" userId="ae3cb814-cbe4-44aa-afa6-3cd4f8a8ce08" providerId="ADAL" clId="{6D6B7E1D-A254-4E18-ABE2-B2F68D1855EB}" dt="2020-01-17T18:38:34.726" v="3329" actId="478"/>
-          <ac:spMkLst>
-            <pc:docMk/>
-            <pc:sldMk cId="1573822860" sldId="350"/>
-            <ac:spMk id="24" creationId="{572C54A4-1A71-42BE-A7D8-51A9409214A2}"/>
-          </ac:spMkLst>
-        </pc:spChg>
-        <pc:spChg chg="add del mod">
-          <ac:chgData name="Jason M. Penniman" userId="ae3cb814-cbe4-44aa-afa6-3cd4f8a8ce08" providerId="ADAL" clId="{6D6B7E1D-A254-4E18-ABE2-B2F68D1855EB}" dt="2020-01-17T18:42:17.652" v="3392" actId="478"/>
-          <ac:spMkLst>
-            <pc:docMk/>
-            <pc:sldMk cId="1573822860" sldId="350"/>
-            <ac:spMk id="37" creationId="{797C3938-1779-4128-AAEB-333D26D41CAF}"/>
-          </ac:spMkLst>
-        </pc:spChg>
-        <pc:spChg chg="add mod">
-          <ac:chgData name="Jason M. Penniman" userId="ae3cb814-cbe4-44aa-afa6-3cd4f8a8ce08" providerId="ADAL" clId="{6D6B7E1D-A254-4E18-ABE2-B2F68D1855EB}" dt="2020-01-17T18:43:30.476" v="3451" actId="14100"/>
-          <ac:spMkLst>
-            <pc:docMk/>
-            <pc:sldMk cId="1573822860" sldId="350"/>
-            <ac:spMk id="45" creationId="{F780A632-7AE8-4D08-B2A0-34085037E586}"/>
-          </ac:spMkLst>
-        </pc:spChg>
-        <pc:spChg chg="add mod">
-          <ac:chgData name="Jason M. Penniman" userId="ae3cb814-cbe4-44aa-afa6-3cd4f8a8ce08" providerId="ADAL" clId="{6D6B7E1D-A254-4E18-ABE2-B2F68D1855EB}" dt="2020-01-17T18:45:58.020" v="3538" actId="1076"/>
-          <ac:spMkLst>
-            <pc:docMk/>
-            <pc:sldMk cId="1573822860" sldId="350"/>
-            <ac:spMk id="49" creationId="{464D1E80-621F-4D5B-B2C6-3EDF4278865E}"/>
-          </ac:spMkLst>
-        </pc:spChg>
-        <pc:spChg chg="add mod">
-          <ac:chgData name="Jason M. Penniman" userId="ae3cb814-cbe4-44aa-afa6-3cd4f8a8ce08" providerId="ADAL" clId="{6D6B7E1D-A254-4E18-ABE2-B2F68D1855EB}" dt="2020-01-17T18:46:00.276" v="3539" actId="1076"/>
-          <ac:spMkLst>
-            <pc:docMk/>
-            <pc:sldMk cId="1573822860" sldId="350"/>
-            <ac:spMk id="50" creationId="{536A60E6-0F2E-4F30-9EC3-476F1EC2EEAB}"/>
-          </ac:spMkLst>
-        </pc:spChg>
-        <pc:spChg chg="add mod">
-          <ac:chgData name="Jason M. Penniman" userId="ae3cb814-cbe4-44aa-afa6-3cd4f8a8ce08" providerId="ADAL" clId="{6D6B7E1D-A254-4E18-ABE2-B2F68D1855EB}" dt="2020-01-17T18:44:47.697" v="3505" actId="20577"/>
-          <ac:spMkLst>
-            <pc:docMk/>
-            <pc:sldMk cId="1573822860" sldId="350"/>
-            <ac:spMk id="51" creationId="{4AB21C79-4109-4042-93EE-2AFC36BA8D83}"/>
-          </ac:spMkLst>
-        </pc:spChg>
-        <pc:grpChg chg="add mod">
-          <ac:chgData name="Jason M. Penniman" userId="ae3cb814-cbe4-44aa-afa6-3cd4f8a8ce08" providerId="ADAL" clId="{6D6B7E1D-A254-4E18-ABE2-B2F68D1855EB}" dt="2020-01-17T18:34:32.855" v="3278" actId="14100"/>
-          <ac:grpSpMkLst>
-            <pc:docMk/>
-            <pc:sldMk cId="1573822860" sldId="350"/>
-            <ac:grpSpMk id="7" creationId="{BC4CC394-FA6E-47B6-A2E5-A54D03294E1B}"/>
-          </ac:grpSpMkLst>
-        </pc:grpChg>
-        <pc:grpChg chg="add del mod">
-          <ac:chgData name="Jason M. Penniman" userId="ae3cb814-cbe4-44aa-afa6-3cd4f8a8ce08" providerId="ADAL" clId="{6D6B7E1D-A254-4E18-ABE2-B2F68D1855EB}" dt="2020-01-17T18:37:24.921" v="3314" actId="165"/>
-          <ac:grpSpMkLst>
-            <pc:docMk/>
-            <pc:sldMk cId="1573822860" sldId="350"/>
-            <ac:grpSpMk id="12" creationId="{E1506944-907C-4884-9613-AA724107FF86}"/>
-          </ac:grpSpMkLst>
-        </pc:grpChg>
-        <pc:grpChg chg="mod topLvl">
-          <ac:chgData name="Jason M. Penniman" userId="ae3cb814-cbe4-44aa-afa6-3cd4f8a8ce08" providerId="ADAL" clId="{6D6B7E1D-A254-4E18-ABE2-B2F68D1855EB}" dt="2020-01-17T18:43:39.708" v="3461" actId="1036"/>
-          <ac:grpSpMkLst>
-            <pc:docMk/>
-            <pc:sldMk cId="1573822860" sldId="350"/>
-            <ac:grpSpMk id="16" creationId="{32EB232A-FB39-4A59-9541-121E744553CF}"/>
-          </ac:grpSpMkLst>
-        </pc:grpChg>
-        <pc:grpChg chg="del mod topLvl">
-          <ac:chgData name="Jason M. Penniman" userId="ae3cb814-cbe4-44aa-afa6-3cd4f8a8ce08" providerId="ADAL" clId="{6D6B7E1D-A254-4E18-ABE2-B2F68D1855EB}" dt="2020-01-17T18:38:34.726" v="3329" actId="478"/>
-          <ac:grpSpMkLst>
-            <pc:docMk/>
-            <pc:sldMk cId="1573822860" sldId="350"/>
-            <ac:grpSpMk id="22" creationId="{1F2E7ACA-C6D9-447E-A41D-6D28A153F4E2}"/>
-          </ac:grpSpMkLst>
-        </pc:grpChg>
-        <pc:picChg chg="add del mod">
-          <ac:chgData name="Jason M. Penniman" userId="ae3cb814-cbe4-44aa-afa6-3cd4f8a8ce08" providerId="ADAL" clId="{6D6B7E1D-A254-4E18-ABE2-B2F68D1855EB}" dt="2020-01-17T18:33:02.063" v="3270"/>
-          <ac:picMkLst>
-            <pc:docMk/>
-            <pc:sldMk cId="1573822860" sldId="350"/>
-            <ac:picMk id="6" creationId="{B2669B0F-2960-411D-9BE7-CDEB1DB1EA55}"/>
-          </ac:picMkLst>
-        </pc:picChg>
-        <pc:picChg chg="mod topLvl">
-          <ac:chgData name="Jason M. Penniman" userId="ae3cb814-cbe4-44aa-afa6-3cd4f8a8ce08" providerId="ADAL" clId="{6D6B7E1D-A254-4E18-ABE2-B2F68D1855EB}" dt="2020-01-17T18:45:30.526" v="3526" actId="1037"/>
-          <ac:picMkLst>
-            <pc:docMk/>
-            <pc:sldMk cId="1573822860" sldId="350"/>
-            <ac:picMk id="13" creationId="{2440FB56-642C-457D-B951-519A3002029B}"/>
-          </ac:picMkLst>
-        </pc:picChg>
-        <pc:picChg chg="del mod topLvl">
-          <ac:chgData name="Jason M. Penniman" userId="ae3cb814-cbe4-44aa-afa6-3cd4f8a8ce08" providerId="ADAL" clId="{6D6B7E1D-A254-4E18-ABE2-B2F68D1855EB}" dt="2020-01-17T18:38:34.726" v="3329" actId="478"/>
-          <ac:picMkLst>
-            <pc:docMk/>
-            <pc:sldMk cId="1573822860" sldId="350"/>
-            <ac:picMk id="23" creationId="{D8C4FCAD-49F5-4F4C-8E7F-164CE262E5E2}"/>
-          </ac:picMkLst>
-        </pc:picChg>
-        <pc:cxnChg chg="del mod topLvl">
-          <ac:chgData name="Jason M. Penniman" userId="ae3cb814-cbe4-44aa-afa6-3cd4f8a8ce08" providerId="ADAL" clId="{6D6B7E1D-A254-4E18-ABE2-B2F68D1855EB}" dt="2020-01-17T18:37:52.840" v="3316" actId="478"/>
-          <ac:cxnSpMkLst>
-            <pc:docMk/>
-            <pc:sldMk cId="1573822860" sldId="350"/>
-            <ac:cxnSpMk id="17" creationId="{8E9051DA-D8E3-4C19-99FD-EBFFFF230BDD}"/>
-          </ac:cxnSpMkLst>
-        </pc:cxnChg>
-        <pc:cxnChg chg="mod topLvl">
-          <ac:chgData name="Jason M. Penniman" userId="ae3cb814-cbe4-44aa-afa6-3cd4f8a8ce08" providerId="ADAL" clId="{6D6B7E1D-A254-4E18-ABE2-B2F68D1855EB}" dt="2020-01-17T18:43:39.708" v="3461" actId="1036"/>
-          <ac:cxnSpMkLst>
-            <pc:docMk/>
-            <pc:sldMk cId="1573822860" sldId="350"/>
-            <ac:cxnSpMk id="18" creationId="{5B715653-EE74-4DCD-9EE8-D5166A958DA5}"/>
-          </ac:cxnSpMkLst>
-        </pc:cxnChg>
-        <pc:cxnChg chg="del mod topLvl">
-          <ac:chgData name="Jason M. Penniman" userId="ae3cb814-cbe4-44aa-afa6-3cd4f8a8ce08" providerId="ADAL" clId="{6D6B7E1D-A254-4E18-ABE2-B2F68D1855EB}" dt="2020-01-17T18:38:34.726" v="3329" actId="478"/>
-          <ac:cxnSpMkLst>
-            <pc:docMk/>
-            <pc:sldMk cId="1573822860" sldId="350"/>
-            <ac:cxnSpMk id="20" creationId="{40334CB7-DA01-47E3-8BB7-6658050CD3D5}"/>
-          </ac:cxnSpMkLst>
-        </pc:cxnChg>
-        <pc:cxnChg chg="del mod topLvl">
-          <ac:chgData name="Jason M. Penniman" userId="ae3cb814-cbe4-44aa-afa6-3cd4f8a8ce08" providerId="ADAL" clId="{6D6B7E1D-A254-4E18-ABE2-B2F68D1855EB}" dt="2020-01-17T18:38:38.925" v="3330" actId="478"/>
-          <ac:cxnSpMkLst>
-            <pc:docMk/>
-            <pc:sldMk cId="1573822860" sldId="350"/>
-            <ac:cxnSpMk id="21" creationId="{E94B868F-6C7A-4338-A1C8-A8E2617DBB1F}"/>
-          </ac:cxnSpMkLst>
-        </pc:cxnChg>
-        <pc:cxnChg chg="add mod">
-          <ac:chgData name="Jason M. Penniman" userId="ae3cb814-cbe4-44aa-afa6-3cd4f8a8ce08" providerId="ADAL" clId="{6D6B7E1D-A254-4E18-ABE2-B2F68D1855EB}" dt="2020-01-17T18:46:00.276" v="3539" actId="1076"/>
-          <ac:cxnSpMkLst>
-            <pc:docMk/>
-            <pc:sldMk cId="1573822860" sldId="350"/>
-            <ac:cxnSpMk id="34" creationId="{84C346F7-EFB7-4D5C-BB4E-24114B79C496}"/>
-          </ac:cxnSpMkLst>
-        </pc:cxnChg>
-        <pc:cxnChg chg="add del mod">
-          <ac:chgData name="Jason M. Penniman" userId="ae3cb814-cbe4-44aa-afa6-3cd4f8a8ce08" providerId="ADAL" clId="{6D6B7E1D-A254-4E18-ABE2-B2F68D1855EB}" dt="2020-01-17T18:40:36.979" v="3389" actId="478"/>
-          <ac:cxnSpMkLst>
-            <pc:docMk/>
-            <pc:sldMk cId="1573822860" sldId="350"/>
-            <ac:cxnSpMk id="39" creationId="{2ADBB34A-713E-4229-9457-49616572FE81}"/>
-          </ac:cxnSpMkLst>
-        </pc:cxnChg>
-        <pc:cxnChg chg="add del mod">
-          <ac:chgData name="Jason M. Penniman" userId="ae3cb814-cbe4-44aa-afa6-3cd4f8a8ce08" providerId="ADAL" clId="{6D6B7E1D-A254-4E18-ABE2-B2F68D1855EB}" dt="2020-01-17T18:42:21.465" v="3393" actId="478"/>
-          <ac:cxnSpMkLst>
-            <pc:docMk/>
-            <pc:sldMk cId="1573822860" sldId="350"/>
-            <ac:cxnSpMk id="41" creationId="{D55B7B4A-F322-4DF5-9F5D-EFAA330CCEC5}"/>
-          </ac:cxnSpMkLst>
-        </pc:cxnChg>
-        <pc:cxnChg chg="add del mod">
-          <ac:chgData name="Jason M. Penniman" userId="ae3cb814-cbe4-44aa-afa6-3cd4f8a8ce08" providerId="ADAL" clId="{6D6B7E1D-A254-4E18-ABE2-B2F68D1855EB}" dt="2020-01-17T18:42:23.027" v="3394" actId="478"/>
-          <ac:cxnSpMkLst>
-            <pc:docMk/>
-            <pc:sldMk cId="1573822860" sldId="350"/>
-            <ac:cxnSpMk id="43" creationId="{EC78E33A-8A80-4F1B-8B18-855834E88ED1}"/>
-          </ac:cxnSpMkLst>
-        </pc:cxnChg>
-        <pc:cxnChg chg="add mod">
-          <ac:chgData name="Jason M. Penniman" userId="ae3cb814-cbe4-44aa-afa6-3cd4f8a8ce08" providerId="ADAL" clId="{6D6B7E1D-A254-4E18-ABE2-B2F68D1855EB}" dt="2020-01-17T18:44:52.762" v="3506" actId="11529"/>
-          <ac:cxnSpMkLst>
-            <pc:docMk/>
-            <pc:sldMk cId="1573822860" sldId="350"/>
-            <ac:cxnSpMk id="53" creationId="{8A628C9E-C01A-4EC0-86FA-28F212297EA4}"/>
-          </ac:cxnSpMkLst>
-        </pc:cxnChg>
-        <pc:cxnChg chg="add del mod">
-          <ac:chgData name="Jason M. Penniman" userId="ae3cb814-cbe4-44aa-afa6-3cd4f8a8ce08" providerId="ADAL" clId="{6D6B7E1D-A254-4E18-ABE2-B2F68D1855EB}" dt="2020-01-17T18:45:08.453" v="3508" actId="478"/>
-          <ac:cxnSpMkLst>
-            <pc:docMk/>
-            <pc:sldMk cId="1573822860" sldId="350"/>
-            <ac:cxnSpMk id="55" creationId="{ED90454E-D514-4950-A7DC-F0E30D948686}"/>
-          </ac:cxnSpMkLst>
-        </pc:cxnChg>
-        <pc:cxnChg chg="add mod">
-          <ac:chgData name="Jason M. Penniman" userId="ae3cb814-cbe4-44aa-afa6-3cd4f8a8ce08" providerId="ADAL" clId="{6D6B7E1D-A254-4E18-ABE2-B2F68D1855EB}" dt="2020-01-17T18:45:58.020" v="3538" actId="1076"/>
-          <ac:cxnSpMkLst>
-            <pc:docMk/>
-            <pc:sldMk cId="1573822860" sldId="350"/>
-            <ac:cxnSpMk id="57" creationId="{ACBF50C4-342F-45E6-A2D4-BFECED3A7216}"/>
-          </ac:cxnSpMkLst>
-        </pc:cxnChg>
-        <pc:cxnChg chg="add mod">
-          <ac:chgData name="Jason M. Penniman" userId="ae3cb814-cbe4-44aa-afa6-3cd4f8a8ce08" providerId="ADAL" clId="{6D6B7E1D-A254-4E18-ABE2-B2F68D1855EB}" dt="2020-01-17T18:46:04.651" v="3540" actId="11529"/>
-          <ac:cxnSpMkLst>
-            <pc:docMk/>
-            <pc:sldMk cId="1573822860" sldId="350"/>
-            <ac:cxnSpMk id="63" creationId="{BA702A8F-D65B-4829-9652-AA508713250E}"/>
-          </ac:cxnSpMkLst>
-        </pc:cxnChg>
-      </pc:sldChg>
-      <pc:sldChg chg="addSp modSp add">
-        <pc:chgData name="Jason M. Penniman" userId="ae3cb814-cbe4-44aa-afa6-3cd4f8a8ce08" providerId="ADAL" clId="{6D6B7E1D-A254-4E18-ABE2-B2F68D1855EB}" dt="2020-01-17T19:59:58.932" v="3938" actId="20577"/>
-        <pc:sldMkLst>
-          <pc:docMk/>
-          <pc:sldMk cId="1875763391" sldId="351"/>
-        </pc:sldMkLst>
-        <pc:spChg chg="mod">
-          <ac:chgData name="Jason M. Penniman" userId="ae3cb814-cbe4-44aa-afa6-3cd4f8a8ce08" providerId="ADAL" clId="{6D6B7E1D-A254-4E18-ABE2-B2F68D1855EB}" dt="2020-01-17T19:57:41.032" v="3567" actId="20577"/>
-          <ac:spMkLst>
-            <pc:docMk/>
-            <pc:sldMk cId="1875763391" sldId="351"/>
-            <ac:spMk id="2" creationId="{38B20CA6-5751-4940-8050-2FFE6B912ABF}"/>
-          </ac:spMkLst>
-        </pc:spChg>
-        <pc:spChg chg="add mod">
-          <ac:chgData name="Jason M. Penniman" userId="ae3cb814-cbe4-44aa-afa6-3cd4f8a8ce08" providerId="ADAL" clId="{6D6B7E1D-A254-4E18-ABE2-B2F68D1855EB}" dt="2020-01-17T19:59:58.932" v="3938" actId="20577"/>
-          <ac:spMkLst>
-            <pc:docMk/>
-            <pc:sldMk cId="1875763391" sldId="351"/>
-            <ac:spMk id="4" creationId="{E47055DD-FD92-4101-82A4-D31125C8DF21}"/>
-          </ac:spMkLst>
-        </pc:spChg>
-      </pc:sldChg>
-      <pc:sldChg chg="addSp delSp modSp add">
-        <pc:chgData name="Jason M. Penniman" userId="ae3cb814-cbe4-44aa-afa6-3cd4f8a8ce08" providerId="ADAL" clId="{6D6B7E1D-A254-4E18-ABE2-B2F68D1855EB}" dt="2020-01-17T20:04:14.682" v="4148" actId="5793"/>
-        <pc:sldMkLst>
-          <pc:docMk/>
-          <pc:sldMk cId="2258129618" sldId="352"/>
-        </pc:sldMkLst>
-        <pc:spChg chg="del">
-          <ac:chgData name="Jason M. Penniman" userId="ae3cb814-cbe4-44aa-afa6-3cd4f8a8ce08" providerId="ADAL" clId="{6D6B7E1D-A254-4E18-ABE2-B2F68D1855EB}" dt="2020-01-17T20:02:00.457" v="3941"/>
-          <ac:spMkLst>
-            <pc:docMk/>
-            <pc:sldMk cId="2258129618" sldId="352"/>
-            <ac:spMk id="2" creationId="{2940C819-ACD5-4E78-8F69-AD76D072F959}"/>
-          </ac:spMkLst>
-        </pc:spChg>
-        <pc:spChg chg="add mod">
-          <ac:chgData name="Jason M. Penniman" userId="ae3cb814-cbe4-44aa-afa6-3cd4f8a8ce08" providerId="ADAL" clId="{6D6B7E1D-A254-4E18-ABE2-B2F68D1855EB}" dt="2020-01-17T20:03:49.992" v="4071" actId="20577"/>
-          <ac:spMkLst>
-            <pc:docMk/>
-            <pc:sldMk cId="2258129618" sldId="352"/>
-            <ac:spMk id="4" creationId="{2ECF0735-0CF3-451F-AF68-B794BF6C8F4E}"/>
-          </ac:spMkLst>
-        </pc:spChg>
-        <pc:spChg chg="add mod">
-          <ac:chgData name="Jason M. Penniman" userId="ae3cb814-cbe4-44aa-afa6-3cd4f8a8ce08" providerId="ADAL" clId="{6D6B7E1D-A254-4E18-ABE2-B2F68D1855EB}" dt="2020-01-17T20:04:14.682" v="4148" actId="5793"/>
-          <ac:spMkLst>
-            <pc:docMk/>
-            <pc:sldMk cId="2258129618" sldId="352"/>
-            <ac:spMk id="5" creationId="{818B41A9-6DE1-411A-8A27-194FE5E8F964}"/>
-          </ac:spMkLst>
-        </pc:spChg>
-      </pc:sldChg>
-      <pc:sldChg chg="addSp delSp modSp add">
-        <pc:chgData name="Jason M. Penniman" userId="ae3cb814-cbe4-44aa-afa6-3cd4f8a8ce08" providerId="ADAL" clId="{6D6B7E1D-A254-4E18-ABE2-B2F68D1855EB}" dt="2020-01-17T20:04:21.061" v="4150"/>
-        <pc:sldMkLst>
-          <pc:docMk/>
-          <pc:sldMk cId="284772742" sldId="353"/>
-        </pc:sldMkLst>
-        <pc:spChg chg="del">
-          <ac:chgData name="Jason M. Penniman" userId="ae3cb814-cbe4-44aa-afa6-3cd4f8a8ce08" providerId="ADAL" clId="{6D6B7E1D-A254-4E18-ABE2-B2F68D1855EB}" dt="2020-01-17T20:02:25.873" v="3985"/>
-          <ac:spMkLst>
-            <pc:docMk/>
-            <pc:sldMk cId="284772742" sldId="353"/>
-            <ac:spMk id="2" creationId="{490EFAF7-9181-4A06-B7D2-E39DCB6F8A4A}"/>
-          </ac:spMkLst>
-        </pc:spChg>
-        <pc:spChg chg="del">
-          <ac:chgData name="Jason M. Penniman" userId="ae3cb814-cbe4-44aa-afa6-3cd4f8a8ce08" providerId="ADAL" clId="{6D6B7E1D-A254-4E18-ABE2-B2F68D1855EB}" dt="2020-01-17T20:02:25.873" v="3985"/>
-          <ac:spMkLst>
-            <pc:docMk/>
-            <pc:sldMk cId="284772742" sldId="353"/>
-            <ac:spMk id="3" creationId="{CC4E0A1E-8382-4FB2-A365-DAA0E206C4AF}"/>
-          </ac:spMkLst>
-        </pc:spChg>
-        <pc:spChg chg="add mod">
-          <ac:chgData name="Jason M. Penniman" userId="ae3cb814-cbe4-44aa-afa6-3cd4f8a8ce08" providerId="ADAL" clId="{6D6B7E1D-A254-4E18-ABE2-B2F68D1855EB}" dt="2020-01-17T20:04:19.655" v="4149"/>
-          <ac:spMkLst>
-            <pc:docMk/>
-            <pc:sldMk cId="284772742" sldId="353"/>
-            <ac:spMk id="5" creationId="{E062D815-F6CB-403E-A2BE-0584C83BFAFF}"/>
-          </ac:spMkLst>
-        </pc:spChg>
-        <pc:spChg chg="add mod">
-          <ac:chgData name="Jason M. Penniman" userId="ae3cb814-cbe4-44aa-afa6-3cd4f8a8ce08" providerId="ADAL" clId="{6D6B7E1D-A254-4E18-ABE2-B2F68D1855EB}" dt="2020-01-17T20:04:21.061" v="4150"/>
-          <ac:spMkLst>
-            <pc:docMk/>
-            <pc:sldMk cId="284772742" sldId="353"/>
-            <ac:spMk id="6" creationId="{D7A7BBB6-97F5-448B-B27E-F85C4ECED8B5}"/>
-          </ac:spMkLst>
-        </pc:spChg>
-      </pc:sldChg>
-      <pc:sldChg chg="modSp add">
-        <pc:chgData name="Jason M. Penniman" userId="ae3cb814-cbe4-44aa-afa6-3cd4f8a8ce08" providerId="ADAL" clId="{6D6B7E1D-A254-4E18-ABE2-B2F68D1855EB}" dt="2020-01-17T20:05:00.418" v="4169" actId="20577"/>
-        <pc:sldMkLst>
-          <pc:docMk/>
-          <pc:sldMk cId="290880939" sldId="354"/>
-        </pc:sldMkLst>
-        <pc:spChg chg="mod">
-          <ac:chgData name="Jason M. Penniman" userId="ae3cb814-cbe4-44aa-afa6-3cd4f8a8ce08" providerId="ADAL" clId="{6D6B7E1D-A254-4E18-ABE2-B2F68D1855EB}" dt="2020-01-17T20:05:00.418" v="4169" actId="20577"/>
-          <ac:spMkLst>
-            <pc:docMk/>
-            <pc:sldMk cId="290880939" sldId="354"/>
-            <ac:spMk id="2" creationId="{09DD1F21-E8A9-4E82-B8A9-9ACE6440E644}"/>
-          </ac:spMkLst>
-        </pc:spChg>
-      </pc:sldChg>
-      <pc:sldChg chg="addSp delSp modSp add">
-        <pc:chgData name="Jason M. Penniman" userId="ae3cb814-cbe4-44aa-afa6-3cd4f8a8ce08" providerId="ADAL" clId="{6D6B7E1D-A254-4E18-ABE2-B2F68D1855EB}" dt="2020-01-17T20:31:55.787" v="4432" actId="20577"/>
-        <pc:sldMkLst>
-          <pc:docMk/>
-          <pc:sldMk cId="1758370319" sldId="355"/>
-        </pc:sldMkLst>
-        <pc:spChg chg="del">
-          <ac:chgData name="Jason M. Penniman" userId="ae3cb814-cbe4-44aa-afa6-3cd4f8a8ce08" providerId="ADAL" clId="{6D6B7E1D-A254-4E18-ABE2-B2F68D1855EB}" dt="2020-01-17T20:05:11.051" v="4171"/>
-          <ac:spMkLst>
-            <pc:docMk/>
-            <pc:sldMk cId="1758370319" sldId="355"/>
-            <ac:spMk id="2" creationId="{8AAB2CEC-3E69-4435-BF2A-46BE8F354A1C}"/>
-          </ac:spMkLst>
-        </pc:spChg>
-        <pc:spChg chg="del">
-          <ac:chgData name="Jason M. Penniman" userId="ae3cb814-cbe4-44aa-afa6-3cd4f8a8ce08" providerId="ADAL" clId="{6D6B7E1D-A254-4E18-ABE2-B2F68D1855EB}" dt="2020-01-17T20:05:11.051" v="4171"/>
-          <ac:spMkLst>
-            <pc:docMk/>
-            <pc:sldMk cId="1758370319" sldId="355"/>
-            <ac:spMk id="3" creationId="{45DF3BC1-C7D6-4B34-A312-2E91DB955F64}"/>
-          </ac:spMkLst>
-        </pc:spChg>
-        <pc:spChg chg="add del mod">
-          <ac:chgData name="Jason M. Penniman" userId="ae3cb814-cbe4-44aa-afa6-3cd4f8a8ce08" providerId="ADAL" clId="{6D6B7E1D-A254-4E18-ABE2-B2F68D1855EB}" dt="2020-01-17T20:05:11.051" v="4171"/>
-          <ac:spMkLst>
-            <pc:docMk/>
-            <pc:sldMk cId="1758370319" sldId="355"/>
-            <ac:spMk id="5" creationId="{078A8B85-9E54-4BFB-B07E-CE348751DE4E}"/>
-          </ac:spMkLst>
-        </pc:spChg>
-        <pc:spChg chg="add del mod">
-          <ac:chgData name="Jason M. Penniman" userId="ae3cb814-cbe4-44aa-afa6-3cd4f8a8ce08" providerId="ADAL" clId="{6D6B7E1D-A254-4E18-ABE2-B2F68D1855EB}" dt="2020-01-17T20:05:13.233" v="4172"/>
-          <ac:spMkLst>
-            <pc:docMk/>
-            <pc:sldMk cId="1758370319" sldId="355"/>
-            <ac:spMk id="6" creationId="{8CDCE2F9-EB47-4A01-B462-0A739419CC78}"/>
-          </ac:spMkLst>
-        </pc:spChg>
-        <pc:spChg chg="add del mod">
-          <ac:chgData name="Jason M. Penniman" userId="ae3cb814-cbe4-44aa-afa6-3cd4f8a8ce08" providerId="ADAL" clId="{6D6B7E1D-A254-4E18-ABE2-B2F68D1855EB}" dt="2020-01-17T20:05:13.233" v="4172"/>
-          <ac:spMkLst>
-            <pc:docMk/>
-            <pc:sldMk cId="1758370319" sldId="355"/>
-            <ac:spMk id="7" creationId="{4636F0EB-15EE-473E-BF7F-B650AE0E4C21}"/>
-          </ac:spMkLst>
-        </pc:spChg>
-        <pc:spChg chg="add mod">
-          <ac:chgData name="Jason M. Penniman" userId="ae3cb814-cbe4-44aa-afa6-3cd4f8a8ce08" providerId="ADAL" clId="{6D6B7E1D-A254-4E18-ABE2-B2F68D1855EB}" dt="2020-01-17T20:05:26.446" v="4215" actId="20577"/>
-          <ac:spMkLst>
-            <pc:docMk/>
-            <pc:sldMk cId="1758370319" sldId="355"/>
-            <ac:spMk id="8" creationId="{1D681E0A-CE6C-49F9-8796-551BC3868BB1}"/>
-          </ac:spMkLst>
-        </pc:spChg>
-        <pc:spChg chg="add mod">
-          <ac:chgData name="Jason M. Penniman" userId="ae3cb814-cbe4-44aa-afa6-3cd4f8a8ce08" providerId="ADAL" clId="{6D6B7E1D-A254-4E18-ABE2-B2F68D1855EB}" dt="2020-01-17T20:31:55.787" v="4432" actId="20577"/>
-          <ac:spMkLst>
-            <pc:docMk/>
-            <pc:sldMk cId="1758370319" sldId="355"/>
-            <ac:spMk id="9" creationId="{7EB8868B-AF12-4B62-8576-86511C8CA0D0}"/>
-          </ac:spMkLst>
-        </pc:spChg>
-      </pc:sldChg>
-      <pc:sldChg chg="modSp add">
-        <pc:chgData name="Jason M. Penniman" userId="ae3cb814-cbe4-44aa-afa6-3cd4f8a8ce08" providerId="ADAL" clId="{6D6B7E1D-A254-4E18-ABE2-B2F68D1855EB}" dt="2020-01-17T20:34:13.357" v="4547" actId="20577"/>
-        <pc:sldMkLst>
-          <pc:docMk/>
-          <pc:sldMk cId="2636352327" sldId="356"/>
-        </pc:sldMkLst>
-        <pc:spChg chg="mod">
-          <ac:chgData name="Jason M. Penniman" userId="ae3cb814-cbe4-44aa-afa6-3cd4f8a8ce08" providerId="ADAL" clId="{6D6B7E1D-A254-4E18-ABE2-B2F68D1855EB}" dt="2020-01-17T20:32:12.191" v="4448" actId="20577"/>
-          <ac:spMkLst>
-            <pc:docMk/>
-            <pc:sldMk cId="2636352327" sldId="356"/>
-            <ac:spMk id="2" creationId="{C6F386D6-9905-409F-B4D9-016718EA5F84}"/>
-          </ac:spMkLst>
-        </pc:spChg>
-        <pc:spChg chg="mod">
-          <ac:chgData name="Jason M. Penniman" userId="ae3cb814-cbe4-44aa-afa6-3cd4f8a8ce08" providerId="ADAL" clId="{6D6B7E1D-A254-4E18-ABE2-B2F68D1855EB}" dt="2020-01-17T20:34:13.357" v="4547" actId="20577"/>
-          <ac:spMkLst>
-            <pc:docMk/>
-            <pc:sldMk cId="2636352327" sldId="356"/>
-            <ac:spMk id="3" creationId="{3F661CC8-B9AE-41CF-B102-E87A16EBEAC1}"/>
-          </ac:spMkLst>
-        </pc:spChg>
-      </pc:sldChg>
-      <pc:sldChg chg="addSp delSp modSp add">
-        <pc:chgData name="Jason M. Penniman" userId="ae3cb814-cbe4-44aa-afa6-3cd4f8a8ce08" providerId="ADAL" clId="{6D6B7E1D-A254-4E18-ABE2-B2F68D1855EB}" dt="2020-01-17T20:48:14.433" v="4892" actId="1076"/>
-        <pc:sldMkLst>
-          <pc:docMk/>
-          <pc:sldMk cId="1423030865" sldId="357"/>
-        </pc:sldMkLst>
-        <pc:spChg chg="mod">
-          <ac:chgData name="Jason M. Penniman" userId="ae3cb814-cbe4-44aa-afa6-3cd4f8a8ce08" providerId="ADAL" clId="{6D6B7E1D-A254-4E18-ABE2-B2F68D1855EB}" dt="2020-01-17T20:48:04.864" v="4891" actId="20577"/>
-          <ac:spMkLst>
-            <pc:docMk/>
-            <pc:sldMk cId="1423030865" sldId="357"/>
-            <ac:spMk id="2" creationId="{889E5A38-DCB1-4B73-B8CE-178583D627A0}"/>
-          </ac:spMkLst>
-        </pc:spChg>
-        <pc:spChg chg="del">
-          <ac:chgData name="Jason M. Penniman" userId="ae3cb814-cbe4-44aa-afa6-3cd4f8a8ce08" providerId="ADAL" clId="{6D6B7E1D-A254-4E18-ABE2-B2F68D1855EB}" dt="2020-01-17T20:37:33.897" v="4549" actId="478"/>
-          <ac:spMkLst>
-            <pc:docMk/>
-            <pc:sldMk cId="1423030865" sldId="357"/>
-            <ac:spMk id="3" creationId="{6B26FA0B-1A60-417E-B1E8-093D7058CCE4}"/>
-          </ac:spMkLst>
-        </pc:spChg>
-        <pc:spChg chg="add mod">
-          <ac:chgData name="Jason M. Penniman" userId="ae3cb814-cbe4-44aa-afa6-3cd4f8a8ce08" providerId="ADAL" clId="{6D6B7E1D-A254-4E18-ABE2-B2F68D1855EB}" dt="2020-01-17T20:48:14.433" v="4892" actId="1076"/>
-          <ac:spMkLst>
-            <pc:docMk/>
-            <pc:sldMk cId="1423030865" sldId="357"/>
-            <ac:spMk id="5" creationId="{4866FE83-DFEF-412C-BA4B-529837C4B6DB}"/>
-          </ac:spMkLst>
-        </pc:spChg>
-        <pc:spChg chg="add mod">
-          <ac:chgData name="Jason M. Penniman" userId="ae3cb814-cbe4-44aa-afa6-3cd4f8a8ce08" providerId="ADAL" clId="{6D6B7E1D-A254-4E18-ABE2-B2F68D1855EB}" dt="2020-01-17T20:48:14.433" v="4892" actId="1076"/>
-          <ac:spMkLst>
-            <pc:docMk/>
-            <pc:sldMk cId="1423030865" sldId="357"/>
-            <ac:spMk id="6" creationId="{2690E378-A34B-45E3-B2AD-AE49F7B1D581}"/>
-          </ac:spMkLst>
-        </pc:spChg>
-        <pc:spChg chg="add mod">
-          <ac:chgData name="Jason M. Penniman" userId="ae3cb814-cbe4-44aa-afa6-3cd4f8a8ce08" providerId="ADAL" clId="{6D6B7E1D-A254-4E18-ABE2-B2F68D1855EB}" dt="2020-01-17T20:48:14.433" v="4892" actId="1076"/>
-          <ac:spMkLst>
-            <pc:docMk/>
-            <pc:sldMk cId="1423030865" sldId="357"/>
-            <ac:spMk id="7" creationId="{B4588E1A-9ACB-4A07-B7CF-C5DBEDD8CED2}"/>
-          </ac:spMkLst>
-        </pc:spChg>
-        <pc:spChg chg="add mod">
-          <ac:chgData name="Jason M. Penniman" userId="ae3cb814-cbe4-44aa-afa6-3cd4f8a8ce08" providerId="ADAL" clId="{6D6B7E1D-A254-4E18-ABE2-B2F68D1855EB}" dt="2020-01-17T20:48:14.433" v="4892" actId="1076"/>
-          <ac:spMkLst>
-            <pc:docMk/>
-            <pc:sldMk cId="1423030865" sldId="357"/>
-            <ac:spMk id="8" creationId="{7A97EDF2-C711-4BAB-B827-AA4AB1EAEC60}"/>
-          </ac:spMkLst>
-        </pc:spChg>
-        <pc:spChg chg="add mod">
-          <ac:chgData name="Jason M. Penniman" userId="ae3cb814-cbe4-44aa-afa6-3cd4f8a8ce08" providerId="ADAL" clId="{6D6B7E1D-A254-4E18-ABE2-B2F68D1855EB}" dt="2020-01-17T20:48:14.433" v="4892" actId="1076"/>
-          <ac:spMkLst>
-            <pc:docMk/>
-            <pc:sldMk cId="1423030865" sldId="357"/>
-            <ac:spMk id="9" creationId="{76CF41A2-67FF-4BE2-AFCD-EE55BBDBF430}"/>
-          </ac:spMkLst>
-        </pc:spChg>
-        <pc:spChg chg="add mod">
-          <ac:chgData name="Jason M. Penniman" userId="ae3cb814-cbe4-44aa-afa6-3cd4f8a8ce08" providerId="ADAL" clId="{6D6B7E1D-A254-4E18-ABE2-B2F68D1855EB}" dt="2020-01-17T20:48:14.433" v="4892" actId="1076"/>
-          <ac:spMkLst>
-            <pc:docMk/>
-            <pc:sldMk cId="1423030865" sldId="357"/>
-            <ac:spMk id="10" creationId="{9401165A-A288-4D6E-92B9-C325FBED550D}"/>
-          </ac:spMkLst>
-        </pc:spChg>
-        <pc:spChg chg="add mod">
-          <ac:chgData name="Jason M. Penniman" userId="ae3cb814-cbe4-44aa-afa6-3cd4f8a8ce08" providerId="ADAL" clId="{6D6B7E1D-A254-4E18-ABE2-B2F68D1855EB}" dt="2020-01-17T20:48:14.433" v="4892" actId="1076"/>
-          <ac:spMkLst>
-            <pc:docMk/>
-            <pc:sldMk cId="1423030865" sldId="357"/>
-            <ac:spMk id="11" creationId="{8F532F01-3A40-4848-AB82-951B82D03175}"/>
-          </ac:spMkLst>
-        </pc:spChg>
-        <pc:spChg chg="add mod">
-          <ac:chgData name="Jason M. Penniman" userId="ae3cb814-cbe4-44aa-afa6-3cd4f8a8ce08" providerId="ADAL" clId="{6D6B7E1D-A254-4E18-ABE2-B2F68D1855EB}" dt="2020-01-17T20:48:14.433" v="4892" actId="1076"/>
-          <ac:spMkLst>
-            <pc:docMk/>
-            <pc:sldMk cId="1423030865" sldId="357"/>
-            <ac:spMk id="12" creationId="{C6172ACE-16B1-40F2-91AD-557EFA9C6C48}"/>
-          </ac:spMkLst>
-        </pc:spChg>
-        <pc:spChg chg="add mod">
-          <ac:chgData name="Jason M. Penniman" userId="ae3cb814-cbe4-44aa-afa6-3cd4f8a8ce08" providerId="ADAL" clId="{6D6B7E1D-A254-4E18-ABE2-B2F68D1855EB}" dt="2020-01-17T20:48:14.433" v="4892" actId="1076"/>
-          <ac:spMkLst>
-            <pc:docMk/>
-            <pc:sldMk cId="1423030865" sldId="357"/>
-            <ac:spMk id="65" creationId="{5A8E15CB-0701-449E-BAD4-196F756A1610}"/>
-          </ac:spMkLst>
-        </pc:spChg>
-        <pc:spChg chg="add mod">
-          <ac:chgData name="Jason M. Penniman" userId="ae3cb814-cbe4-44aa-afa6-3cd4f8a8ce08" providerId="ADAL" clId="{6D6B7E1D-A254-4E18-ABE2-B2F68D1855EB}" dt="2020-01-17T20:48:14.433" v="4892" actId="1076"/>
-          <ac:spMkLst>
-            <pc:docMk/>
-            <pc:sldMk cId="1423030865" sldId="357"/>
-            <ac:spMk id="66" creationId="{3839C915-3792-4430-A406-5846A66D4362}"/>
-          </ac:spMkLst>
-        </pc:spChg>
-        <pc:spChg chg="add mod">
-          <ac:chgData name="Jason M. Penniman" userId="ae3cb814-cbe4-44aa-afa6-3cd4f8a8ce08" providerId="ADAL" clId="{6D6B7E1D-A254-4E18-ABE2-B2F68D1855EB}" dt="2020-01-17T20:48:14.433" v="4892" actId="1076"/>
-          <ac:spMkLst>
-            <pc:docMk/>
-            <pc:sldMk cId="1423030865" sldId="357"/>
-            <ac:spMk id="67" creationId="{19F1EACA-80CB-4BCA-B204-6F53CE47CA58}"/>
-          </ac:spMkLst>
-        </pc:spChg>
-        <pc:spChg chg="add mod">
-          <ac:chgData name="Jason M. Penniman" userId="ae3cb814-cbe4-44aa-afa6-3cd4f8a8ce08" providerId="ADAL" clId="{6D6B7E1D-A254-4E18-ABE2-B2F68D1855EB}" dt="2020-01-17T20:48:14.433" v="4892" actId="1076"/>
-          <ac:spMkLst>
-            <pc:docMk/>
-            <pc:sldMk cId="1423030865" sldId="357"/>
-            <ac:spMk id="68" creationId="{C3A21959-E704-43B0-B620-21D66146717D}"/>
-          </ac:spMkLst>
-        </pc:spChg>
-        <pc:spChg chg="add mod">
-          <ac:chgData name="Jason M. Penniman" userId="ae3cb814-cbe4-44aa-afa6-3cd4f8a8ce08" providerId="ADAL" clId="{6D6B7E1D-A254-4E18-ABE2-B2F68D1855EB}" dt="2020-01-17T20:48:14.433" v="4892" actId="1076"/>
-          <ac:spMkLst>
-            <pc:docMk/>
-            <pc:sldMk cId="1423030865" sldId="357"/>
-            <ac:spMk id="69" creationId="{92DC9851-D834-4CED-87E9-D06448EB8B08}"/>
-          </ac:spMkLst>
-        </pc:spChg>
-        <pc:spChg chg="add mod">
-          <ac:chgData name="Jason M. Penniman" userId="ae3cb814-cbe4-44aa-afa6-3cd4f8a8ce08" providerId="ADAL" clId="{6D6B7E1D-A254-4E18-ABE2-B2F68D1855EB}" dt="2020-01-17T20:48:14.433" v="4892" actId="1076"/>
-          <ac:spMkLst>
-            <pc:docMk/>
-            <pc:sldMk cId="1423030865" sldId="357"/>
-            <ac:spMk id="70" creationId="{125091D5-FBF4-454E-BB53-B64F355E4892}"/>
-          </ac:spMkLst>
-        </pc:spChg>
-        <pc:spChg chg="add mod">
-          <ac:chgData name="Jason M. Penniman" userId="ae3cb814-cbe4-44aa-afa6-3cd4f8a8ce08" providerId="ADAL" clId="{6D6B7E1D-A254-4E18-ABE2-B2F68D1855EB}" dt="2020-01-17T20:48:14.433" v="4892" actId="1076"/>
-          <ac:spMkLst>
-            <pc:docMk/>
-            <pc:sldMk cId="1423030865" sldId="357"/>
-            <ac:spMk id="71" creationId="{C27330E8-6733-427F-BC05-4C83CDF57D20}"/>
-          </ac:spMkLst>
-        </pc:spChg>
-        <pc:spChg chg="add mod">
-          <ac:chgData name="Jason M. Penniman" userId="ae3cb814-cbe4-44aa-afa6-3cd4f8a8ce08" providerId="ADAL" clId="{6D6B7E1D-A254-4E18-ABE2-B2F68D1855EB}" dt="2020-01-17T20:48:14.433" v="4892" actId="1076"/>
-          <ac:spMkLst>
-            <pc:docMk/>
-            <pc:sldMk cId="1423030865" sldId="357"/>
-            <ac:spMk id="72" creationId="{F86B5F11-F287-4D33-84FA-17CEF0887B2C}"/>
-          </ac:spMkLst>
-        </pc:spChg>
-        <pc:spChg chg="add mod">
-          <ac:chgData name="Jason M. Penniman" userId="ae3cb814-cbe4-44aa-afa6-3cd4f8a8ce08" providerId="ADAL" clId="{6D6B7E1D-A254-4E18-ABE2-B2F68D1855EB}" dt="2020-01-17T20:48:14.433" v="4892" actId="1076"/>
-          <ac:spMkLst>
-            <pc:docMk/>
-            <pc:sldMk cId="1423030865" sldId="357"/>
-            <ac:spMk id="73" creationId="{DDEE5B07-C8A0-47F6-829B-4B8F915A9866}"/>
-          </ac:spMkLst>
-        </pc:spChg>
-        <pc:spChg chg="add mod">
-          <ac:chgData name="Jason M. Penniman" userId="ae3cb814-cbe4-44aa-afa6-3cd4f8a8ce08" providerId="ADAL" clId="{6D6B7E1D-A254-4E18-ABE2-B2F68D1855EB}" dt="2020-01-17T20:48:14.433" v="4892" actId="1076"/>
-          <ac:spMkLst>
-            <pc:docMk/>
-            <pc:sldMk cId="1423030865" sldId="357"/>
-            <ac:spMk id="74" creationId="{E88901B4-ED49-42B0-BAD6-D0E5B4DB48D0}"/>
-          </ac:spMkLst>
-        </pc:spChg>
-        <pc:spChg chg="add mod">
-          <ac:chgData name="Jason M. Penniman" userId="ae3cb814-cbe4-44aa-afa6-3cd4f8a8ce08" providerId="ADAL" clId="{6D6B7E1D-A254-4E18-ABE2-B2F68D1855EB}" dt="2020-01-17T20:48:14.433" v="4892" actId="1076"/>
-          <ac:spMkLst>
-            <pc:docMk/>
-            <pc:sldMk cId="1423030865" sldId="357"/>
-            <ac:spMk id="75" creationId="{834BD1C1-B8B2-4E47-BE90-1A9A3A8AB728}"/>
-          </ac:spMkLst>
-        </pc:spChg>
-        <pc:spChg chg="add mod">
-          <ac:chgData name="Jason M. Penniman" userId="ae3cb814-cbe4-44aa-afa6-3cd4f8a8ce08" providerId="ADAL" clId="{6D6B7E1D-A254-4E18-ABE2-B2F68D1855EB}" dt="2020-01-17T20:48:14.433" v="4892" actId="1076"/>
-          <ac:spMkLst>
-            <pc:docMk/>
-            <pc:sldMk cId="1423030865" sldId="357"/>
-            <ac:spMk id="76" creationId="{3485A27F-F5CA-4F2B-8844-4C469BA443C5}"/>
-          </ac:spMkLst>
-        </pc:spChg>
-        <pc:cxnChg chg="add del mod">
-          <ac:chgData name="Jason M. Penniman" userId="ae3cb814-cbe4-44aa-afa6-3cd4f8a8ce08" providerId="ADAL" clId="{6D6B7E1D-A254-4E18-ABE2-B2F68D1855EB}" dt="2020-01-17T20:39:24.391" v="4632" actId="478"/>
-          <ac:cxnSpMkLst>
-            <pc:docMk/>
-            <pc:sldMk cId="1423030865" sldId="357"/>
-            <ac:cxnSpMk id="14" creationId="{6959F645-E8B3-46E6-8AE5-CE8CF8474CBC}"/>
-          </ac:cxnSpMkLst>
-        </pc:cxnChg>
-        <pc:cxnChg chg="add del mod">
-          <ac:chgData name="Jason M. Penniman" userId="ae3cb814-cbe4-44aa-afa6-3cd4f8a8ce08" providerId="ADAL" clId="{6D6B7E1D-A254-4E18-ABE2-B2F68D1855EB}" dt="2020-01-17T20:39:54.402" v="4641" actId="478"/>
-          <ac:cxnSpMkLst>
-            <pc:docMk/>
-            <pc:sldMk cId="1423030865" sldId="357"/>
-            <ac:cxnSpMk id="16" creationId="{0CF1A667-37D9-4D34-95E5-3DFAC730FDAF}"/>
-          </ac:cxnSpMkLst>
-        </pc:cxnChg>
-        <pc:cxnChg chg="add del mod">
-          <ac:chgData name="Jason M. Penniman" userId="ae3cb814-cbe4-44aa-afa6-3cd4f8a8ce08" providerId="ADAL" clId="{6D6B7E1D-A254-4E18-ABE2-B2F68D1855EB}" dt="2020-01-17T20:40:06.218" v="4643" actId="478"/>
-          <ac:cxnSpMkLst>
-            <pc:docMk/>
-            <pc:sldMk cId="1423030865" sldId="357"/>
-            <ac:cxnSpMk id="25" creationId="{33AC954F-0794-4D06-9BE6-9C29FE2DF759}"/>
-          </ac:cxnSpMkLst>
-        </pc:cxnChg>
-        <pc:cxnChg chg="add mod">
-          <ac:chgData name="Jason M. Penniman" userId="ae3cb814-cbe4-44aa-afa6-3cd4f8a8ce08" providerId="ADAL" clId="{6D6B7E1D-A254-4E18-ABE2-B2F68D1855EB}" dt="2020-01-17T20:48:14.433" v="4892" actId="1076"/>
-          <ac:cxnSpMkLst>
-            <pc:docMk/>
-            <pc:sldMk cId="1423030865" sldId="357"/>
-            <ac:cxnSpMk id="27" creationId="{388F9572-1736-466E-9093-445C67567753}"/>
-          </ac:cxnSpMkLst>
-        </pc:cxnChg>
-        <pc:cxnChg chg="add mod">
-          <ac:chgData name="Jason M. Penniman" userId="ae3cb814-cbe4-44aa-afa6-3cd4f8a8ce08" providerId="ADAL" clId="{6D6B7E1D-A254-4E18-ABE2-B2F68D1855EB}" dt="2020-01-17T20:48:14.433" v="4892" actId="1076"/>
-          <ac:cxnSpMkLst>
-            <pc:docMk/>
-            <pc:sldMk cId="1423030865" sldId="357"/>
-            <ac:cxnSpMk id="29" creationId="{60F6BEF2-6569-47B3-9C47-F1940919719C}"/>
-          </ac:cxnSpMkLst>
-        </pc:cxnChg>
-        <pc:cxnChg chg="add mod">
-          <ac:chgData name="Jason M. Penniman" userId="ae3cb814-cbe4-44aa-afa6-3cd4f8a8ce08" providerId="ADAL" clId="{6D6B7E1D-A254-4E18-ABE2-B2F68D1855EB}" dt="2020-01-17T20:48:14.433" v="4892" actId="1076"/>
-          <ac:cxnSpMkLst>
-            <pc:docMk/>
-            <pc:sldMk cId="1423030865" sldId="357"/>
-            <ac:cxnSpMk id="31" creationId="{106FA926-C571-48AB-BAB3-FA89EBC32507}"/>
-          </ac:cxnSpMkLst>
-        </pc:cxnChg>
-        <pc:cxnChg chg="add del mod">
-          <ac:chgData name="Jason M. Penniman" userId="ae3cb814-cbe4-44aa-afa6-3cd4f8a8ce08" providerId="ADAL" clId="{6D6B7E1D-A254-4E18-ABE2-B2F68D1855EB}" dt="2020-01-17T20:41:20.315" v="4652" actId="478"/>
-          <ac:cxnSpMkLst>
-            <pc:docMk/>
-            <pc:sldMk cId="1423030865" sldId="357"/>
-            <ac:cxnSpMk id="33" creationId="{22790E13-A3BF-4677-8A98-621A33491BAB}"/>
-          </ac:cxnSpMkLst>
-        </pc:cxnChg>
-        <pc:cxnChg chg="add mod">
-          <ac:chgData name="Jason M. Penniman" userId="ae3cb814-cbe4-44aa-afa6-3cd4f8a8ce08" providerId="ADAL" clId="{6D6B7E1D-A254-4E18-ABE2-B2F68D1855EB}" dt="2020-01-17T20:48:14.433" v="4892" actId="1076"/>
-          <ac:cxnSpMkLst>
-            <pc:docMk/>
-            <pc:sldMk cId="1423030865" sldId="357"/>
-            <ac:cxnSpMk id="35" creationId="{91B2DCF7-FB0F-4E94-95DA-501408737E01}"/>
-          </ac:cxnSpMkLst>
-        </pc:cxnChg>
-        <pc:cxnChg chg="add mod">
-          <ac:chgData name="Jason M. Penniman" userId="ae3cb814-cbe4-44aa-afa6-3cd4f8a8ce08" providerId="ADAL" clId="{6D6B7E1D-A254-4E18-ABE2-B2F68D1855EB}" dt="2020-01-17T20:48:14.433" v="4892" actId="1076"/>
-          <ac:cxnSpMkLst>
-            <pc:docMk/>
-            <pc:sldMk cId="1423030865" sldId="357"/>
-            <ac:cxnSpMk id="37" creationId="{07D966C8-A423-4819-BA41-DF094CD239D1}"/>
-          </ac:cxnSpMkLst>
-        </pc:cxnChg>
-        <pc:cxnChg chg="add mod">
-          <ac:chgData name="Jason M. Penniman" userId="ae3cb814-cbe4-44aa-afa6-3cd4f8a8ce08" providerId="ADAL" clId="{6D6B7E1D-A254-4E18-ABE2-B2F68D1855EB}" dt="2020-01-17T20:48:14.433" v="4892" actId="1076"/>
-          <ac:cxnSpMkLst>
-            <pc:docMk/>
-            <pc:sldMk cId="1423030865" sldId="357"/>
-            <ac:cxnSpMk id="39" creationId="{5ABBA08B-5667-4DA8-B81B-605DAD7D48A0}"/>
-          </ac:cxnSpMkLst>
-        </pc:cxnChg>
-        <pc:cxnChg chg="add mod">
-          <ac:chgData name="Jason M. Penniman" userId="ae3cb814-cbe4-44aa-afa6-3cd4f8a8ce08" providerId="ADAL" clId="{6D6B7E1D-A254-4E18-ABE2-B2F68D1855EB}" dt="2020-01-17T20:48:14.433" v="4892" actId="1076"/>
-          <ac:cxnSpMkLst>
-            <pc:docMk/>
-            <pc:sldMk cId="1423030865" sldId="357"/>
-            <ac:cxnSpMk id="41" creationId="{E828F613-528F-428B-B1A5-89FE43B63B09}"/>
-          </ac:cxnSpMkLst>
-        </pc:cxnChg>
-        <pc:cxnChg chg="add mod">
-          <ac:chgData name="Jason M. Penniman" userId="ae3cb814-cbe4-44aa-afa6-3cd4f8a8ce08" providerId="ADAL" clId="{6D6B7E1D-A254-4E18-ABE2-B2F68D1855EB}" dt="2020-01-17T20:48:14.433" v="4892" actId="1076"/>
-          <ac:cxnSpMkLst>
-            <pc:docMk/>
-            <pc:sldMk cId="1423030865" sldId="357"/>
-            <ac:cxnSpMk id="43" creationId="{B4347247-BE11-403E-B498-19542CC206A3}"/>
-          </ac:cxnSpMkLst>
-        </pc:cxnChg>
-        <pc:cxnChg chg="add mod">
-          <ac:chgData name="Jason M. Penniman" userId="ae3cb814-cbe4-44aa-afa6-3cd4f8a8ce08" providerId="ADAL" clId="{6D6B7E1D-A254-4E18-ABE2-B2F68D1855EB}" dt="2020-01-17T20:48:14.433" v="4892" actId="1076"/>
-          <ac:cxnSpMkLst>
-            <pc:docMk/>
-            <pc:sldMk cId="1423030865" sldId="357"/>
-            <ac:cxnSpMk id="45" creationId="{9EB73517-8180-4268-A05F-9E697D19154E}"/>
-          </ac:cxnSpMkLst>
-        </pc:cxnChg>
-        <pc:cxnChg chg="add mod">
-          <ac:chgData name="Jason M. Penniman" userId="ae3cb814-cbe4-44aa-afa6-3cd4f8a8ce08" providerId="ADAL" clId="{6D6B7E1D-A254-4E18-ABE2-B2F68D1855EB}" dt="2020-01-17T20:48:14.433" v="4892" actId="1076"/>
-          <ac:cxnSpMkLst>
-            <pc:docMk/>
-            <pc:sldMk cId="1423030865" sldId="357"/>
-            <ac:cxnSpMk id="47" creationId="{9557AD75-B554-492F-8F1C-AD779F0ED4C2}"/>
-          </ac:cxnSpMkLst>
-        </pc:cxnChg>
-        <pc:cxnChg chg="add mod">
-          <ac:chgData name="Jason M. Penniman" userId="ae3cb814-cbe4-44aa-afa6-3cd4f8a8ce08" providerId="ADAL" clId="{6D6B7E1D-A254-4E18-ABE2-B2F68D1855EB}" dt="2020-01-17T20:48:14.433" v="4892" actId="1076"/>
-          <ac:cxnSpMkLst>
-            <pc:docMk/>
-            <pc:sldMk cId="1423030865" sldId="357"/>
-            <ac:cxnSpMk id="52" creationId="{B3263536-BE83-4E31-930A-EFAFD324F2EF}"/>
-          </ac:cxnSpMkLst>
-        </pc:cxnChg>
-        <pc:cxnChg chg="add mod">
-          <ac:chgData name="Jason M. Penniman" userId="ae3cb814-cbe4-44aa-afa6-3cd4f8a8ce08" providerId="ADAL" clId="{6D6B7E1D-A254-4E18-ABE2-B2F68D1855EB}" dt="2020-01-17T20:48:14.433" v="4892" actId="1076"/>
-          <ac:cxnSpMkLst>
-            <pc:docMk/>
-            <pc:sldMk cId="1423030865" sldId="357"/>
-            <ac:cxnSpMk id="54" creationId="{047D074A-FAA7-42EA-B2A3-8C560D4CF355}"/>
-          </ac:cxnSpMkLst>
-        </pc:cxnChg>
-      </pc:sldChg>
-    </pc:docChg>
-  </pc:docChgLst>
 </pc:chgInfo>
 </file>
 
@@ -3624,7 +3624,7 @@
           <a:p>
             <a:fld id="{CE67F012-38C7-4A51-8407-4E1626DDB7EA}" type="datetimeFigureOut">
               <a:rPr lang="en-US" smtClean="0"/>
-              <a:t>1/18/2020</a:t>
+              <a:t>1/21/2020</a:t>
             </a:fld>
             <a:endParaRPr lang="en-US"/>
           </a:p>
@@ -4869,7 +4869,7 @@
           <a:p>
             <a:fld id="{D0AC16CF-CEFA-4AB8-B917-2106573FF13A}" type="datetime1">
               <a:rPr lang="en-US" smtClean="0"/>
-              <a:t>1/18/2020</a:t>
+              <a:t>1/21/2020</a:t>
             </a:fld>
             <a:endParaRPr lang="en-US"/>
           </a:p>
@@ -5067,7 +5067,7 @@
           <a:p>
             <a:fld id="{C2B18207-E477-469D-BFB8-90CBD52BA3C4}" type="datetime1">
               <a:rPr lang="en-US" smtClean="0"/>
-              <a:t>1/18/2020</a:t>
+              <a:t>1/21/2020</a:t>
             </a:fld>
             <a:endParaRPr lang="en-US"/>
           </a:p>
@@ -5275,7 +5275,7 @@
           <a:p>
             <a:fld id="{E0E24376-2093-4F31-8B9D-1582C009C93F}" type="datetime1">
               <a:rPr lang="en-US" smtClean="0"/>
-              <a:t>1/18/2020</a:t>
+              <a:t>1/21/2020</a:t>
             </a:fld>
             <a:endParaRPr lang="en-US"/>
           </a:p>
@@ -5495,7 +5495,7 @@
           <a:p>
             <a:fld id="{DF9A6B39-3306-4DB2-B07D-270843DB9CF2}" type="datetimeFigureOut">
               <a:rPr lang="en-US" smtClean="0"/>
-              <a:t>1/18/2020</a:t>
+              <a:t>1/21/2020</a:t>
             </a:fld>
             <a:endParaRPr lang="en-US"/>
           </a:p>
@@ -5770,7 +5770,7 @@
           <a:p>
             <a:fld id="{DF9A6B39-3306-4DB2-B07D-270843DB9CF2}" type="datetimeFigureOut">
               <a:rPr lang="en-US" smtClean="0"/>
-              <a:t>1/18/2020</a:t>
+              <a:t>1/21/2020</a:t>
             </a:fld>
             <a:endParaRPr lang="en-US"/>
           </a:p>
@@ -5968,7 +5968,7 @@
           <a:p>
             <a:fld id="{DF9A6B39-3306-4DB2-B07D-270843DB9CF2}" type="datetimeFigureOut">
               <a:rPr lang="en-US" smtClean="0"/>
-              <a:t>1/18/2020</a:t>
+              <a:t>1/21/2020</a:t>
             </a:fld>
             <a:endParaRPr lang="en-US"/>
           </a:p>
@@ -6166,7 +6166,7 @@
           <a:p>
             <a:fld id="{B7F005A9-C173-430D-BE88-F1EA59487921}" type="datetime1">
               <a:rPr lang="en-US" smtClean="0"/>
-              <a:t>1/18/2020</a:t>
+              <a:t>1/21/2020</a:t>
             </a:fld>
             <a:endParaRPr lang="en-US"/>
           </a:p>
@@ -6441,7 +6441,7 @@
           <a:p>
             <a:fld id="{F1AFB85F-333D-4E2E-9950-8ADFCBD745FB}" type="datetime1">
               <a:rPr lang="en-US" smtClean="0"/>
-              <a:t>1/18/2020</a:t>
+              <a:t>1/21/2020</a:t>
             </a:fld>
             <a:endParaRPr lang="en-US"/>
           </a:p>
@@ -6706,7 +6706,7 @@
           <a:p>
             <a:fld id="{FFB0B5E1-7714-4267-84B3-DF99D24D419E}" type="datetime1">
               <a:rPr lang="en-US" smtClean="0"/>
-              <a:t>1/18/2020</a:t>
+              <a:t>1/21/2020</a:t>
             </a:fld>
             <a:endParaRPr lang="en-US"/>
           </a:p>
@@ -7118,7 +7118,7 @@
           <a:p>
             <a:fld id="{5553DBB5-4FC9-41FE-A5DD-41D80D8FA4D8}" type="datetime1">
               <a:rPr lang="en-US" smtClean="0"/>
-              <a:t>1/18/2020</a:t>
+              <a:t>1/21/2020</a:t>
             </a:fld>
             <a:endParaRPr lang="en-US"/>
           </a:p>
@@ -7259,7 +7259,7 @@
           <a:p>
             <a:fld id="{2C89F4E2-84E7-40DF-8A94-C3E00C3E6C6A}" type="datetime1">
               <a:rPr lang="en-US" smtClean="0"/>
-              <a:t>1/18/2020</a:t>
+              <a:t>1/21/2020</a:t>
             </a:fld>
             <a:endParaRPr lang="en-US"/>
           </a:p>
@@ -7372,7 +7372,7 @@
           <a:p>
             <a:fld id="{8181C7FC-66C1-4D04-B8E7-A02AA122A2B6}" type="datetime1">
               <a:rPr lang="en-US" smtClean="0"/>
-              <a:t>1/18/2020</a:t>
+              <a:t>1/21/2020</a:t>
             </a:fld>
             <a:endParaRPr lang="en-US"/>
           </a:p>
@@ -7683,7 +7683,7 @@
           <a:p>
             <a:fld id="{C8597F24-A0DB-405C-973C-1C5C5E3A9D86}" type="datetime1">
               <a:rPr lang="en-US" smtClean="0"/>
-              <a:t>1/18/2020</a:t>
+              <a:t>1/21/2020</a:t>
             </a:fld>
             <a:endParaRPr lang="en-US"/>
           </a:p>
@@ -7974,7 +7974,7 @@
           <a:p>
             <a:fld id="{E9BE91BF-F4A8-4BDE-805F-8BFCB650F984}" type="datetime1">
               <a:rPr lang="en-US" smtClean="0"/>
-              <a:t>1/18/2020</a:t>
+              <a:t>1/21/2020</a:t>
             </a:fld>
             <a:endParaRPr lang="en-US"/>
           </a:p>
@@ -8215,7 +8215,7 @@
           <a:p>
             <a:fld id="{A6A0D2C6-4BB7-4743-B712-B5CAF0676045}" type="datetime1">
               <a:rPr lang="en-US" smtClean="0"/>
-              <a:t>1/18/2020</a:t>
+              <a:t>1/21/2020</a:t>
             </a:fld>
             <a:endParaRPr lang="en-US"/>
           </a:p>
@@ -8820,7 +8820,7 @@
           <a:p>
             <a:fld id="{DF9A6B39-3306-4DB2-B07D-270843DB9CF2}" type="datetimeFigureOut">
               <a:rPr lang="en-US" smtClean="0"/>
-              <a:t>1/18/2020</a:t>
+              <a:t>1/21/2020</a:t>
             </a:fld>
             <a:endParaRPr lang="en-US"/>
           </a:p>
@@ -12507,6 +12507,33 @@
               <a:rPr lang="en-US" dirty="0"/>
               <a:t> (FREE)</a:t>
             </a:r>
+          </a:p>
+          <a:p>
+            <a:r>
+              <a:rPr lang="en-US" dirty="0">
+                <a:hlinkClick r:id="rId3"/>
+              </a:rPr>
+              <a:t>https://www.udemy.com/course/basics-of-java-programming-language/</a:t>
+            </a:r>
+            <a:r>
+              <a:rPr lang="en-US" dirty="0"/>
+              <a:t> (FREE)</a:t>
+            </a:r>
+          </a:p>
+          <a:p>
+            <a:r>
+              <a:rPr lang="en-US" dirty="0">
+                <a:hlinkClick r:id="rId4"/>
+              </a:rPr>
+              <a:t>https://www.udemy.com/course/java-tutorial/</a:t>
+            </a:r>
+            <a:r>
+              <a:rPr lang="en-US" dirty="0"/>
+              <a:t> (FREE)</a:t>
+            </a:r>
+          </a:p>
+          <a:p>
+            <a:endParaRPr lang="en-US" dirty="0"/>
           </a:p>
         </p:txBody>
       </p:sp>
@@ -26395,18 +26422,6 @@
   <p:clrMapOvr>
     <a:masterClrMapping/>
   </p:clrMapOvr>
-  <mc:AlternateContent xmlns:mc="http://schemas.openxmlformats.org/markup-compatibility/2006">
-    <mc:Choice xmlns:p159="http://schemas.microsoft.com/office/powerpoint/2015/09/main" Requires="p159">
-      <p:transition xmlns:p14="http://schemas.microsoft.com/office/powerpoint/2010/main" spd="slow" p14:dur="2000">
-        <p159:morph option="byObject"/>
-      </p:transition>
-    </mc:Choice>
-    <mc:Fallback>
-      <p:transition spd="slow">
-        <p:fade/>
-      </p:transition>
-    </mc:Fallback>
-  </mc:AlternateContent>
 </p:sld>
 </file>
 
@@ -40255,12 +40270,6 @@
 </file>
 
 <file path=customXml/item1.xml><?xml version="1.0" encoding="utf-8"?>
-<p:properties xmlns:p="http://schemas.microsoft.com/office/2006/metadata/properties" xmlns:xsi="http://www.w3.org/2001/XMLSchema-instance" xmlns:pc="http://schemas.microsoft.com/office/infopath/2007/PartnerControls">
-  <documentManagement/>
-</p:properties>
-</file>
-
-<file path=customXml/item2.xml><?xml version="1.0" encoding="utf-8"?>
 <?mso-contentType ?>
 <FormTemplates xmlns="http://schemas.microsoft.com/sharepoint/v3/contenttype/forms">
   <Display>DocumentLibraryForm</Display>
@@ -40269,7 +40278,7 @@
 </FormTemplates>
 </file>
 
-<file path=customXml/item3.xml><?xml version="1.0" encoding="utf-8"?>
+<file path=customXml/item2.xml><?xml version="1.0" encoding="utf-8"?>
 <ct:contentTypeSchema xmlns:ct="http://schemas.microsoft.com/office/2006/metadata/contentType" xmlns:ma="http://schemas.microsoft.com/office/2006/metadata/properties/metaAttributes" ct:_="" ma:_="" ma:contentTypeName="Document" ma:contentTypeID="0x0101009713D984E442A34893CE9A89154F82D6" ma:contentTypeVersion="10" ma:contentTypeDescription="Create a new document." ma:contentTypeScope="" ma:versionID="46ffca2b83fb424478f2b5aa2fef9f02">
   <xsd:schema xmlns:xsd="http://www.w3.org/2001/XMLSchema" xmlns:xs="http://www.w3.org/2001/XMLSchema" xmlns:p="http://schemas.microsoft.com/office/2006/metadata/properties" xmlns:ns3="531c720f-c21f-4d59-9941-8c8943beae33" xmlns:ns4="0710cda6-3b1d-4442-80bd-8da86f5fbb89" targetNamespace="http://schemas.microsoft.com/office/2006/metadata/properties" ma:root="true" ma:fieldsID="5756a2a347c1c07fdf5ecb58ad80008d" ns3:_="" ns4:_="">
     <xsd:import namespace="531c720f-c21f-4d59-9941-8c8943beae33"/>
@@ -40472,24 +40481,13 @@
 </ct:contentTypeSchema>
 </file>
 
-<file path=customXml/itemProps1.xml><?xml version="1.0" encoding="utf-8"?>
-<ds:datastoreItem xmlns:ds="http://schemas.openxmlformats.org/officeDocument/2006/customXml" ds:itemID="{EFE74EF3-6CBC-4809-8700-4A3EDB00E59D}">
-  <ds:schemaRefs>
-    <ds:schemaRef ds:uri="http://schemas.openxmlformats.org/package/2006/metadata/core-properties"/>
-    <ds:schemaRef ds:uri="531c720f-c21f-4d59-9941-8c8943beae33"/>
-    <ds:schemaRef ds:uri="http://schemas.microsoft.com/office/2006/documentManagement/types"/>
-    <ds:schemaRef ds:uri="http://schemas.microsoft.com/office/infopath/2007/PartnerControls"/>
-    <ds:schemaRef ds:uri="http://purl.org/dc/elements/1.1/"/>
-    <ds:schemaRef ds:uri="http://schemas.microsoft.com/office/2006/metadata/properties"/>
-    <ds:schemaRef ds:uri="http://purl.org/dc/terms/"/>
-    <ds:schemaRef ds:uri="0710cda6-3b1d-4442-80bd-8da86f5fbb89"/>
-    <ds:schemaRef ds:uri="http://www.w3.org/XML/1998/namespace"/>
-    <ds:schemaRef ds:uri="http://purl.org/dc/dcmitype/"/>
-  </ds:schemaRefs>
-</ds:datastoreItem>
+<file path=customXml/item3.xml><?xml version="1.0" encoding="utf-8"?>
+<p:properties xmlns:p="http://schemas.microsoft.com/office/2006/metadata/properties" xmlns:xsi="http://www.w3.org/2001/XMLSchema-instance" xmlns:pc="http://schemas.microsoft.com/office/infopath/2007/PartnerControls">
+  <documentManagement/>
+</p:properties>
 </file>
 
-<file path=customXml/itemProps2.xml><?xml version="1.0" encoding="utf-8"?>
+<file path=customXml/itemProps1.xml><?xml version="1.0" encoding="utf-8"?>
 <ds:datastoreItem xmlns:ds="http://schemas.openxmlformats.org/officeDocument/2006/customXml" ds:itemID="{DD49D0F4-262F-452E-8599-7C7BE85348D1}">
   <ds:schemaRefs>
     <ds:schemaRef ds:uri="http://schemas.microsoft.com/sharepoint/v3/contenttype/forms"/>
@@ -40497,7 +40495,7 @@
 </ds:datastoreItem>
 </file>
 
-<file path=customXml/itemProps3.xml><?xml version="1.0" encoding="utf-8"?>
+<file path=customXml/itemProps2.xml><?xml version="1.0" encoding="utf-8"?>
 <ds:datastoreItem xmlns:ds="http://schemas.openxmlformats.org/officeDocument/2006/customXml" ds:itemID="{BC51D3A3-3165-440C-8ADE-B2FF773616EC}">
   <ds:schemaRefs>
     <ds:schemaRef ds:uri="http://schemas.microsoft.com/office/2006/metadata/contentType"/>
@@ -40514,4 +40512,21 @@
     <ds:schemaRef ds:uri="http://schemas.microsoft.com/internal/obd"/>
   </ds:schemaRefs>
 </ds:datastoreItem>
+</file>
+
+<file path=customXml/itemProps3.xml><?xml version="1.0" encoding="utf-8"?>
+<ds:datastoreItem xmlns:ds="http://schemas.openxmlformats.org/officeDocument/2006/customXml" ds:itemID="{EFE74EF3-6CBC-4809-8700-4A3EDB00E59D}">
+  <ds:schemaRefs>
+    <ds:schemaRef ds:uri="http://purl.org/dc/elements/1.1/"/>
+    <ds:schemaRef ds:uri="http://purl.org/dc/terms/"/>
+    <ds:schemaRef ds:uri="http://schemas.microsoft.com/office/infopath/2007/PartnerControls"/>
+    <ds:schemaRef ds:uri="http://schemas.microsoft.com/office/2006/documentManagement/types"/>
+    <ds:schemaRef ds:uri="531c720f-c21f-4d59-9941-8c8943beae33"/>
+    <ds:schemaRef ds:uri="http://purl.org/dc/dcmitype/"/>
+    <ds:schemaRef ds:uri="http://schemas.openxmlformats.org/package/2006/metadata/core-properties"/>
+    <ds:schemaRef ds:uri="0710cda6-3b1d-4442-80bd-8da86f5fbb89"/>
+    <ds:schemaRef ds:uri="http://schemas.microsoft.com/office/2006/metadata/properties"/>
+    <ds:schemaRef ds:uri="http://www.w3.org/XML/1998/namespace"/>
+  </ds:schemaRefs>
+</ds:datastoreItem>
 </file>